--- a/Me-Me_Mockup.pptx
+++ b/Me-Me_Mockup.pptx
@@ -7,6 +7,10 @@
   <p:sldIdLst>
     <p:sldId id="256" r:id="rId2"/>
     <p:sldId id="257" r:id="rId3"/>
+    <p:sldId id="258" r:id="rId4"/>
+    <p:sldId id="259" r:id="rId5"/>
+    <p:sldId id="260" r:id="rId6"/>
+    <p:sldId id="261" r:id="rId7"/>
   </p:sldIdLst>
   <p:sldSz cx="12192000" cy="6858000"/>
   <p:notesSz cx="6858000" cy="9144000"/>
@@ -272,7 +276,7 @@
           <a:p>
             <a:fld id="{B512A934-01EA-4B06-AAC8-BDFD1DA82116}" type="datetimeFigureOut">
               <a:rPr lang="de-DE" smtClean="0"/>
-              <a:t>05.04.2021</a:t>
+              <a:t>06.04.2021</a:t>
             </a:fld>
             <a:endParaRPr lang="de-DE"/>
           </a:p>
@@ -470,7 +474,7 @@
           <a:p>
             <a:fld id="{B512A934-01EA-4B06-AAC8-BDFD1DA82116}" type="datetimeFigureOut">
               <a:rPr lang="de-DE" smtClean="0"/>
-              <a:t>05.04.2021</a:t>
+              <a:t>06.04.2021</a:t>
             </a:fld>
             <a:endParaRPr lang="de-DE"/>
           </a:p>
@@ -678,7 +682,7 @@
           <a:p>
             <a:fld id="{B512A934-01EA-4B06-AAC8-BDFD1DA82116}" type="datetimeFigureOut">
               <a:rPr lang="de-DE" smtClean="0"/>
-              <a:t>05.04.2021</a:t>
+              <a:t>06.04.2021</a:t>
             </a:fld>
             <a:endParaRPr lang="de-DE"/>
           </a:p>
@@ -876,7 +880,7 @@
           <a:p>
             <a:fld id="{B512A934-01EA-4B06-AAC8-BDFD1DA82116}" type="datetimeFigureOut">
               <a:rPr lang="de-DE" smtClean="0"/>
-              <a:t>05.04.2021</a:t>
+              <a:t>06.04.2021</a:t>
             </a:fld>
             <a:endParaRPr lang="de-DE"/>
           </a:p>
@@ -1151,7 +1155,7 @@
           <a:p>
             <a:fld id="{B512A934-01EA-4B06-AAC8-BDFD1DA82116}" type="datetimeFigureOut">
               <a:rPr lang="de-DE" smtClean="0"/>
-              <a:t>05.04.2021</a:t>
+              <a:t>06.04.2021</a:t>
             </a:fld>
             <a:endParaRPr lang="de-DE"/>
           </a:p>
@@ -1416,7 +1420,7 @@
           <a:p>
             <a:fld id="{B512A934-01EA-4B06-AAC8-BDFD1DA82116}" type="datetimeFigureOut">
               <a:rPr lang="de-DE" smtClean="0"/>
-              <a:t>05.04.2021</a:t>
+              <a:t>06.04.2021</a:t>
             </a:fld>
             <a:endParaRPr lang="de-DE"/>
           </a:p>
@@ -1828,7 +1832,7 @@
           <a:p>
             <a:fld id="{B512A934-01EA-4B06-AAC8-BDFD1DA82116}" type="datetimeFigureOut">
               <a:rPr lang="de-DE" smtClean="0"/>
-              <a:t>05.04.2021</a:t>
+              <a:t>06.04.2021</a:t>
             </a:fld>
             <a:endParaRPr lang="de-DE"/>
           </a:p>
@@ -1969,7 +1973,7 @@
           <a:p>
             <a:fld id="{B512A934-01EA-4B06-AAC8-BDFD1DA82116}" type="datetimeFigureOut">
               <a:rPr lang="de-DE" smtClean="0"/>
-              <a:t>05.04.2021</a:t>
+              <a:t>06.04.2021</a:t>
             </a:fld>
             <a:endParaRPr lang="de-DE"/>
           </a:p>
@@ -2082,7 +2086,7 @@
           <a:p>
             <a:fld id="{B512A934-01EA-4B06-AAC8-BDFD1DA82116}" type="datetimeFigureOut">
               <a:rPr lang="de-DE" smtClean="0"/>
-              <a:t>05.04.2021</a:t>
+              <a:t>06.04.2021</a:t>
             </a:fld>
             <a:endParaRPr lang="de-DE"/>
           </a:p>
@@ -2393,7 +2397,7 @@
           <a:p>
             <a:fld id="{B512A934-01EA-4B06-AAC8-BDFD1DA82116}" type="datetimeFigureOut">
               <a:rPr lang="de-DE" smtClean="0"/>
-              <a:t>05.04.2021</a:t>
+              <a:t>06.04.2021</a:t>
             </a:fld>
             <a:endParaRPr lang="de-DE"/>
           </a:p>
@@ -2681,7 +2685,7 @@
           <a:p>
             <a:fld id="{B512A934-01EA-4B06-AAC8-BDFD1DA82116}" type="datetimeFigureOut">
               <a:rPr lang="de-DE" smtClean="0"/>
-              <a:t>05.04.2021</a:t>
+              <a:t>06.04.2021</a:t>
             </a:fld>
             <a:endParaRPr lang="de-DE"/>
           </a:p>
@@ -2922,7 +2926,7 @@
           <a:p>
             <a:fld id="{B512A934-01EA-4B06-AAC8-BDFD1DA82116}" type="datetimeFigureOut">
               <a:rPr lang="de-DE" smtClean="0"/>
-              <a:t>05.04.2021</a:t>
+              <a:t>06.04.2021</a:t>
             </a:fld>
             <a:endParaRPr lang="de-DE"/>
           </a:p>
@@ -5822,6 +5826,5857 @@
 </p:sld>
 </file>
 
+<file path=ppt/slides/slide3.xml><?xml version="1.0" encoding="utf-8"?>
+<p:sld xmlns:a="http://schemas.openxmlformats.org/drawingml/2006/main" xmlns:r="http://schemas.openxmlformats.org/officeDocument/2006/relationships" xmlns:p="http://schemas.openxmlformats.org/presentationml/2006/main">
+  <p:cSld>
+    <p:spTree>
+      <p:nvGrpSpPr>
+        <p:cNvPr id="1" name=""/>
+        <p:cNvGrpSpPr/>
+        <p:nvPr/>
+      </p:nvGrpSpPr>
+      <p:grpSpPr>
+        <a:xfrm>
+          <a:off x="0" y="0"/>
+          <a:ext cx="0" cy="0"/>
+          <a:chOff x="0" y="0"/>
+          <a:chExt cx="0" cy="0"/>
+        </a:xfrm>
+      </p:grpSpPr>
+      <p:sp>
+        <p:nvSpPr>
+          <p:cNvPr id="4" name="Rechteck 3">
+            <a:extLst>
+              <a:ext uri="{FF2B5EF4-FFF2-40B4-BE49-F238E27FC236}">
+                <a16:creationId xmlns:a16="http://schemas.microsoft.com/office/drawing/2014/main" id="{DD7FF75F-B5D0-4FF1-89EF-15A1AC7997B5}"/>
+              </a:ext>
+            </a:extLst>
+          </p:cNvPr>
+          <p:cNvSpPr/>
+          <p:nvPr/>
+        </p:nvSpPr>
+        <p:spPr>
+          <a:xfrm>
+            <a:off x="1583094" y="0"/>
+            <a:ext cx="3688702" cy="6858000"/>
+          </a:xfrm>
+          <a:prstGeom prst="rect">
+            <a:avLst/>
+          </a:prstGeom>
+          <a:solidFill>
+            <a:srgbClr val="1F1F1F"/>
+          </a:solidFill>
+          <a:ln>
+            <a:solidFill>
+              <a:schemeClr val="tx1"/>
+            </a:solidFill>
+          </a:ln>
+        </p:spPr>
+        <p:style>
+          <a:lnRef idx="2">
+            <a:schemeClr val="accent1">
+              <a:shade val="50000"/>
+            </a:schemeClr>
+          </a:lnRef>
+          <a:fillRef idx="1">
+            <a:schemeClr val="accent1"/>
+          </a:fillRef>
+          <a:effectRef idx="0">
+            <a:schemeClr val="accent1"/>
+          </a:effectRef>
+          <a:fontRef idx="minor">
+            <a:schemeClr val="lt1"/>
+          </a:fontRef>
+        </p:style>
+        <p:txBody>
+          <a:bodyPr rtlCol="0" anchor="ctr"/>
+          <a:lstStyle/>
+          <a:p>
+            <a:pPr algn="ctr"/>
+            <a:endParaRPr lang="de-DE"/>
+          </a:p>
+        </p:txBody>
+      </p:sp>
+      <p:pic>
+        <p:nvPicPr>
+          <p:cNvPr id="6" name="Grafik 5">
+            <a:extLst>
+              <a:ext uri="{FF2B5EF4-FFF2-40B4-BE49-F238E27FC236}">
+                <a16:creationId xmlns:a16="http://schemas.microsoft.com/office/drawing/2014/main" id="{8D1865A9-8D9D-4390-86DE-8CC388E43570}"/>
+              </a:ext>
+            </a:extLst>
+          </p:cNvPr>
+          <p:cNvPicPr>
+            <a:picLocks noChangeAspect="1"/>
+          </p:cNvPicPr>
+          <p:nvPr/>
+        </p:nvPicPr>
+        <p:blipFill>
+          <a:blip r:embed="rId2">
+            <a:extLst>
+              <a:ext uri="{28A0092B-C50C-407E-A947-70E740481C1C}">
+                <a14:useLocalDpi xmlns:a14="http://schemas.microsoft.com/office/drawing/2010/main" val="0"/>
+              </a:ext>
+              <a:ext uri="{96DAC541-7B7A-43D3-8B79-37D633B846F1}">
+                <asvg:svgBlip xmlns:asvg="http://schemas.microsoft.com/office/drawing/2016/SVG/main" r:embed="rId3"/>
+              </a:ext>
+            </a:extLst>
+          </a:blip>
+          <a:stretch>
+            <a:fillRect/>
+          </a:stretch>
+        </p:blipFill>
+        <p:spPr>
+          <a:xfrm>
+            <a:off x="2650404" y="177283"/>
+            <a:ext cx="1554082" cy="1554082"/>
+          </a:xfrm>
+          <a:prstGeom prst="rect">
+            <a:avLst/>
+          </a:prstGeom>
+        </p:spPr>
+      </p:pic>
+      <p:sp>
+        <p:nvSpPr>
+          <p:cNvPr id="7" name="Rechteck 6">
+            <a:extLst>
+              <a:ext uri="{FF2B5EF4-FFF2-40B4-BE49-F238E27FC236}">
+                <a16:creationId xmlns:a16="http://schemas.microsoft.com/office/drawing/2014/main" id="{46CAFDB9-F07D-45BA-9134-D49E8BA9ABCE}"/>
+              </a:ext>
+            </a:extLst>
+          </p:cNvPr>
+          <p:cNvSpPr/>
+          <p:nvPr/>
+        </p:nvSpPr>
+        <p:spPr>
+          <a:xfrm>
+            <a:off x="2121159" y="3171853"/>
+            <a:ext cx="2612572" cy="401216"/>
+          </a:xfrm>
+          <a:prstGeom prst="rect">
+            <a:avLst/>
+          </a:prstGeom>
+          <a:noFill/>
+          <a:ln>
+            <a:noFill/>
+          </a:ln>
+        </p:spPr>
+        <p:style>
+          <a:lnRef idx="2">
+            <a:schemeClr val="accent1">
+              <a:shade val="50000"/>
+            </a:schemeClr>
+          </a:lnRef>
+          <a:fillRef idx="1">
+            <a:schemeClr val="accent1"/>
+          </a:fillRef>
+          <a:effectRef idx="0">
+            <a:schemeClr val="accent1"/>
+          </a:effectRef>
+          <a:fontRef idx="minor">
+            <a:schemeClr val="lt1"/>
+          </a:fontRef>
+        </p:style>
+        <p:txBody>
+          <a:bodyPr rtlCol="0" anchor="ctr"/>
+          <a:lstStyle/>
+          <a:p>
+            <a:r>
+              <a:rPr lang="de-DE" dirty="0">
+                <a:solidFill>
+                  <a:srgbClr val="CFCBCA"/>
+                </a:solidFill>
+                <a:latin typeface="Roboto Light" panose="02000000000000000000" pitchFamily="2" charset="0"/>
+                <a:ea typeface="Roboto Light" panose="02000000000000000000" pitchFamily="2" charset="0"/>
+              </a:rPr>
+              <a:t>E-Mail</a:t>
+            </a:r>
+          </a:p>
+        </p:txBody>
+      </p:sp>
+      <p:sp>
+        <p:nvSpPr>
+          <p:cNvPr id="8" name="Rechteck 7">
+            <a:extLst>
+              <a:ext uri="{FF2B5EF4-FFF2-40B4-BE49-F238E27FC236}">
+                <a16:creationId xmlns:a16="http://schemas.microsoft.com/office/drawing/2014/main" id="{89323FCE-A493-46BB-A2C2-3EC19E39AD22}"/>
+              </a:ext>
+            </a:extLst>
+          </p:cNvPr>
+          <p:cNvSpPr/>
+          <p:nvPr/>
+        </p:nvSpPr>
+        <p:spPr>
+          <a:xfrm>
+            <a:off x="2121159" y="3731152"/>
+            <a:ext cx="2612572" cy="401216"/>
+          </a:xfrm>
+          <a:prstGeom prst="rect">
+            <a:avLst/>
+          </a:prstGeom>
+          <a:noFill/>
+          <a:ln>
+            <a:noFill/>
+          </a:ln>
+        </p:spPr>
+        <p:style>
+          <a:lnRef idx="2">
+            <a:schemeClr val="accent1">
+              <a:shade val="50000"/>
+            </a:schemeClr>
+          </a:lnRef>
+          <a:fillRef idx="1">
+            <a:schemeClr val="accent1"/>
+          </a:fillRef>
+          <a:effectRef idx="0">
+            <a:schemeClr val="accent1"/>
+          </a:effectRef>
+          <a:fontRef idx="minor">
+            <a:schemeClr val="lt1"/>
+          </a:fontRef>
+        </p:style>
+        <p:txBody>
+          <a:bodyPr rtlCol="0" anchor="ctr"/>
+          <a:lstStyle/>
+          <a:p>
+            <a:r>
+              <a:rPr lang="de-DE" dirty="0">
+                <a:solidFill>
+                  <a:srgbClr val="CFCBCA"/>
+                </a:solidFill>
+                <a:latin typeface="Roboto Light" panose="02000000000000000000" pitchFamily="2" charset="0"/>
+                <a:ea typeface="Roboto Light" panose="02000000000000000000" pitchFamily="2" charset="0"/>
+              </a:rPr>
+              <a:t>Passwort</a:t>
+            </a:r>
+          </a:p>
+        </p:txBody>
+      </p:sp>
+      <p:cxnSp>
+        <p:nvCxnSpPr>
+          <p:cNvPr id="11" name="Gerader Verbinder 10">
+            <a:extLst>
+              <a:ext uri="{FF2B5EF4-FFF2-40B4-BE49-F238E27FC236}">
+                <a16:creationId xmlns:a16="http://schemas.microsoft.com/office/drawing/2014/main" id="{50D04FEA-1887-4CF0-A244-3B6B675E9647}"/>
+              </a:ext>
+            </a:extLst>
+          </p:cNvPr>
+          <p:cNvCxnSpPr/>
+          <p:nvPr/>
+        </p:nvCxnSpPr>
+        <p:spPr>
+          <a:xfrm>
+            <a:off x="2121159" y="3573069"/>
+            <a:ext cx="2612572" cy="0"/>
+          </a:xfrm>
+          <a:prstGeom prst="line">
+            <a:avLst/>
+          </a:prstGeom>
+          <a:ln>
+            <a:solidFill>
+              <a:srgbClr val="CFCBCA"/>
+            </a:solidFill>
+          </a:ln>
+        </p:spPr>
+        <p:style>
+          <a:lnRef idx="1">
+            <a:schemeClr val="accent1"/>
+          </a:lnRef>
+          <a:fillRef idx="0">
+            <a:schemeClr val="accent1"/>
+          </a:fillRef>
+          <a:effectRef idx="0">
+            <a:schemeClr val="accent1"/>
+          </a:effectRef>
+          <a:fontRef idx="minor">
+            <a:schemeClr val="tx1"/>
+          </a:fontRef>
+        </p:style>
+      </p:cxnSp>
+      <p:cxnSp>
+        <p:nvCxnSpPr>
+          <p:cNvPr id="12" name="Gerader Verbinder 11">
+            <a:extLst>
+              <a:ext uri="{FF2B5EF4-FFF2-40B4-BE49-F238E27FC236}">
+                <a16:creationId xmlns:a16="http://schemas.microsoft.com/office/drawing/2014/main" id="{1345B507-CF2A-4668-B6CC-65560662E598}"/>
+              </a:ext>
+            </a:extLst>
+          </p:cNvPr>
+          <p:cNvCxnSpPr/>
+          <p:nvPr/>
+        </p:nvCxnSpPr>
+        <p:spPr>
+          <a:xfrm>
+            <a:off x="2121159" y="4132368"/>
+            <a:ext cx="2612572" cy="0"/>
+          </a:xfrm>
+          <a:prstGeom prst="line">
+            <a:avLst/>
+          </a:prstGeom>
+          <a:ln>
+            <a:solidFill>
+              <a:srgbClr val="CFCBCA"/>
+            </a:solidFill>
+          </a:ln>
+        </p:spPr>
+        <p:style>
+          <a:lnRef idx="1">
+            <a:schemeClr val="accent1"/>
+          </a:lnRef>
+          <a:fillRef idx="0">
+            <a:schemeClr val="accent1"/>
+          </a:fillRef>
+          <a:effectRef idx="0">
+            <a:schemeClr val="accent1"/>
+          </a:effectRef>
+          <a:fontRef idx="minor">
+            <a:schemeClr val="tx1"/>
+          </a:fontRef>
+        </p:style>
+      </p:cxnSp>
+      <p:sp>
+        <p:nvSpPr>
+          <p:cNvPr id="13" name="Rechteck 12">
+            <a:extLst>
+              <a:ext uri="{FF2B5EF4-FFF2-40B4-BE49-F238E27FC236}">
+                <a16:creationId xmlns:a16="http://schemas.microsoft.com/office/drawing/2014/main" id="{E63A3B96-2F20-4677-A112-2B1B8792CD12}"/>
+              </a:ext>
+            </a:extLst>
+          </p:cNvPr>
+          <p:cNvSpPr/>
+          <p:nvPr/>
+        </p:nvSpPr>
+        <p:spPr>
+          <a:xfrm>
+            <a:off x="7399176" y="0"/>
+            <a:ext cx="3688702" cy="6858000"/>
+          </a:xfrm>
+          <a:prstGeom prst="rect">
+            <a:avLst/>
+          </a:prstGeom>
+          <a:solidFill>
+            <a:srgbClr val="1F1F1F"/>
+          </a:solidFill>
+          <a:ln>
+            <a:solidFill>
+              <a:schemeClr val="tx1"/>
+            </a:solidFill>
+          </a:ln>
+        </p:spPr>
+        <p:style>
+          <a:lnRef idx="2">
+            <a:schemeClr val="accent1">
+              <a:shade val="50000"/>
+            </a:schemeClr>
+          </a:lnRef>
+          <a:fillRef idx="1">
+            <a:schemeClr val="accent1"/>
+          </a:fillRef>
+          <a:effectRef idx="0">
+            <a:schemeClr val="accent1"/>
+          </a:effectRef>
+          <a:fontRef idx="minor">
+            <a:schemeClr val="lt1"/>
+          </a:fontRef>
+        </p:style>
+        <p:txBody>
+          <a:bodyPr rtlCol="0" anchor="ctr"/>
+          <a:lstStyle/>
+          <a:p>
+            <a:pPr algn="ctr"/>
+            <a:endParaRPr lang="de-DE"/>
+          </a:p>
+        </p:txBody>
+      </p:sp>
+      <p:pic>
+        <p:nvPicPr>
+          <p:cNvPr id="14" name="Grafik 13">
+            <a:extLst>
+              <a:ext uri="{FF2B5EF4-FFF2-40B4-BE49-F238E27FC236}">
+                <a16:creationId xmlns:a16="http://schemas.microsoft.com/office/drawing/2014/main" id="{56092303-F0D6-4403-B19C-8006DDC13AE7}"/>
+              </a:ext>
+            </a:extLst>
+          </p:cNvPr>
+          <p:cNvPicPr>
+            <a:picLocks noChangeAspect="1"/>
+          </p:cNvPicPr>
+          <p:nvPr/>
+        </p:nvPicPr>
+        <p:blipFill>
+          <a:blip r:embed="rId2">
+            <a:extLst>
+              <a:ext uri="{28A0092B-C50C-407E-A947-70E740481C1C}">
+                <a14:useLocalDpi xmlns:a14="http://schemas.microsoft.com/office/drawing/2010/main" val="0"/>
+              </a:ext>
+              <a:ext uri="{96DAC541-7B7A-43D3-8B79-37D633B846F1}">
+                <asvg:svgBlip xmlns:asvg="http://schemas.microsoft.com/office/drawing/2016/SVG/main" r:embed="rId3"/>
+              </a:ext>
+            </a:extLst>
+          </a:blip>
+          <a:stretch>
+            <a:fillRect/>
+          </a:stretch>
+        </p:blipFill>
+        <p:spPr>
+          <a:xfrm>
+            <a:off x="8466486" y="177283"/>
+            <a:ext cx="1554082" cy="1554082"/>
+          </a:xfrm>
+          <a:prstGeom prst="rect">
+            <a:avLst/>
+          </a:prstGeom>
+        </p:spPr>
+      </p:pic>
+      <p:sp>
+        <p:nvSpPr>
+          <p:cNvPr id="35" name="Rechteck 34">
+            <a:extLst>
+              <a:ext uri="{FF2B5EF4-FFF2-40B4-BE49-F238E27FC236}">
+                <a16:creationId xmlns:a16="http://schemas.microsoft.com/office/drawing/2014/main" id="{DB7D9AD5-EEB8-4D83-A761-BBA2B1B6AB3A}"/>
+              </a:ext>
+            </a:extLst>
+          </p:cNvPr>
+          <p:cNvSpPr/>
+          <p:nvPr/>
+        </p:nvSpPr>
+        <p:spPr>
+          <a:xfrm>
+            <a:off x="2121159" y="5124626"/>
+            <a:ext cx="2612572" cy="401216"/>
+          </a:xfrm>
+          <a:prstGeom prst="rect">
+            <a:avLst/>
+          </a:prstGeom>
+          <a:solidFill>
+            <a:srgbClr val="68A4D9"/>
+          </a:solidFill>
+          <a:ln>
+            <a:noFill/>
+          </a:ln>
+        </p:spPr>
+        <p:style>
+          <a:lnRef idx="2">
+            <a:schemeClr val="accent1">
+              <a:shade val="50000"/>
+            </a:schemeClr>
+          </a:lnRef>
+          <a:fillRef idx="1">
+            <a:schemeClr val="accent1"/>
+          </a:fillRef>
+          <a:effectRef idx="0">
+            <a:schemeClr val="accent1"/>
+          </a:effectRef>
+          <a:fontRef idx="minor">
+            <a:schemeClr val="lt1"/>
+          </a:fontRef>
+        </p:style>
+        <p:txBody>
+          <a:bodyPr rtlCol="0" anchor="ctr"/>
+          <a:lstStyle/>
+          <a:p>
+            <a:pPr algn="ctr"/>
+            <a:r>
+              <a:rPr lang="de-DE" dirty="0">
+                <a:solidFill>
+                  <a:srgbClr val="1F1F1F"/>
+                </a:solidFill>
+                <a:latin typeface="Roboto Light" panose="02000000000000000000" pitchFamily="2" charset="0"/>
+                <a:ea typeface="Roboto Light" panose="02000000000000000000" pitchFamily="2" charset="0"/>
+              </a:rPr>
+              <a:t>Registrieren</a:t>
+            </a:r>
+          </a:p>
+        </p:txBody>
+      </p:sp>
+      <p:sp>
+        <p:nvSpPr>
+          <p:cNvPr id="17" name="Rechteck 16">
+            <a:extLst>
+              <a:ext uri="{FF2B5EF4-FFF2-40B4-BE49-F238E27FC236}">
+                <a16:creationId xmlns:a16="http://schemas.microsoft.com/office/drawing/2014/main" id="{B94A4A71-7C7C-4A85-929A-D0453098EADB}"/>
+              </a:ext>
+            </a:extLst>
+          </p:cNvPr>
+          <p:cNvSpPr/>
+          <p:nvPr/>
+        </p:nvSpPr>
+        <p:spPr>
+          <a:xfrm>
+            <a:off x="2121159" y="1642725"/>
+            <a:ext cx="2612572" cy="401216"/>
+          </a:xfrm>
+          <a:prstGeom prst="rect">
+            <a:avLst/>
+          </a:prstGeom>
+          <a:noFill/>
+          <a:ln>
+            <a:noFill/>
+          </a:ln>
+        </p:spPr>
+        <p:style>
+          <a:lnRef idx="2">
+            <a:schemeClr val="accent1">
+              <a:shade val="50000"/>
+            </a:schemeClr>
+          </a:lnRef>
+          <a:fillRef idx="1">
+            <a:schemeClr val="accent1"/>
+          </a:fillRef>
+          <a:effectRef idx="0">
+            <a:schemeClr val="accent1"/>
+          </a:effectRef>
+          <a:fontRef idx="minor">
+            <a:schemeClr val="lt1"/>
+          </a:fontRef>
+        </p:style>
+        <p:txBody>
+          <a:bodyPr rtlCol="0" anchor="ctr"/>
+          <a:lstStyle/>
+          <a:p>
+            <a:pPr algn="ctr"/>
+            <a:r>
+              <a:rPr lang="de-DE" sz="2800" b="1" dirty="0">
+                <a:solidFill>
+                  <a:srgbClr val="957FEF"/>
+                </a:solidFill>
+                <a:latin typeface="Courgette" panose="02000603070400060004" pitchFamily="2" charset="0"/>
+                <a:ea typeface="Roboto Light" panose="02000000000000000000" pitchFamily="2" charset="0"/>
+                <a:cs typeface="Courier New" panose="02070309020205020404" pitchFamily="49" charset="0"/>
+              </a:rPr>
+              <a:t>Me-Me</a:t>
+            </a:r>
+          </a:p>
+        </p:txBody>
+      </p:sp>
+      <p:sp>
+        <p:nvSpPr>
+          <p:cNvPr id="21" name="Rechteck 20">
+            <a:extLst>
+              <a:ext uri="{FF2B5EF4-FFF2-40B4-BE49-F238E27FC236}">
+                <a16:creationId xmlns:a16="http://schemas.microsoft.com/office/drawing/2014/main" id="{50EF244D-78DA-45C7-A4EE-7C3B6F8DC983}"/>
+              </a:ext>
+            </a:extLst>
+          </p:cNvPr>
+          <p:cNvSpPr/>
+          <p:nvPr/>
+        </p:nvSpPr>
+        <p:spPr>
+          <a:xfrm>
+            <a:off x="7937241" y="1637521"/>
+            <a:ext cx="2612572" cy="401216"/>
+          </a:xfrm>
+          <a:prstGeom prst="rect">
+            <a:avLst/>
+          </a:prstGeom>
+          <a:noFill/>
+          <a:ln>
+            <a:noFill/>
+          </a:ln>
+        </p:spPr>
+        <p:style>
+          <a:lnRef idx="2">
+            <a:schemeClr val="accent1">
+              <a:shade val="50000"/>
+            </a:schemeClr>
+          </a:lnRef>
+          <a:fillRef idx="1">
+            <a:schemeClr val="accent1"/>
+          </a:fillRef>
+          <a:effectRef idx="0">
+            <a:schemeClr val="accent1"/>
+          </a:effectRef>
+          <a:fontRef idx="minor">
+            <a:schemeClr val="lt1"/>
+          </a:fontRef>
+        </p:style>
+        <p:txBody>
+          <a:bodyPr rtlCol="0" anchor="ctr"/>
+          <a:lstStyle/>
+          <a:p>
+            <a:pPr algn="ctr"/>
+            <a:r>
+              <a:rPr lang="de-DE" sz="2800" b="1" dirty="0">
+                <a:solidFill>
+                  <a:srgbClr val="957FEF"/>
+                </a:solidFill>
+                <a:latin typeface="Courgette" panose="02000603070400060004" pitchFamily="2" charset="0"/>
+                <a:ea typeface="Roboto Light" panose="02000000000000000000" pitchFamily="2" charset="0"/>
+                <a:cs typeface="Courier New" panose="02070309020205020404" pitchFamily="49" charset="0"/>
+              </a:rPr>
+              <a:t>Me-Me</a:t>
+            </a:r>
+          </a:p>
+        </p:txBody>
+      </p:sp>
+      <p:sp>
+        <p:nvSpPr>
+          <p:cNvPr id="22" name="Rechteck 21">
+            <a:extLst>
+              <a:ext uri="{FF2B5EF4-FFF2-40B4-BE49-F238E27FC236}">
+                <a16:creationId xmlns:a16="http://schemas.microsoft.com/office/drawing/2014/main" id="{43C5D1D0-EAFA-47D4-B484-36603BA8EE06}"/>
+              </a:ext>
+            </a:extLst>
+          </p:cNvPr>
+          <p:cNvSpPr/>
+          <p:nvPr/>
+        </p:nvSpPr>
+        <p:spPr>
+          <a:xfrm>
+            <a:off x="2121159" y="5818296"/>
+            <a:ext cx="2612572" cy="401216"/>
+          </a:xfrm>
+          <a:prstGeom prst="rect">
+            <a:avLst/>
+          </a:prstGeom>
+          <a:noFill/>
+          <a:ln>
+            <a:noFill/>
+          </a:ln>
+        </p:spPr>
+        <p:style>
+          <a:lnRef idx="2">
+            <a:schemeClr val="accent1">
+              <a:shade val="50000"/>
+            </a:schemeClr>
+          </a:lnRef>
+          <a:fillRef idx="1">
+            <a:schemeClr val="accent1"/>
+          </a:fillRef>
+          <a:effectRef idx="0">
+            <a:schemeClr val="accent1"/>
+          </a:effectRef>
+          <a:fontRef idx="minor">
+            <a:schemeClr val="lt1"/>
+          </a:fontRef>
+        </p:style>
+        <p:txBody>
+          <a:bodyPr rtlCol="0" anchor="ctr"/>
+          <a:lstStyle/>
+          <a:p>
+            <a:pPr algn="ctr"/>
+            <a:r>
+              <a:rPr lang="de-DE" sz="1200" dirty="0">
+                <a:solidFill>
+                  <a:srgbClr val="CFCBCA"/>
+                </a:solidFill>
+                <a:latin typeface="Roboto Light" panose="02000000000000000000" pitchFamily="2" charset="0"/>
+                <a:ea typeface="Roboto Light" panose="02000000000000000000" pitchFamily="2" charset="0"/>
+              </a:rPr>
+              <a:t>Bereits ein Konto? </a:t>
+            </a:r>
+            <a:r>
+              <a:rPr lang="de-DE" sz="1200" u="sng" dirty="0">
+                <a:solidFill>
+                  <a:srgbClr val="957FEF"/>
+                </a:solidFill>
+                <a:latin typeface="Roboto Light" panose="02000000000000000000" pitchFamily="2" charset="0"/>
+                <a:ea typeface="Roboto Light" panose="02000000000000000000" pitchFamily="2" charset="0"/>
+              </a:rPr>
+              <a:t>Hier Einloggen</a:t>
+            </a:r>
+          </a:p>
+        </p:txBody>
+      </p:sp>
+      <p:cxnSp>
+        <p:nvCxnSpPr>
+          <p:cNvPr id="24" name="Gerader Verbinder 23">
+            <a:extLst>
+              <a:ext uri="{FF2B5EF4-FFF2-40B4-BE49-F238E27FC236}">
+                <a16:creationId xmlns:a16="http://schemas.microsoft.com/office/drawing/2014/main" id="{1326664B-EB05-43FC-91D1-1A2678A9F094}"/>
+              </a:ext>
+            </a:extLst>
+          </p:cNvPr>
+          <p:cNvCxnSpPr>
+            <a:cxnSpLocks/>
+          </p:cNvCxnSpPr>
+          <p:nvPr/>
+        </p:nvCxnSpPr>
+        <p:spPr>
+          <a:xfrm>
+            <a:off x="2121159" y="5780398"/>
+            <a:ext cx="2612572" cy="0"/>
+          </a:xfrm>
+          <a:prstGeom prst="line">
+            <a:avLst/>
+          </a:prstGeom>
+          <a:ln>
+            <a:solidFill>
+              <a:srgbClr val="A09896"/>
+            </a:solidFill>
+          </a:ln>
+        </p:spPr>
+        <p:style>
+          <a:lnRef idx="1">
+            <a:schemeClr val="accent1"/>
+          </a:lnRef>
+          <a:fillRef idx="0">
+            <a:schemeClr val="accent1"/>
+          </a:fillRef>
+          <a:effectRef idx="0">
+            <a:schemeClr val="accent1"/>
+          </a:effectRef>
+          <a:fontRef idx="minor">
+            <a:schemeClr val="tx1"/>
+          </a:fontRef>
+        </p:style>
+      </p:cxnSp>
+      <p:sp>
+        <p:nvSpPr>
+          <p:cNvPr id="25" name="Rechteck 24">
+            <a:extLst>
+              <a:ext uri="{FF2B5EF4-FFF2-40B4-BE49-F238E27FC236}">
+                <a16:creationId xmlns:a16="http://schemas.microsoft.com/office/drawing/2014/main" id="{5EC5F090-09F2-4896-8859-C217243FBF8D}"/>
+              </a:ext>
+            </a:extLst>
+          </p:cNvPr>
+          <p:cNvSpPr/>
+          <p:nvPr/>
+        </p:nvSpPr>
+        <p:spPr>
+          <a:xfrm>
+            <a:off x="2121159" y="4300782"/>
+            <a:ext cx="2612572" cy="401216"/>
+          </a:xfrm>
+          <a:prstGeom prst="rect">
+            <a:avLst/>
+          </a:prstGeom>
+          <a:noFill/>
+          <a:ln>
+            <a:noFill/>
+          </a:ln>
+        </p:spPr>
+        <p:style>
+          <a:lnRef idx="2">
+            <a:schemeClr val="accent1">
+              <a:shade val="50000"/>
+            </a:schemeClr>
+          </a:lnRef>
+          <a:fillRef idx="1">
+            <a:schemeClr val="accent1"/>
+          </a:fillRef>
+          <a:effectRef idx="0">
+            <a:schemeClr val="accent1"/>
+          </a:effectRef>
+          <a:fontRef idx="minor">
+            <a:schemeClr val="lt1"/>
+          </a:fontRef>
+        </p:style>
+        <p:txBody>
+          <a:bodyPr rtlCol="0" anchor="ctr"/>
+          <a:lstStyle/>
+          <a:p>
+            <a:r>
+              <a:rPr lang="de-DE" dirty="0">
+                <a:solidFill>
+                  <a:srgbClr val="CFCBCA"/>
+                </a:solidFill>
+                <a:latin typeface="Roboto Light" panose="02000000000000000000" pitchFamily="2" charset="0"/>
+                <a:ea typeface="Roboto Light" panose="02000000000000000000" pitchFamily="2" charset="0"/>
+              </a:rPr>
+              <a:t>Passwort</a:t>
+            </a:r>
+          </a:p>
+        </p:txBody>
+      </p:sp>
+      <p:cxnSp>
+        <p:nvCxnSpPr>
+          <p:cNvPr id="26" name="Gerader Verbinder 25">
+            <a:extLst>
+              <a:ext uri="{FF2B5EF4-FFF2-40B4-BE49-F238E27FC236}">
+                <a16:creationId xmlns:a16="http://schemas.microsoft.com/office/drawing/2014/main" id="{13C07BBB-201D-408C-936D-C4DA9D016A1D}"/>
+              </a:ext>
+            </a:extLst>
+          </p:cNvPr>
+          <p:cNvCxnSpPr/>
+          <p:nvPr/>
+        </p:nvCxnSpPr>
+        <p:spPr>
+          <a:xfrm>
+            <a:off x="2121159" y="4701998"/>
+            <a:ext cx="2612572" cy="0"/>
+          </a:xfrm>
+          <a:prstGeom prst="line">
+            <a:avLst/>
+          </a:prstGeom>
+          <a:ln>
+            <a:solidFill>
+              <a:srgbClr val="CFCBCA"/>
+            </a:solidFill>
+          </a:ln>
+        </p:spPr>
+        <p:style>
+          <a:lnRef idx="1">
+            <a:schemeClr val="accent1"/>
+          </a:lnRef>
+          <a:fillRef idx="0">
+            <a:schemeClr val="accent1"/>
+          </a:fillRef>
+          <a:effectRef idx="0">
+            <a:schemeClr val="accent1"/>
+          </a:effectRef>
+          <a:fontRef idx="minor">
+            <a:schemeClr val="tx1"/>
+          </a:fontRef>
+        </p:style>
+      </p:cxnSp>
+      <p:sp>
+        <p:nvSpPr>
+          <p:cNvPr id="27" name="Rechteck 26">
+            <a:extLst>
+              <a:ext uri="{FF2B5EF4-FFF2-40B4-BE49-F238E27FC236}">
+                <a16:creationId xmlns:a16="http://schemas.microsoft.com/office/drawing/2014/main" id="{E49DE131-379E-42C0-A003-D5B7F9F02FA9}"/>
+              </a:ext>
+            </a:extLst>
+          </p:cNvPr>
+          <p:cNvSpPr/>
+          <p:nvPr/>
+        </p:nvSpPr>
+        <p:spPr>
+          <a:xfrm>
+            <a:off x="2121159" y="2626568"/>
+            <a:ext cx="2612572" cy="401216"/>
+          </a:xfrm>
+          <a:prstGeom prst="rect">
+            <a:avLst/>
+          </a:prstGeom>
+          <a:noFill/>
+          <a:ln>
+            <a:noFill/>
+          </a:ln>
+        </p:spPr>
+        <p:style>
+          <a:lnRef idx="2">
+            <a:schemeClr val="accent1">
+              <a:shade val="50000"/>
+            </a:schemeClr>
+          </a:lnRef>
+          <a:fillRef idx="1">
+            <a:schemeClr val="accent1"/>
+          </a:fillRef>
+          <a:effectRef idx="0">
+            <a:schemeClr val="accent1"/>
+          </a:effectRef>
+          <a:fontRef idx="minor">
+            <a:schemeClr val="lt1"/>
+          </a:fontRef>
+        </p:style>
+        <p:txBody>
+          <a:bodyPr rtlCol="0" anchor="ctr"/>
+          <a:lstStyle/>
+          <a:p>
+            <a:r>
+              <a:rPr lang="de-DE" dirty="0">
+                <a:solidFill>
+                  <a:srgbClr val="CFCBCA"/>
+                </a:solidFill>
+                <a:latin typeface="Roboto Light" panose="02000000000000000000" pitchFamily="2" charset="0"/>
+                <a:ea typeface="Roboto Light" panose="02000000000000000000" pitchFamily="2" charset="0"/>
+              </a:rPr>
+              <a:t>Benutzername</a:t>
+            </a:r>
+          </a:p>
+        </p:txBody>
+      </p:sp>
+      <p:cxnSp>
+        <p:nvCxnSpPr>
+          <p:cNvPr id="31" name="Gerader Verbinder 30">
+            <a:extLst>
+              <a:ext uri="{FF2B5EF4-FFF2-40B4-BE49-F238E27FC236}">
+                <a16:creationId xmlns:a16="http://schemas.microsoft.com/office/drawing/2014/main" id="{F169E39C-8479-48B3-A539-F41A987715A6}"/>
+              </a:ext>
+            </a:extLst>
+          </p:cNvPr>
+          <p:cNvCxnSpPr/>
+          <p:nvPr/>
+        </p:nvCxnSpPr>
+        <p:spPr>
+          <a:xfrm>
+            <a:off x="2121159" y="3027784"/>
+            <a:ext cx="2612572" cy="0"/>
+          </a:xfrm>
+          <a:prstGeom prst="line">
+            <a:avLst/>
+          </a:prstGeom>
+          <a:ln>
+            <a:solidFill>
+              <a:srgbClr val="CFCBCA"/>
+            </a:solidFill>
+          </a:ln>
+        </p:spPr>
+        <p:style>
+          <a:lnRef idx="1">
+            <a:schemeClr val="accent1"/>
+          </a:lnRef>
+          <a:fillRef idx="0">
+            <a:schemeClr val="accent1"/>
+          </a:fillRef>
+          <a:effectRef idx="0">
+            <a:schemeClr val="accent1"/>
+          </a:effectRef>
+          <a:fontRef idx="minor">
+            <a:schemeClr val="tx1"/>
+          </a:fontRef>
+        </p:style>
+      </p:cxnSp>
+      <p:sp>
+        <p:nvSpPr>
+          <p:cNvPr id="39" name="Rechteck 38">
+            <a:extLst>
+              <a:ext uri="{FF2B5EF4-FFF2-40B4-BE49-F238E27FC236}">
+                <a16:creationId xmlns:a16="http://schemas.microsoft.com/office/drawing/2014/main" id="{1C423719-DB8F-4CF9-A811-01DAC8D82BD0}"/>
+              </a:ext>
+            </a:extLst>
+          </p:cNvPr>
+          <p:cNvSpPr/>
+          <p:nvPr/>
+        </p:nvSpPr>
+        <p:spPr>
+          <a:xfrm>
+            <a:off x="7937241" y="3171853"/>
+            <a:ext cx="2612572" cy="401216"/>
+          </a:xfrm>
+          <a:prstGeom prst="rect">
+            <a:avLst/>
+          </a:prstGeom>
+          <a:noFill/>
+          <a:ln>
+            <a:noFill/>
+          </a:ln>
+        </p:spPr>
+        <p:style>
+          <a:lnRef idx="2">
+            <a:schemeClr val="accent1">
+              <a:shade val="50000"/>
+            </a:schemeClr>
+          </a:lnRef>
+          <a:fillRef idx="1">
+            <a:schemeClr val="accent1"/>
+          </a:fillRef>
+          <a:effectRef idx="0">
+            <a:schemeClr val="accent1"/>
+          </a:effectRef>
+          <a:fontRef idx="minor">
+            <a:schemeClr val="lt1"/>
+          </a:fontRef>
+        </p:style>
+        <p:txBody>
+          <a:bodyPr rtlCol="0" anchor="ctr"/>
+          <a:lstStyle/>
+          <a:p>
+            <a:r>
+              <a:rPr lang="de-DE" dirty="0">
+                <a:solidFill>
+                  <a:srgbClr val="CFCBCA"/>
+                </a:solidFill>
+                <a:latin typeface="Roboto Light" panose="02000000000000000000" pitchFamily="2" charset="0"/>
+                <a:ea typeface="Roboto Light" panose="02000000000000000000" pitchFamily="2" charset="0"/>
+              </a:rPr>
+              <a:t>E-Mail</a:t>
+            </a:r>
+          </a:p>
+        </p:txBody>
+      </p:sp>
+      <p:sp>
+        <p:nvSpPr>
+          <p:cNvPr id="40" name="Rechteck 39">
+            <a:extLst>
+              <a:ext uri="{FF2B5EF4-FFF2-40B4-BE49-F238E27FC236}">
+                <a16:creationId xmlns:a16="http://schemas.microsoft.com/office/drawing/2014/main" id="{581186C2-BC8B-4ED3-8FE3-38CFB9DC1D38}"/>
+              </a:ext>
+            </a:extLst>
+          </p:cNvPr>
+          <p:cNvSpPr/>
+          <p:nvPr/>
+        </p:nvSpPr>
+        <p:spPr>
+          <a:xfrm>
+            <a:off x="7937241" y="3731152"/>
+            <a:ext cx="2612572" cy="401216"/>
+          </a:xfrm>
+          <a:prstGeom prst="rect">
+            <a:avLst/>
+          </a:prstGeom>
+          <a:noFill/>
+          <a:ln>
+            <a:noFill/>
+          </a:ln>
+        </p:spPr>
+        <p:style>
+          <a:lnRef idx="2">
+            <a:schemeClr val="accent1">
+              <a:shade val="50000"/>
+            </a:schemeClr>
+          </a:lnRef>
+          <a:fillRef idx="1">
+            <a:schemeClr val="accent1"/>
+          </a:fillRef>
+          <a:effectRef idx="0">
+            <a:schemeClr val="accent1"/>
+          </a:effectRef>
+          <a:fontRef idx="minor">
+            <a:schemeClr val="lt1"/>
+          </a:fontRef>
+        </p:style>
+        <p:txBody>
+          <a:bodyPr rtlCol="0" anchor="ctr"/>
+          <a:lstStyle/>
+          <a:p>
+            <a:r>
+              <a:rPr lang="de-DE" dirty="0">
+                <a:solidFill>
+                  <a:srgbClr val="CFCBCA"/>
+                </a:solidFill>
+                <a:latin typeface="Roboto Light" panose="02000000000000000000" pitchFamily="2" charset="0"/>
+                <a:ea typeface="Roboto Light" panose="02000000000000000000" pitchFamily="2" charset="0"/>
+              </a:rPr>
+              <a:t>Passwort</a:t>
+            </a:r>
+          </a:p>
+        </p:txBody>
+      </p:sp>
+      <p:cxnSp>
+        <p:nvCxnSpPr>
+          <p:cNvPr id="41" name="Gerader Verbinder 40">
+            <a:extLst>
+              <a:ext uri="{FF2B5EF4-FFF2-40B4-BE49-F238E27FC236}">
+                <a16:creationId xmlns:a16="http://schemas.microsoft.com/office/drawing/2014/main" id="{A6976D00-A859-4A1D-92D5-8A2276F20D7A}"/>
+              </a:ext>
+            </a:extLst>
+          </p:cNvPr>
+          <p:cNvCxnSpPr/>
+          <p:nvPr/>
+        </p:nvCxnSpPr>
+        <p:spPr>
+          <a:xfrm>
+            <a:off x="7937241" y="3573069"/>
+            <a:ext cx="2612572" cy="0"/>
+          </a:xfrm>
+          <a:prstGeom prst="line">
+            <a:avLst/>
+          </a:prstGeom>
+          <a:ln>
+            <a:solidFill>
+              <a:srgbClr val="CFCBCA"/>
+            </a:solidFill>
+          </a:ln>
+        </p:spPr>
+        <p:style>
+          <a:lnRef idx="1">
+            <a:schemeClr val="accent1"/>
+          </a:lnRef>
+          <a:fillRef idx="0">
+            <a:schemeClr val="accent1"/>
+          </a:fillRef>
+          <a:effectRef idx="0">
+            <a:schemeClr val="accent1"/>
+          </a:effectRef>
+          <a:fontRef idx="minor">
+            <a:schemeClr val="tx1"/>
+          </a:fontRef>
+        </p:style>
+      </p:cxnSp>
+      <p:cxnSp>
+        <p:nvCxnSpPr>
+          <p:cNvPr id="42" name="Gerader Verbinder 41">
+            <a:extLst>
+              <a:ext uri="{FF2B5EF4-FFF2-40B4-BE49-F238E27FC236}">
+                <a16:creationId xmlns:a16="http://schemas.microsoft.com/office/drawing/2014/main" id="{870C0A11-D801-4027-9B1C-5D5F60EB8346}"/>
+              </a:ext>
+            </a:extLst>
+          </p:cNvPr>
+          <p:cNvCxnSpPr/>
+          <p:nvPr/>
+        </p:nvCxnSpPr>
+        <p:spPr>
+          <a:xfrm>
+            <a:off x="7937241" y="4132368"/>
+            <a:ext cx="2612572" cy="0"/>
+          </a:xfrm>
+          <a:prstGeom prst="line">
+            <a:avLst/>
+          </a:prstGeom>
+          <a:ln>
+            <a:solidFill>
+              <a:srgbClr val="CFCBCA"/>
+            </a:solidFill>
+          </a:ln>
+        </p:spPr>
+        <p:style>
+          <a:lnRef idx="1">
+            <a:schemeClr val="accent1"/>
+          </a:lnRef>
+          <a:fillRef idx="0">
+            <a:schemeClr val="accent1"/>
+          </a:fillRef>
+          <a:effectRef idx="0">
+            <a:schemeClr val="accent1"/>
+          </a:effectRef>
+          <a:fontRef idx="minor">
+            <a:schemeClr val="tx1"/>
+          </a:fontRef>
+        </p:style>
+      </p:cxnSp>
+      <p:sp>
+        <p:nvSpPr>
+          <p:cNvPr id="43" name="Rechteck 42">
+            <a:extLst>
+              <a:ext uri="{FF2B5EF4-FFF2-40B4-BE49-F238E27FC236}">
+                <a16:creationId xmlns:a16="http://schemas.microsoft.com/office/drawing/2014/main" id="{DBE0FE50-C2B6-476A-AD87-2E07E8D0472A}"/>
+              </a:ext>
+            </a:extLst>
+          </p:cNvPr>
+          <p:cNvSpPr/>
+          <p:nvPr/>
+        </p:nvSpPr>
+        <p:spPr>
+          <a:xfrm>
+            <a:off x="7937241" y="5124626"/>
+            <a:ext cx="2612572" cy="401216"/>
+          </a:xfrm>
+          <a:prstGeom prst="rect">
+            <a:avLst/>
+          </a:prstGeom>
+          <a:solidFill>
+            <a:srgbClr val="68A4D9"/>
+          </a:solidFill>
+          <a:ln>
+            <a:noFill/>
+          </a:ln>
+        </p:spPr>
+        <p:style>
+          <a:lnRef idx="2">
+            <a:schemeClr val="accent1">
+              <a:shade val="50000"/>
+            </a:schemeClr>
+          </a:lnRef>
+          <a:fillRef idx="1">
+            <a:schemeClr val="accent1"/>
+          </a:fillRef>
+          <a:effectRef idx="0">
+            <a:schemeClr val="accent1"/>
+          </a:effectRef>
+          <a:fontRef idx="minor">
+            <a:schemeClr val="lt1"/>
+          </a:fontRef>
+        </p:style>
+        <p:txBody>
+          <a:bodyPr rtlCol="0" anchor="ctr"/>
+          <a:lstStyle/>
+          <a:p>
+            <a:pPr algn="ctr"/>
+            <a:r>
+              <a:rPr lang="de-DE" dirty="0">
+                <a:solidFill>
+                  <a:srgbClr val="1F1F1F"/>
+                </a:solidFill>
+                <a:latin typeface="Roboto Light" panose="02000000000000000000" pitchFamily="2" charset="0"/>
+                <a:ea typeface="Roboto Light" panose="02000000000000000000" pitchFamily="2" charset="0"/>
+              </a:rPr>
+              <a:t>Registrieren</a:t>
+            </a:r>
+          </a:p>
+        </p:txBody>
+      </p:sp>
+      <p:sp>
+        <p:nvSpPr>
+          <p:cNvPr id="44" name="Rechteck 43">
+            <a:extLst>
+              <a:ext uri="{FF2B5EF4-FFF2-40B4-BE49-F238E27FC236}">
+                <a16:creationId xmlns:a16="http://schemas.microsoft.com/office/drawing/2014/main" id="{CA4E9F63-D92B-49FC-BA00-24FA2A4D7382}"/>
+              </a:ext>
+            </a:extLst>
+          </p:cNvPr>
+          <p:cNvSpPr/>
+          <p:nvPr/>
+        </p:nvSpPr>
+        <p:spPr>
+          <a:xfrm>
+            <a:off x="7937241" y="5818296"/>
+            <a:ext cx="2612572" cy="401216"/>
+          </a:xfrm>
+          <a:prstGeom prst="rect">
+            <a:avLst/>
+          </a:prstGeom>
+          <a:noFill/>
+          <a:ln>
+            <a:noFill/>
+          </a:ln>
+        </p:spPr>
+        <p:style>
+          <a:lnRef idx="2">
+            <a:schemeClr val="accent1">
+              <a:shade val="50000"/>
+            </a:schemeClr>
+          </a:lnRef>
+          <a:fillRef idx="1">
+            <a:schemeClr val="accent1"/>
+          </a:fillRef>
+          <a:effectRef idx="0">
+            <a:schemeClr val="accent1"/>
+          </a:effectRef>
+          <a:fontRef idx="minor">
+            <a:schemeClr val="lt1"/>
+          </a:fontRef>
+        </p:style>
+        <p:txBody>
+          <a:bodyPr rtlCol="0" anchor="ctr"/>
+          <a:lstStyle/>
+          <a:p>
+            <a:pPr algn="ctr"/>
+            <a:r>
+              <a:rPr lang="de-DE" sz="1200" dirty="0">
+                <a:solidFill>
+                  <a:srgbClr val="CFCBCA"/>
+                </a:solidFill>
+                <a:latin typeface="Roboto Light" panose="02000000000000000000" pitchFamily="2" charset="0"/>
+                <a:ea typeface="Roboto Light" panose="02000000000000000000" pitchFamily="2" charset="0"/>
+              </a:rPr>
+              <a:t>Bereits ein Konto? </a:t>
+            </a:r>
+            <a:r>
+              <a:rPr lang="de-DE" sz="1200" u="sng" dirty="0">
+                <a:solidFill>
+                  <a:srgbClr val="957FEF"/>
+                </a:solidFill>
+                <a:latin typeface="Roboto Light" panose="02000000000000000000" pitchFamily="2" charset="0"/>
+                <a:ea typeface="Roboto Light" panose="02000000000000000000" pitchFamily="2" charset="0"/>
+              </a:rPr>
+              <a:t>Hier Einloggen</a:t>
+            </a:r>
+          </a:p>
+        </p:txBody>
+      </p:sp>
+      <p:cxnSp>
+        <p:nvCxnSpPr>
+          <p:cNvPr id="45" name="Gerader Verbinder 44">
+            <a:extLst>
+              <a:ext uri="{FF2B5EF4-FFF2-40B4-BE49-F238E27FC236}">
+                <a16:creationId xmlns:a16="http://schemas.microsoft.com/office/drawing/2014/main" id="{DE13B630-D41E-4AF8-A937-9DEFC498924E}"/>
+              </a:ext>
+            </a:extLst>
+          </p:cNvPr>
+          <p:cNvCxnSpPr>
+            <a:cxnSpLocks/>
+          </p:cNvCxnSpPr>
+          <p:nvPr/>
+        </p:nvCxnSpPr>
+        <p:spPr>
+          <a:xfrm>
+            <a:off x="7937241" y="5780398"/>
+            <a:ext cx="2612572" cy="0"/>
+          </a:xfrm>
+          <a:prstGeom prst="line">
+            <a:avLst/>
+          </a:prstGeom>
+          <a:ln>
+            <a:solidFill>
+              <a:srgbClr val="A09896"/>
+            </a:solidFill>
+          </a:ln>
+        </p:spPr>
+        <p:style>
+          <a:lnRef idx="1">
+            <a:schemeClr val="accent1"/>
+          </a:lnRef>
+          <a:fillRef idx="0">
+            <a:schemeClr val="accent1"/>
+          </a:fillRef>
+          <a:effectRef idx="0">
+            <a:schemeClr val="accent1"/>
+          </a:effectRef>
+          <a:fontRef idx="minor">
+            <a:schemeClr val="tx1"/>
+          </a:fontRef>
+        </p:style>
+      </p:cxnSp>
+      <p:sp>
+        <p:nvSpPr>
+          <p:cNvPr id="46" name="Rechteck 45">
+            <a:extLst>
+              <a:ext uri="{FF2B5EF4-FFF2-40B4-BE49-F238E27FC236}">
+                <a16:creationId xmlns:a16="http://schemas.microsoft.com/office/drawing/2014/main" id="{FCBD85D5-44A9-40F3-B1C1-A2C6023BF9F6}"/>
+              </a:ext>
+            </a:extLst>
+          </p:cNvPr>
+          <p:cNvSpPr/>
+          <p:nvPr/>
+        </p:nvSpPr>
+        <p:spPr>
+          <a:xfrm>
+            <a:off x="7937241" y="4300782"/>
+            <a:ext cx="2612572" cy="401216"/>
+          </a:xfrm>
+          <a:prstGeom prst="rect">
+            <a:avLst/>
+          </a:prstGeom>
+          <a:noFill/>
+          <a:ln>
+            <a:noFill/>
+          </a:ln>
+        </p:spPr>
+        <p:style>
+          <a:lnRef idx="2">
+            <a:schemeClr val="accent1">
+              <a:shade val="50000"/>
+            </a:schemeClr>
+          </a:lnRef>
+          <a:fillRef idx="1">
+            <a:schemeClr val="accent1"/>
+          </a:fillRef>
+          <a:effectRef idx="0">
+            <a:schemeClr val="accent1"/>
+          </a:effectRef>
+          <a:fontRef idx="minor">
+            <a:schemeClr val="lt1"/>
+          </a:fontRef>
+        </p:style>
+        <p:txBody>
+          <a:bodyPr rtlCol="0" anchor="ctr"/>
+          <a:lstStyle/>
+          <a:p>
+            <a:r>
+              <a:rPr lang="de-DE" dirty="0">
+                <a:solidFill>
+                  <a:srgbClr val="CFCBCA"/>
+                </a:solidFill>
+                <a:latin typeface="Roboto Light" panose="02000000000000000000" pitchFamily="2" charset="0"/>
+                <a:ea typeface="Roboto Light" panose="02000000000000000000" pitchFamily="2" charset="0"/>
+              </a:rPr>
+              <a:t>Passwort</a:t>
+            </a:r>
+          </a:p>
+        </p:txBody>
+      </p:sp>
+      <p:cxnSp>
+        <p:nvCxnSpPr>
+          <p:cNvPr id="47" name="Gerader Verbinder 46">
+            <a:extLst>
+              <a:ext uri="{FF2B5EF4-FFF2-40B4-BE49-F238E27FC236}">
+                <a16:creationId xmlns:a16="http://schemas.microsoft.com/office/drawing/2014/main" id="{7C38DE02-9D4D-43B7-B28D-A528451FDCA9}"/>
+              </a:ext>
+            </a:extLst>
+          </p:cNvPr>
+          <p:cNvCxnSpPr/>
+          <p:nvPr/>
+        </p:nvCxnSpPr>
+        <p:spPr>
+          <a:xfrm>
+            <a:off x="7937241" y="4701998"/>
+            <a:ext cx="2612572" cy="0"/>
+          </a:xfrm>
+          <a:prstGeom prst="line">
+            <a:avLst/>
+          </a:prstGeom>
+          <a:ln>
+            <a:solidFill>
+              <a:srgbClr val="CFCBCA"/>
+            </a:solidFill>
+          </a:ln>
+        </p:spPr>
+        <p:style>
+          <a:lnRef idx="1">
+            <a:schemeClr val="accent1"/>
+          </a:lnRef>
+          <a:fillRef idx="0">
+            <a:schemeClr val="accent1"/>
+          </a:fillRef>
+          <a:effectRef idx="0">
+            <a:schemeClr val="accent1"/>
+          </a:effectRef>
+          <a:fontRef idx="minor">
+            <a:schemeClr val="tx1"/>
+          </a:fontRef>
+        </p:style>
+      </p:cxnSp>
+      <p:sp>
+        <p:nvSpPr>
+          <p:cNvPr id="48" name="Rechteck 47">
+            <a:extLst>
+              <a:ext uri="{FF2B5EF4-FFF2-40B4-BE49-F238E27FC236}">
+                <a16:creationId xmlns:a16="http://schemas.microsoft.com/office/drawing/2014/main" id="{132C8033-32CA-425B-9045-8991F3161CCF}"/>
+              </a:ext>
+            </a:extLst>
+          </p:cNvPr>
+          <p:cNvSpPr/>
+          <p:nvPr/>
+        </p:nvSpPr>
+        <p:spPr>
+          <a:xfrm>
+            <a:off x="7937241" y="2626568"/>
+            <a:ext cx="2612572" cy="401216"/>
+          </a:xfrm>
+          <a:prstGeom prst="rect">
+            <a:avLst/>
+          </a:prstGeom>
+          <a:noFill/>
+          <a:ln>
+            <a:noFill/>
+          </a:ln>
+        </p:spPr>
+        <p:style>
+          <a:lnRef idx="2">
+            <a:schemeClr val="accent1">
+              <a:shade val="50000"/>
+            </a:schemeClr>
+          </a:lnRef>
+          <a:fillRef idx="1">
+            <a:schemeClr val="accent1"/>
+          </a:fillRef>
+          <a:effectRef idx="0">
+            <a:schemeClr val="accent1"/>
+          </a:effectRef>
+          <a:fontRef idx="minor">
+            <a:schemeClr val="lt1"/>
+          </a:fontRef>
+        </p:style>
+        <p:txBody>
+          <a:bodyPr rtlCol="0" anchor="ctr"/>
+          <a:lstStyle/>
+          <a:p>
+            <a:r>
+              <a:rPr lang="de-DE" dirty="0">
+                <a:solidFill>
+                  <a:srgbClr val="CFCBCA"/>
+                </a:solidFill>
+                <a:latin typeface="Roboto Light" panose="02000000000000000000" pitchFamily="2" charset="0"/>
+                <a:ea typeface="Roboto Light" panose="02000000000000000000" pitchFamily="2" charset="0"/>
+              </a:rPr>
+              <a:t>senfi13</a:t>
+            </a:r>
+          </a:p>
+        </p:txBody>
+      </p:sp>
+      <p:cxnSp>
+        <p:nvCxnSpPr>
+          <p:cNvPr id="49" name="Gerader Verbinder 48">
+            <a:extLst>
+              <a:ext uri="{FF2B5EF4-FFF2-40B4-BE49-F238E27FC236}">
+                <a16:creationId xmlns:a16="http://schemas.microsoft.com/office/drawing/2014/main" id="{F4CA0112-FA3F-4B53-BD71-2756B66E1090}"/>
+              </a:ext>
+            </a:extLst>
+          </p:cNvPr>
+          <p:cNvCxnSpPr/>
+          <p:nvPr/>
+        </p:nvCxnSpPr>
+        <p:spPr>
+          <a:xfrm>
+            <a:off x="7937241" y="3027784"/>
+            <a:ext cx="2612572" cy="0"/>
+          </a:xfrm>
+          <a:prstGeom prst="line">
+            <a:avLst/>
+          </a:prstGeom>
+          <a:ln>
+            <a:solidFill>
+              <a:srgbClr val="957FEF"/>
+            </a:solidFill>
+          </a:ln>
+        </p:spPr>
+        <p:style>
+          <a:lnRef idx="1">
+            <a:schemeClr val="accent1"/>
+          </a:lnRef>
+          <a:fillRef idx="0">
+            <a:schemeClr val="accent1"/>
+          </a:fillRef>
+          <a:effectRef idx="0">
+            <a:schemeClr val="accent1"/>
+          </a:effectRef>
+          <a:fontRef idx="minor">
+            <a:schemeClr val="tx1"/>
+          </a:fontRef>
+        </p:style>
+      </p:cxnSp>
+      <p:sp>
+        <p:nvSpPr>
+          <p:cNvPr id="50" name="Rechteck 49">
+            <a:extLst>
+              <a:ext uri="{FF2B5EF4-FFF2-40B4-BE49-F238E27FC236}">
+                <a16:creationId xmlns:a16="http://schemas.microsoft.com/office/drawing/2014/main" id="{0C7A99C6-0709-4FD7-8D49-59342EE3BEA5}"/>
+              </a:ext>
+            </a:extLst>
+          </p:cNvPr>
+          <p:cNvSpPr/>
+          <p:nvPr/>
+        </p:nvSpPr>
+        <p:spPr>
+          <a:xfrm>
+            <a:off x="7937241" y="2239345"/>
+            <a:ext cx="2612572" cy="401216"/>
+          </a:xfrm>
+          <a:prstGeom prst="rect">
+            <a:avLst/>
+          </a:prstGeom>
+          <a:noFill/>
+          <a:ln>
+            <a:noFill/>
+          </a:ln>
+        </p:spPr>
+        <p:style>
+          <a:lnRef idx="2">
+            <a:schemeClr val="accent1">
+              <a:shade val="50000"/>
+            </a:schemeClr>
+          </a:lnRef>
+          <a:fillRef idx="1">
+            <a:schemeClr val="accent1"/>
+          </a:fillRef>
+          <a:effectRef idx="0">
+            <a:schemeClr val="accent1"/>
+          </a:effectRef>
+          <a:fontRef idx="minor">
+            <a:schemeClr val="lt1"/>
+          </a:fontRef>
+        </p:style>
+        <p:txBody>
+          <a:bodyPr rtlCol="0" anchor="ctr"/>
+          <a:lstStyle/>
+          <a:p>
+            <a:r>
+              <a:rPr lang="de-DE" sz="1200" dirty="0">
+                <a:solidFill>
+                  <a:srgbClr val="957FEF"/>
+                </a:solidFill>
+                <a:latin typeface="Roboto Light" panose="02000000000000000000" pitchFamily="2" charset="0"/>
+                <a:ea typeface="Roboto Light" panose="02000000000000000000" pitchFamily="2" charset="0"/>
+              </a:rPr>
+              <a:t>Benutzername</a:t>
+            </a:r>
+          </a:p>
+        </p:txBody>
+      </p:sp>
+    </p:spTree>
+    <p:extLst>
+      <p:ext uri="{BB962C8B-B14F-4D97-AF65-F5344CB8AC3E}">
+        <p14:creationId xmlns:p14="http://schemas.microsoft.com/office/powerpoint/2010/main" val="1549020888"/>
+      </p:ext>
+    </p:extLst>
+  </p:cSld>
+  <p:clrMapOvr>
+    <a:masterClrMapping/>
+  </p:clrMapOvr>
+</p:sld>
+</file>
+
+<file path=ppt/slides/slide4.xml><?xml version="1.0" encoding="utf-8"?>
+<p:sld xmlns:a="http://schemas.openxmlformats.org/drawingml/2006/main" xmlns:r="http://schemas.openxmlformats.org/officeDocument/2006/relationships" xmlns:p="http://schemas.openxmlformats.org/presentationml/2006/main">
+  <p:cSld>
+    <p:spTree>
+      <p:nvGrpSpPr>
+        <p:cNvPr id="1" name=""/>
+        <p:cNvGrpSpPr/>
+        <p:nvPr/>
+      </p:nvGrpSpPr>
+      <p:grpSpPr>
+        <a:xfrm>
+          <a:off x="0" y="0"/>
+          <a:ext cx="0" cy="0"/>
+          <a:chOff x="0" y="0"/>
+          <a:chExt cx="0" cy="0"/>
+        </a:xfrm>
+      </p:grpSpPr>
+      <p:sp>
+        <p:nvSpPr>
+          <p:cNvPr id="4" name="Rechteck 3">
+            <a:extLst>
+              <a:ext uri="{FF2B5EF4-FFF2-40B4-BE49-F238E27FC236}">
+                <a16:creationId xmlns:a16="http://schemas.microsoft.com/office/drawing/2014/main" id="{DD7FF75F-B5D0-4FF1-89EF-15A1AC7997B5}"/>
+              </a:ext>
+            </a:extLst>
+          </p:cNvPr>
+          <p:cNvSpPr/>
+          <p:nvPr/>
+        </p:nvSpPr>
+        <p:spPr>
+          <a:xfrm>
+            <a:off x="1583094" y="0"/>
+            <a:ext cx="3688702" cy="6858000"/>
+          </a:xfrm>
+          <a:prstGeom prst="rect">
+            <a:avLst/>
+          </a:prstGeom>
+          <a:solidFill>
+            <a:srgbClr val="F6F6F6"/>
+          </a:solidFill>
+          <a:ln>
+            <a:solidFill>
+              <a:schemeClr val="tx1"/>
+            </a:solidFill>
+          </a:ln>
+        </p:spPr>
+        <p:style>
+          <a:lnRef idx="2">
+            <a:schemeClr val="accent1">
+              <a:shade val="50000"/>
+            </a:schemeClr>
+          </a:lnRef>
+          <a:fillRef idx="1">
+            <a:schemeClr val="accent1"/>
+          </a:fillRef>
+          <a:effectRef idx="0">
+            <a:schemeClr val="accent1"/>
+          </a:effectRef>
+          <a:fontRef idx="minor">
+            <a:schemeClr val="lt1"/>
+          </a:fontRef>
+        </p:style>
+        <p:txBody>
+          <a:bodyPr rtlCol="0" anchor="ctr"/>
+          <a:lstStyle/>
+          <a:p>
+            <a:pPr algn="ctr"/>
+            <a:endParaRPr lang="de-DE"/>
+          </a:p>
+        </p:txBody>
+      </p:sp>
+      <p:sp>
+        <p:nvSpPr>
+          <p:cNvPr id="23" name="Rechteck 22">
+            <a:extLst>
+              <a:ext uri="{FF2B5EF4-FFF2-40B4-BE49-F238E27FC236}">
+                <a16:creationId xmlns:a16="http://schemas.microsoft.com/office/drawing/2014/main" id="{2324E4E6-02DD-4CCC-99A4-9578EE8BE151}"/>
+              </a:ext>
+            </a:extLst>
+          </p:cNvPr>
+          <p:cNvSpPr/>
+          <p:nvPr/>
+        </p:nvSpPr>
+        <p:spPr>
+          <a:xfrm>
+            <a:off x="2121159" y="1642725"/>
+            <a:ext cx="2612572" cy="401216"/>
+          </a:xfrm>
+          <a:prstGeom prst="rect">
+            <a:avLst/>
+          </a:prstGeom>
+          <a:noFill/>
+          <a:ln>
+            <a:noFill/>
+          </a:ln>
+        </p:spPr>
+        <p:style>
+          <a:lnRef idx="2">
+            <a:schemeClr val="accent1">
+              <a:shade val="50000"/>
+            </a:schemeClr>
+          </a:lnRef>
+          <a:fillRef idx="1">
+            <a:schemeClr val="accent1"/>
+          </a:fillRef>
+          <a:effectRef idx="0">
+            <a:schemeClr val="accent1"/>
+          </a:effectRef>
+          <a:fontRef idx="minor">
+            <a:schemeClr val="lt1"/>
+          </a:fontRef>
+        </p:style>
+        <p:txBody>
+          <a:bodyPr rtlCol="0" anchor="ctr"/>
+          <a:lstStyle/>
+          <a:p>
+            <a:pPr algn="ctr"/>
+            <a:r>
+              <a:rPr lang="de-DE" sz="2800" b="1" dirty="0">
+                <a:solidFill>
+                  <a:srgbClr val="7180AC"/>
+                </a:solidFill>
+                <a:latin typeface="Courgette" panose="02000603070400060004" pitchFamily="2" charset="0"/>
+                <a:ea typeface="Roboto Light" panose="02000000000000000000" pitchFamily="2" charset="0"/>
+                <a:cs typeface="Courier New" panose="02070309020205020404" pitchFamily="49" charset="0"/>
+              </a:rPr>
+              <a:t>Me-Me</a:t>
+            </a:r>
+          </a:p>
+        </p:txBody>
+      </p:sp>
+      <p:pic>
+        <p:nvPicPr>
+          <p:cNvPr id="6" name="Grafik 5">
+            <a:extLst>
+              <a:ext uri="{FF2B5EF4-FFF2-40B4-BE49-F238E27FC236}">
+                <a16:creationId xmlns:a16="http://schemas.microsoft.com/office/drawing/2014/main" id="{8D1865A9-8D9D-4390-86DE-8CC388E43570}"/>
+              </a:ext>
+            </a:extLst>
+          </p:cNvPr>
+          <p:cNvPicPr>
+            <a:picLocks noChangeAspect="1"/>
+          </p:cNvPicPr>
+          <p:nvPr/>
+        </p:nvPicPr>
+        <p:blipFill>
+          <a:blip r:embed="rId2">
+            <a:extLst>
+              <a:ext uri="{28A0092B-C50C-407E-A947-70E740481C1C}">
+                <a14:useLocalDpi xmlns:a14="http://schemas.microsoft.com/office/drawing/2010/main" val="0"/>
+              </a:ext>
+              <a:ext uri="{96DAC541-7B7A-43D3-8B79-37D633B846F1}">
+                <asvg:svgBlip xmlns:asvg="http://schemas.microsoft.com/office/drawing/2016/SVG/main" r:embed="rId3"/>
+              </a:ext>
+            </a:extLst>
+          </a:blip>
+          <a:stretch>
+            <a:fillRect/>
+          </a:stretch>
+        </p:blipFill>
+        <p:spPr>
+          <a:xfrm>
+            <a:off x="2650404" y="177283"/>
+            <a:ext cx="1554082" cy="1554082"/>
+          </a:xfrm>
+          <a:prstGeom prst="rect">
+            <a:avLst/>
+          </a:prstGeom>
+        </p:spPr>
+      </p:pic>
+      <p:sp>
+        <p:nvSpPr>
+          <p:cNvPr id="13" name="Rechteck 12">
+            <a:extLst>
+              <a:ext uri="{FF2B5EF4-FFF2-40B4-BE49-F238E27FC236}">
+                <a16:creationId xmlns:a16="http://schemas.microsoft.com/office/drawing/2014/main" id="{E63A3B96-2F20-4677-A112-2B1B8792CD12}"/>
+              </a:ext>
+            </a:extLst>
+          </p:cNvPr>
+          <p:cNvSpPr/>
+          <p:nvPr/>
+        </p:nvSpPr>
+        <p:spPr>
+          <a:xfrm>
+            <a:off x="7399176" y="0"/>
+            <a:ext cx="3688702" cy="6858000"/>
+          </a:xfrm>
+          <a:prstGeom prst="rect">
+            <a:avLst/>
+          </a:prstGeom>
+          <a:solidFill>
+            <a:srgbClr val="F6F6F6"/>
+          </a:solidFill>
+          <a:ln>
+            <a:solidFill>
+              <a:schemeClr val="tx1"/>
+            </a:solidFill>
+          </a:ln>
+        </p:spPr>
+        <p:style>
+          <a:lnRef idx="2">
+            <a:schemeClr val="accent1">
+              <a:shade val="50000"/>
+            </a:schemeClr>
+          </a:lnRef>
+          <a:fillRef idx="1">
+            <a:schemeClr val="accent1"/>
+          </a:fillRef>
+          <a:effectRef idx="0">
+            <a:schemeClr val="accent1"/>
+          </a:effectRef>
+          <a:fontRef idx="minor">
+            <a:schemeClr val="lt1"/>
+          </a:fontRef>
+        </p:style>
+        <p:txBody>
+          <a:bodyPr rtlCol="0" anchor="ctr"/>
+          <a:lstStyle/>
+          <a:p>
+            <a:pPr algn="ctr"/>
+            <a:endParaRPr lang="de-DE"/>
+          </a:p>
+        </p:txBody>
+      </p:sp>
+      <p:pic>
+        <p:nvPicPr>
+          <p:cNvPr id="14" name="Grafik 13">
+            <a:extLst>
+              <a:ext uri="{FF2B5EF4-FFF2-40B4-BE49-F238E27FC236}">
+                <a16:creationId xmlns:a16="http://schemas.microsoft.com/office/drawing/2014/main" id="{56092303-F0D6-4403-B19C-8006DDC13AE7}"/>
+              </a:ext>
+            </a:extLst>
+          </p:cNvPr>
+          <p:cNvPicPr>
+            <a:picLocks noChangeAspect="1"/>
+          </p:cNvPicPr>
+          <p:nvPr/>
+        </p:nvPicPr>
+        <p:blipFill>
+          <a:blip r:embed="rId2">
+            <a:extLst>
+              <a:ext uri="{28A0092B-C50C-407E-A947-70E740481C1C}">
+                <a14:useLocalDpi xmlns:a14="http://schemas.microsoft.com/office/drawing/2010/main" val="0"/>
+              </a:ext>
+              <a:ext uri="{96DAC541-7B7A-43D3-8B79-37D633B846F1}">
+                <asvg:svgBlip xmlns:asvg="http://schemas.microsoft.com/office/drawing/2016/SVG/main" r:embed="rId3"/>
+              </a:ext>
+            </a:extLst>
+          </a:blip>
+          <a:stretch>
+            <a:fillRect/>
+          </a:stretch>
+        </p:blipFill>
+        <p:spPr>
+          <a:xfrm>
+            <a:off x="8466486" y="177283"/>
+            <a:ext cx="1554082" cy="1554082"/>
+          </a:xfrm>
+          <a:prstGeom prst="rect">
+            <a:avLst/>
+          </a:prstGeom>
+        </p:spPr>
+      </p:pic>
+      <p:sp>
+        <p:nvSpPr>
+          <p:cNvPr id="24" name="Rechteck 23">
+            <a:extLst>
+              <a:ext uri="{FF2B5EF4-FFF2-40B4-BE49-F238E27FC236}">
+                <a16:creationId xmlns:a16="http://schemas.microsoft.com/office/drawing/2014/main" id="{DBF6A818-0F92-4B2F-B452-5A7BF9755A58}"/>
+              </a:ext>
+            </a:extLst>
+          </p:cNvPr>
+          <p:cNvSpPr/>
+          <p:nvPr/>
+        </p:nvSpPr>
+        <p:spPr>
+          <a:xfrm>
+            <a:off x="7937241" y="1637521"/>
+            <a:ext cx="2612572" cy="401216"/>
+          </a:xfrm>
+          <a:prstGeom prst="rect">
+            <a:avLst/>
+          </a:prstGeom>
+          <a:noFill/>
+          <a:ln>
+            <a:noFill/>
+          </a:ln>
+        </p:spPr>
+        <p:style>
+          <a:lnRef idx="2">
+            <a:schemeClr val="accent1">
+              <a:shade val="50000"/>
+            </a:schemeClr>
+          </a:lnRef>
+          <a:fillRef idx="1">
+            <a:schemeClr val="accent1"/>
+          </a:fillRef>
+          <a:effectRef idx="0">
+            <a:schemeClr val="accent1"/>
+          </a:effectRef>
+          <a:fontRef idx="minor">
+            <a:schemeClr val="lt1"/>
+          </a:fontRef>
+        </p:style>
+        <p:txBody>
+          <a:bodyPr rtlCol="0" anchor="ctr"/>
+          <a:lstStyle/>
+          <a:p>
+            <a:pPr algn="ctr"/>
+            <a:r>
+              <a:rPr lang="de-DE" sz="2800" b="1" dirty="0">
+                <a:solidFill>
+                  <a:srgbClr val="7180AC"/>
+                </a:solidFill>
+                <a:latin typeface="Courgette" panose="02000603070400060004" pitchFamily="2" charset="0"/>
+                <a:ea typeface="Roboto Light" panose="02000000000000000000" pitchFamily="2" charset="0"/>
+                <a:cs typeface="Courier New" panose="02070309020205020404" pitchFamily="49" charset="0"/>
+              </a:rPr>
+              <a:t>Me-Me</a:t>
+            </a:r>
+          </a:p>
+        </p:txBody>
+      </p:sp>
+      <p:sp>
+        <p:nvSpPr>
+          <p:cNvPr id="25" name="Rechteck 24">
+            <a:extLst>
+              <a:ext uri="{FF2B5EF4-FFF2-40B4-BE49-F238E27FC236}">
+                <a16:creationId xmlns:a16="http://schemas.microsoft.com/office/drawing/2014/main" id="{73581602-DC69-4180-AD18-1CDF42BAADC2}"/>
+              </a:ext>
+            </a:extLst>
+          </p:cNvPr>
+          <p:cNvSpPr/>
+          <p:nvPr/>
+        </p:nvSpPr>
+        <p:spPr>
+          <a:xfrm>
+            <a:off x="2121159" y="3171853"/>
+            <a:ext cx="2612572" cy="401216"/>
+          </a:xfrm>
+          <a:prstGeom prst="rect">
+            <a:avLst/>
+          </a:prstGeom>
+          <a:noFill/>
+          <a:ln>
+            <a:noFill/>
+          </a:ln>
+        </p:spPr>
+        <p:style>
+          <a:lnRef idx="2">
+            <a:schemeClr val="accent1">
+              <a:shade val="50000"/>
+            </a:schemeClr>
+          </a:lnRef>
+          <a:fillRef idx="1">
+            <a:schemeClr val="accent1"/>
+          </a:fillRef>
+          <a:effectRef idx="0">
+            <a:schemeClr val="accent1"/>
+          </a:effectRef>
+          <a:fontRef idx="minor">
+            <a:schemeClr val="lt1"/>
+          </a:fontRef>
+        </p:style>
+        <p:txBody>
+          <a:bodyPr rtlCol="0" anchor="ctr"/>
+          <a:lstStyle/>
+          <a:p>
+            <a:r>
+              <a:rPr lang="de-DE" dirty="0">
+                <a:solidFill>
+                  <a:srgbClr val="433633"/>
+                </a:solidFill>
+                <a:latin typeface="Roboto Light" panose="02000000000000000000" pitchFamily="2" charset="0"/>
+                <a:ea typeface="Roboto Light" panose="02000000000000000000" pitchFamily="2" charset="0"/>
+              </a:rPr>
+              <a:t>E-Mail</a:t>
+            </a:r>
+          </a:p>
+        </p:txBody>
+      </p:sp>
+      <p:sp>
+        <p:nvSpPr>
+          <p:cNvPr id="32" name="Rechteck 31">
+            <a:extLst>
+              <a:ext uri="{FF2B5EF4-FFF2-40B4-BE49-F238E27FC236}">
+                <a16:creationId xmlns:a16="http://schemas.microsoft.com/office/drawing/2014/main" id="{2FFA905E-DBE4-42DE-90B1-EB2DCCEADBB6}"/>
+              </a:ext>
+            </a:extLst>
+          </p:cNvPr>
+          <p:cNvSpPr/>
+          <p:nvPr/>
+        </p:nvSpPr>
+        <p:spPr>
+          <a:xfrm>
+            <a:off x="2121159" y="3731152"/>
+            <a:ext cx="2612572" cy="401216"/>
+          </a:xfrm>
+          <a:prstGeom prst="rect">
+            <a:avLst/>
+          </a:prstGeom>
+          <a:noFill/>
+          <a:ln>
+            <a:noFill/>
+          </a:ln>
+        </p:spPr>
+        <p:style>
+          <a:lnRef idx="2">
+            <a:schemeClr val="accent1">
+              <a:shade val="50000"/>
+            </a:schemeClr>
+          </a:lnRef>
+          <a:fillRef idx="1">
+            <a:schemeClr val="accent1"/>
+          </a:fillRef>
+          <a:effectRef idx="0">
+            <a:schemeClr val="accent1"/>
+          </a:effectRef>
+          <a:fontRef idx="minor">
+            <a:schemeClr val="lt1"/>
+          </a:fontRef>
+        </p:style>
+        <p:txBody>
+          <a:bodyPr rtlCol="0" anchor="ctr"/>
+          <a:lstStyle/>
+          <a:p>
+            <a:r>
+              <a:rPr lang="de-DE" dirty="0">
+                <a:solidFill>
+                  <a:srgbClr val="433633"/>
+                </a:solidFill>
+                <a:latin typeface="Roboto Light" panose="02000000000000000000" pitchFamily="2" charset="0"/>
+                <a:ea typeface="Roboto Light" panose="02000000000000000000" pitchFamily="2" charset="0"/>
+              </a:rPr>
+              <a:t>Passwort</a:t>
+            </a:r>
+          </a:p>
+        </p:txBody>
+      </p:sp>
+      <p:cxnSp>
+        <p:nvCxnSpPr>
+          <p:cNvPr id="33" name="Gerader Verbinder 32">
+            <a:extLst>
+              <a:ext uri="{FF2B5EF4-FFF2-40B4-BE49-F238E27FC236}">
+                <a16:creationId xmlns:a16="http://schemas.microsoft.com/office/drawing/2014/main" id="{B773D7C7-FDEC-44D3-8ACD-C8E9E4CA100B}"/>
+              </a:ext>
+            </a:extLst>
+          </p:cNvPr>
+          <p:cNvCxnSpPr/>
+          <p:nvPr/>
+        </p:nvCxnSpPr>
+        <p:spPr>
+          <a:xfrm>
+            <a:off x="2121159" y="3573069"/>
+            <a:ext cx="2612572" cy="0"/>
+          </a:xfrm>
+          <a:prstGeom prst="line">
+            <a:avLst/>
+          </a:prstGeom>
+          <a:ln>
+            <a:solidFill>
+              <a:srgbClr val="433633"/>
+            </a:solidFill>
+          </a:ln>
+        </p:spPr>
+        <p:style>
+          <a:lnRef idx="1">
+            <a:schemeClr val="accent1"/>
+          </a:lnRef>
+          <a:fillRef idx="0">
+            <a:schemeClr val="accent1"/>
+          </a:fillRef>
+          <a:effectRef idx="0">
+            <a:schemeClr val="accent1"/>
+          </a:effectRef>
+          <a:fontRef idx="minor">
+            <a:schemeClr val="tx1"/>
+          </a:fontRef>
+        </p:style>
+      </p:cxnSp>
+      <p:cxnSp>
+        <p:nvCxnSpPr>
+          <p:cNvPr id="34" name="Gerader Verbinder 33">
+            <a:extLst>
+              <a:ext uri="{FF2B5EF4-FFF2-40B4-BE49-F238E27FC236}">
+                <a16:creationId xmlns:a16="http://schemas.microsoft.com/office/drawing/2014/main" id="{A2C95B7F-0A1D-4737-B1E1-DD2F74C42FB3}"/>
+              </a:ext>
+            </a:extLst>
+          </p:cNvPr>
+          <p:cNvCxnSpPr/>
+          <p:nvPr/>
+        </p:nvCxnSpPr>
+        <p:spPr>
+          <a:xfrm>
+            <a:off x="2121159" y="4132368"/>
+            <a:ext cx="2612572" cy="0"/>
+          </a:xfrm>
+          <a:prstGeom prst="line">
+            <a:avLst/>
+          </a:prstGeom>
+          <a:ln>
+            <a:solidFill>
+              <a:srgbClr val="433633"/>
+            </a:solidFill>
+          </a:ln>
+        </p:spPr>
+        <p:style>
+          <a:lnRef idx="1">
+            <a:schemeClr val="accent1"/>
+          </a:lnRef>
+          <a:fillRef idx="0">
+            <a:schemeClr val="accent1"/>
+          </a:fillRef>
+          <a:effectRef idx="0">
+            <a:schemeClr val="accent1"/>
+          </a:effectRef>
+          <a:fontRef idx="minor">
+            <a:schemeClr val="tx1"/>
+          </a:fontRef>
+        </p:style>
+      </p:cxnSp>
+      <p:sp>
+        <p:nvSpPr>
+          <p:cNvPr id="35" name="Rechteck 34">
+            <a:extLst>
+              <a:ext uri="{FF2B5EF4-FFF2-40B4-BE49-F238E27FC236}">
+                <a16:creationId xmlns:a16="http://schemas.microsoft.com/office/drawing/2014/main" id="{69F559B9-88F9-4B73-8D6A-1A1F58203313}"/>
+              </a:ext>
+            </a:extLst>
+          </p:cNvPr>
+          <p:cNvSpPr/>
+          <p:nvPr/>
+        </p:nvSpPr>
+        <p:spPr>
+          <a:xfrm>
+            <a:off x="2121159" y="5124626"/>
+            <a:ext cx="2612572" cy="401216"/>
+          </a:xfrm>
+          <a:prstGeom prst="rect">
+            <a:avLst/>
+          </a:prstGeom>
+          <a:solidFill>
+            <a:srgbClr val="FF934F"/>
+          </a:solidFill>
+          <a:ln>
+            <a:noFill/>
+          </a:ln>
+        </p:spPr>
+        <p:style>
+          <a:lnRef idx="2">
+            <a:schemeClr val="accent1">
+              <a:shade val="50000"/>
+            </a:schemeClr>
+          </a:lnRef>
+          <a:fillRef idx="1">
+            <a:schemeClr val="accent1"/>
+          </a:fillRef>
+          <a:effectRef idx="0">
+            <a:schemeClr val="accent1"/>
+          </a:effectRef>
+          <a:fontRef idx="minor">
+            <a:schemeClr val="lt1"/>
+          </a:fontRef>
+        </p:style>
+        <p:txBody>
+          <a:bodyPr rtlCol="0" anchor="ctr"/>
+          <a:lstStyle/>
+          <a:p>
+            <a:pPr algn="ctr"/>
+            <a:r>
+              <a:rPr lang="de-DE" dirty="0">
+                <a:solidFill>
+                  <a:srgbClr val="1F1F1F"/>
+                </a:solidFill>
+                <a:latin typeface="Roboto Light" panose="02000000000000000000" pitchFamily="2" charset="0"/>
+                <a:ea typeface="Roboto Light" panose="02000000000000000000" pitchFamily="2" charset="0"/>
+              </a:rPr>
+              <a:t>Registrieren</a:t>
+            </a:r>
+          </a:p>
+        </p:txBody>
+      </p:sp>
+      <p:sp>
+        <p:nvSpPr>
+          <p:cNvPr id="36" name="Rechteck 35">
+            <a:extLst>
+              <a:ext uri="{FF2B5EF4-FFF2-40B4-BE49-F238E27FC236}">
+                <a16:creationId xmlns:a16="http://schemas.microsoft.com/office/drawing/2014/main" id="{A5C9DC37-359E-4873-8FF4-2F9FD2042BA5}"/>
+              </a:ext>
+            </a:extLst>
+          </p:cNvPr>
+          <p:cNvSpPr/>
+          <p:nvPr/>
+        </p:nvSpPr>
+        <p:spPr>
+          <a:xfrm>
+            <a:off x="2121159" y="5818296"/>
+            <a:ext cx="2612572" cy="401216"/>
+          </a:xfrm>
+          <a:prstGeom prst="rect">
+            <a:avLst/>
+          </a:prstGeom>
+          <a:noFill/>
+          <a:ln>
+            <a:noFill/>
+          </a:ln>
+        </p:spPr>
+        <p:style>
+          <a:lnRef idx="2">
+            <a:schemeClr val="accent1">
+              <a:shade val="50000"/>
+            </a:schemeClr>
+          </a:lnRef>
+          <a:fillRef idx="1">
+            <a:schemeClr val="accent1"/>
+          </a:fillRef>
+          <a:effectRef idx="0">
+            <a:schemeClr val="accent1"/>
+          </a:effectRef>
+          <a:fontRef idx="minor">
+            <a:schemeClr val="lt1"/>
+          </a:fontRef>
+        </p:style>
+        <p:txBody>
+          <a:bodyPr rtlCol="0" anchor="ctr"/>
+          <a:lstStyle/>
+          <a:p>
+            <a:pPr algn="ctr"/>
+            <a:r>
+              <a:rPr lang="de-DE" sz="1200" dirty="0">
+                <a:solidFill>
+                  <a:srgbClr val="433633"/>
+                </a:solidFill>
+                <a:latin typeface="Roboto Light" panose="02000000000000000000" pitchFamily="2" charset="0"/>
+                <a:ea typeface="Roboto Light" panose="02000000000000000000" pitchFamily="2" charset="0"/>
+              </a:rPr>
+              <a:t>Bereits ein Konto? </a:t>
+            </a:r>
+            <a:r>
+              <a:rPr lang="de-DE" sz="1200" u="sng" dirty="0">
+                <a:solidFill>
+                  <a:srgbClr val="7180AC"/>
+                </a:solidFill>
+                <a:latin typeface="Roboto Light" panose="02000000000000000000" pitchFamily="2" charset="0"/>
+                <a:ea typeface="Roboto Light" panose="02000000000000000000" pitchFamily="2" charset="0"/>
+              </a:rPr>
+              <a:t>Hier Einloggen</a:t>
+            </a:r>
+          </a:p>
+        </p:txBody>
+      </p:sp>
+      <p:cxnSp>
+        <p:nvCxnSpPr>
+          <p:cNvPr id="37" name="Gerader Verbinder 36">
+            <a:extLst>
+              <a:ext uri="{FF2B5EF4-FFF2-40B4-BE49-F238E27FC236}">
+                <a16:creationId xmlns:a16="http://schemas.microsoft.com/office/drawing/2014/main" id="{751CB5D0-F097-45F0-A2E5-30422B0699F4}"/>
+              </a:ext>
+            </a:extLst>
+          </p:cNvPr>
+          <p:cNvCxnSpPr>
+            <a:cxnSpLocks/>
+          </p:cNvCxnSpPr>
+          <p:nvPr/>
+        </p:nvCxnSpPr>
+        <p:spPr>
+          <a:xfrm>
+            <a:off x="2121159" y="5780398"/>
+            <a:ext cx="2612572" cy="0"/>
+          </a:xfrm>
+          <a:prstGeom prst="line">
+            <a:avLst/>
+          </a:prstGeom>
+          <a:ln>
+            <a:solidFill>
+              <a:srgbClr val="433633"/>
+            </a:solidFill>
+          </a:ln>
+        </p:spPr>
+        <p:style>
+          <a:lnRef idx="1">
+            <a:schemeClr val="accent1"/>
+          </a:lnRef>
+          <a:fillRef idx="0">
+            <a:schemeClr val="accent1"/>
+          </a:fillRef>
+          <a:effectRef idx="0">
+            <a:schemeClr val="accent1"/>
+          </a:effectRef>
+          <a:fontRef idx="minor">
+            <a:schemeClr val="tx1"/>
+          </a:fontRef>
+        </p:style>
+      </p:cxnSp>
+      <p:sp>
+        <p:nvSpPr>
+          <p:cNvPr id="38" name="Rechteck 37">
+            <a:extLst>
+              <a:ext uri="{FF2B5EF4-FFF2-40B4-BE49-F238E27FC236}">
+                <a16:creationId xmlns:a16="http://schemas.microsoft.com/office/drawing/2014/main" id="{D6CE25E6-367B-44C2-965C-A69825849B70}"/>
+              </a:ext>
+            </a:extLst>
+          </p:cNvPr>
+          <p:cNvSpPr/>
+          <p:nvPr/>
+        </p:nvSpPr>
+        <p:spPr>
+          <a:xfrm>
+            <a:off x="2121159" y="4300782"/>
+            <a:ext cx="2612572" cy="401216"/>
+          </a:xfrm>
+          <a:prstGeom prst="rect">
+            <a:avLst/>
+          </a:prstGeom>
+          <a:noFill/>
+          <a:ln>
+            <a:noFill/>
+          </a:ln>
+        </p:spPr>
+        <p:style>
+          <a:lnRef idx="2">
+            <a:schemeClr val="accent1">
+              <a:shade val="50000"/>
+            </a:schemeClr>
+          </a:lnRef>
+          <a:fillRef idx="1">
+            <a:schemeClr val="accent1"/>
+          </a:fillRef>
+          <a:effectRef idx="0">
+            <a:schemeClr val="accent1"/>
+          </a:effectRef>
+          <a:fontRef idx="minor">
+            <a:schemeClr val="lt1"/>
+          </a:fontRef>
+        </p:style>
+        <p:txBody>
+          <a:bodyPr rtlCol="0" anchor="ctr"/>
+          <a:lstStyle/>
+          <a:p>
+            <a:r>
+              <a:rPr lang="de-DE" dirty="0">
+                <a:solidFill>
+                  <a:srgbClr val="433633"/>
+                </a:solidFill>
+                <a:latin typeface="Roboto Light" panose="02000000000000000000" pitchFamily="2" charset="0"/>
+                <a:ea typeface="Roboto Light" panose="02000000000000000000" pitchFamily="2" charset="0"/>
+              </a:rPr>
+              <a:t>Passwort</a:t>
+            </a:r>
+          </a:p>
+        </p:txBody>
+      </p:sp>
+      <p:cxnSp>
+        <p:nvCxnSpPr>
+          <p:cNvPr id="39" name="Gerader Verbinder 38">
+            <a:extLst>
+              <a:ext uri="{FF2B5EF4-FFF2-40B4-BE49-F238E27FC236}">
+                <a16:creationId xmlns:a16="http://schemas.microsoft.com/office/drawing/2014/main" id="{CD9874EE-9CA6-4912-A4A9-73F18349B223}"/>
+              </a:ext>
+            </a:extLst>
+          </p:cNvPr>
+          <p:cNvCxnSpPr/>
+          <p:nvPr/>
+        </p:nvCxnSpPr>
+        <p:spPr>
+          <a:xfrm>
+            <a:off x="2121159" y="4701998"/>
+            <a:ext cx="2612572" cy="0"/>
+          </a:xfrm>
+          <a:prstGeom prst="line">
+            <a:avLst/>
+          </a:prstGeom>
+          <a:ln>
+            <a:solidFill>
+              <a:srgbClr val="433633"/>
+            </a:solidFill>
+          </a:ln>
+        </p:spPr>
+        <p:style>
+          <a:lnRef idx="1">
+            <a:schemeClr val="accent1"/>
+          </a:lnRef>
+          <a:fillRef idx="0">
+            <a:schemeClr val="accent1"/>
+          </a:fillRef>
+          <a:effectRef idx="0">
+            <a:schemeClr val="accent1"/>
+          </a:effectRef>
+          <a:fontRef idx="minor">
+            <a:schemeClr val="tx1"/>
+          </a:fontRef>
+        </p:style>
+      </p:cxnSp>
+      <p:sp>
+        <p:nvSpPr>
+          <p:cNvPr id="40" name="Rechteck 39">
+            <a:extLst>
+              <a:ext uri="{FF2B5EF4-FFF2-40B4-BE49-F238E27FC236}">
+                <a16:creationId xmlns:a16="http://schemas.microsoft.com/office/drawing/2014/main" id="{EEA77FAA-8D7E-4ECD-8F9A-5F79C286DA80}"/>
+              </a:ext>
+            </a:extLst>
+          </p:cNvPr>
+          <p:cNvSpPr/>
+          <p:nvPr/>
+        </p:nvSpPr>
+        <p:spPr>
+          <a:xfrm>
+            <a:off x="2121159" y="2626568"/>
+            <a:ext cx="2612572" cy="401216"/>
+          </a:xfrm>
+          <a:prstGeom prst="rect">
+            <a:avLst/>
+          </a:prstGeom>
+          <a:noFill/>
+          <a:ln>
+            <a:noFill/>
+          </a:ln>
+        </p:spPr>
+        <p:style>
+          <a:lnRef idx="2">
+            <a:schemeClr val="accent1">
+              <a:shade val="50000"/>
+            </a:schemeClr>
+          </a:lnRef>
+          <a:fillRef idx="1">
+            <a:schemeClr val="accent1"/>
+          </a:fillRef>
+          <a:effectRef idx="0">
+            <a:schemeClr val="accent1"/>
+          </a:effectRef>
+          <a:fontRef idx="minor">
+            <a:schemeClr val="lt1"/>
+          </a:fontRef>
+        </p:style>
+        <p:txBody>
+          <a:bodyPr rtlCol="0" anchor="ctr"/>
+          <a:lstStyle/>
+          <a:p>
+            <a:r>
+              <a:rPr lang="de-DE" dirty="0">
+                <a:solidFill>
+                  <a:srgbClr val="433633"/>
+                </a:solidFill>
+                <a:latin typeface="Roboto Light" panose="02000000000000000000" pitchFamily="2" charset="0"/>
+                <a:ea typeface="Roboto Light" panose="02000000000000000000" pitchFamily="2" charset="0"/>
+              </a:rPr>
+              <a:t>Benutzername</a:t>
+            </a:r>
+          </a:p>
+        </p:txBody>
+      </p:sp>
+      <p:cxnSp>
+        <p:nvCxnSpPr>
+          <p:cNvPr id="41" name="Gerader Verbinder 40">
+            <a:extLst>
+              <a:ext uri="{FF2B5EF4-FFF2-40B4-BE49-F238E27FC236}">
+                <a16:creationId xmlns:a16="http://schemas.microsoft.com/office/drawing/2014/main" id="{5B73470D-5F42-4266-AB2A-79444B976CD6}"/>
+              </a:ext>
+            </a:extLst>
+          </p:cNvPr>
+          <p:cNvCxnSpPr/>
+          <p:nvPr/>
+        </p:nvCxnSpPr>
+        <p:spPr>
+          <a:xfrm>
+            <a:off x="2121159" y="3027784"/>
+            <a:ext cx="2612572" cy="0"/>
+          </a:xfrm>
+          <a:prstGeom prst="line">
+            <a:avLst/>
+          </a:prstGeom>
+          <a:ln>
+            <a:solidFill>
+              <a:srgbClr val="433633"/>
+            </a:solidFill>
+          </a:ln>
+        </p:spPr>
+        <p:style>
+          <a:lnRef idx="1">
+            <a:schemeClr val="accent1"/>
+          </a:lnRef>
+          <a:fillRef idx="0">
+            <a:schemeClr val="accent1"/>
+          </a:fillRef>
+          <a:effectRef idx="0">
+            <a:schemeClr val="accent1"/>
+          </a:effectRef>
+          <a:fontRef idx="minor">
+            <a:schemeClr val="tx1"/>
+          </a:fontRef>
+        </p:style>
+      </p:cxnSp>
+      <p:sp>
+        <p:nvSpPr>
+          <p:cNvPr id="54" name="Rechteck 53">
+            <a:extLst>
+              <a:ext uri="{FF2B5EF4-FFF2-40B4-BE49-F238E27FC236}">
+                <a16:creationId xmlns:a16="http://schemas.microsoft.com/office/drawing/2014/main" id="{CD6CC015-1052-473D-9279-167C4EF1885C}"/>
+              </a:ext>
+            </a:extLst>
+          </p:cNvPr>
+          <p:cNvSpPr/>
+          <p:nvPr/>
+        </p:nvSpPr>
+        <p:spPr>
+          <a:xfrm>
+            <a:off x="7937241" y="3171853"/>
+            <a:ext cx="2612572" cy="401216"/>
+          </a:xfrm>
+          <a:prstGeom prst="rect">
+            <a:avLst/>
+          </a:prstGeom>
+          <a:noFill/>
+          <a:ln>
+            <a:noFill/>
+          </a:ln>
+        </p:spPr>
+        <p:style>
+          <a:lnRef idx="2">
+            <a:schemeClr val="accent1">
+              <a:shade val="50000"/>
+            </a:schemeClr>
+          </a:lnRef>
+          <a:fillRef idx="1">
+            <a:schemeClr val="accent1"/>
+          </a:fillRef>
+          <a:effectRef idx="0">
+            <a:schemeClr val="accent1"/>
+          </a:effectRef>
+          <a:fontRef idx="minor">
+            <a:schemeClr val="lt1"/>
+          </a:fontRef>
+        </p:style>
+        <p:txBody>
+          <a:bodyPr rtlCol="0" anchor="ctr"/>
+          <a:lstStyle/>
+          <a:p>
+            <a:r>
+              <a:rPr lang="de-DE" dirty="0">
+                <a:solidFill>
+                  <a:srgbClr val="433633"/>
+                </a:solidFill>
+                <a:latin typeface="Roboto Light" panose="02000000000000000000" pitchFamily="2" charset="0"/>
+                <a:ea typeface="Roboto Light" panose="02000000000000000000" pitchFamily="2" charset="0"/>
+              </a:rPr>
+              <a:t>E-Mail</a:t>
+            </a:r>
+          </a:p>
+        </p:txBody>
+      </p:sp>
+      <p:sp>
+        <p:nvSpPr>
+          <p:cNvPr id="55" name="Rechteck 54">
+            <a:extLst>
+              <a:ext uri="{FF2B5EF4-FFF2-40B4-BE49-F238E27FC236}">
+                <a16:creationId xmlns:a16="http://schemas.microsoft.com/office/drawing/2014/main" id="{D2FB0D59-2F46-408B-8D89-75ED4EDEEE39}"/>
+              </a:ext>
+            </a:extLst>
+          </p:cNvPr>
+          <p:cNvSpPr/>
+          <p:nvPr/>
+        </p:nvSpPr>
+        <p:spPr>
+          <a:xfrm>
+            <a:off x="7937241" y="3731152"/>
+            <a:ext cx="2612572" cy="401216"/>
+          </a:xfrm>
+          <a:prstGeom prst="rect">
+            <a:avLst/>
+          </a:prstGeom>
+          <a:noFill/>
+          <a:ln>
+            <a:noFill/>
+          </a:ln>
+        </p:spPr>
+        <p:style>
+          <a:lnRef idx="2">
+            <a:schemeClr val="accent1">
+              <a:shade val="50000"/>
+            </a:schemeClr>
+          </a:lnRef>
+          <a:fillRef idx="1">
+            <a:schemeClr val="accent1"/>
+          </a:fillRef>
+          <a:effectRef idx="0">
+            <a:schemeClr val="accent1"/>
+          </a:effectRef>
+          <a:fontRef idx="minor">
+            <a:schemeClr val="lt1"/>
+          </a:fontRef>
+        </p:style>
+        <p:txBody>
+          <a:bodyPr rtlCol="0" anchor="ctr"/>
+          <a:lstStyle/>
+          <a:p>
+            <a:r>
+              <a:rPr lang="de-DE" dirty="0">
+                <a:solidFill>
+                  <a:srgbClr val="433633"/>
+                </a:solidFill>
+                <a:latin typeface="Roboto Light" panose="02000000000000000000" pitchFamily="2" charset="0"/>
+                <a:ea typeface="Roboto Light" panose="02000000000000000000" pitchFamily="2" charset="0"/>
+              </a:rPr>
+              <a:t>Passwort</a:t>
+            </a:r>
+          </a:p>
+        </p:txBody>
+      </p:sp>
+      <p:cxnSp>
+        <p:nvCxnSpPr>
+          <p:cNvPr id="56" name="Gerader Verbinder 55">
+            <a:extLst>
+              <a:ext uri="{FF2B5EF4-FFF2-40B4-BE49-F238E27FC236}">
+                <a16:creationId xmlns:a16="http://schemas.microsoft.com/office/drawing/2014/main" id="{AB4FB3CA-E549-4044-A312-07818E758402}"/>
+              </a:ext>
+            </a:extLst>
+          </p:cNvPr>
+          <p:cNvCxnSpPr/>
+          <p:nvPr/>
+        </p:nvCxnSpPr>
+        <p:spPr>
+          <a:xfrm>
+            <a:off x="7937241" y="3573069"/>
+            <a:ext cx="2612572" cy="0"/>
+          </a:xfrm>
+          <a:prstGeom prst="line">
+            <a:avLst/>
+          </a:prstGeom>
+          <a:ln>
+            <a:solidFill>
+              <a:srgbClr val="433633"/>
+            </a:solidFill>
+          </a:ln>
+        </p:spPr>
+        <p:style>
+          <a:lnRef idx="1">
+            <a:schemeClr val="accent1"/>
+          </a:lnRef>
+          <a:fillRef idx="0">
+            <a:schemeClr val="accent1"/>
+          </a:fillRef>
+          <a:effectRef idx="0">
+            <a:schemeClr val="accent1"/>
+          </a:effectRef>
+          <a:fontRef idx="minor">
+            <a:schemeClr val="tx1"/>
+          </a:fontRef>
+        </p:style>
+      </p:cxnSp>
+      <p:cxnSp>
+        <p:nvCxnSpPr>
+          <p:cNvPr id="57" name="Gerader Verbinder 56">
+            <a:extLst>
+              <a:ext uri="{FF2B5EF4-FFF2-40B4-BE49-F238E27FC236}">
+                <a16:creationId xmlns:a16="http://schemas.microsoft.com/office/drawing/2014/main" id="{FA59B772-F6C9-4CA6-B9F3-C4EE916FA402}"/>
+              </a:ext>
+            </a:extLst>
+          </p:cNvPr>
+          <p:cNvCxnSpPr/>
+          <p:nvPr/>
+        </p:nvCxnSpPr>
+        <p:spPr>
+          <a:xfrm>
+            <a:off x="7937241" y="4132368"/>
+            <a:ext cx="2612572" cy="0"/>
+          </a:xfrm>
+          <a:prstGeom prst="line">
+            <a:avLst/>
+          </a:prstGeom>
+          <a:ln>
+            <a:solidFill>
+              <a:srgbClr val="433633"/>
+            </a:solidFill>
+          </a:ln>
+        </p:spPr>
+        <p:style>
+          <a:lnRef idx="1">
+            <a:schemeClr val="accent1"/>
+          </a:lnRef>
+          <a:fillRef idx="0">
+            <a:schemeClr val="accent1"/>
+          </a:fillRef>
+          <a:effectRef idx="0">
+            <a:schemeClr val="accent1"/>
+          </a:effectRef>
+          <a:fontRef idx="minor">
+            <a:schemeClr val="tx1"/>
+          </a:fontRef>
+        </p:style>
+      </p:cxnSp>
+      <p:sp>
+        <p:nvSpPr>
+          <p:cNvPr id="58" name="Rechteck 57">
+            <a:extLst>
+              <a:ext uri="{FF2B5EF4-FFF2-40B4-BE49-F238E27FC236}">
+                <a16:creationId xmlns:a16="http://schemas.microsoft.com/office/drawing/2014/main" id="{188AD7C8-C1B2-4832-B5BD-95E2620E7D86}"/>
+              </a:ext>
+            </a:extLst>
+          </p:cNvPr>
+          <p:cNvSpPr/>
+          <p:nvPr/>
+        </p:nvSpPr>
+        <p:spPr>
+          <a:xfrm>
+            <a:off x="7937241" y="5124626"/>
+            <a:ext cx="2612572" cy="401216"/>
+          </a:xfrm>
+          <a:prstGeom prst="rect">
+            <a:avLst/>
+          </a:prstGeom>
+          <a:solidFill>
+            <a:srgbClr val="FF934F"/>
+          </a:solidFill>
+          <a:ln>
+            <a:noFill/>
+          </a:ln>
+        </p:spPr>
+        <p:style>
+          <a:lnRef idx="2">
+            <a:schemeClr val="accent1">
+              <a:shade val="50000"/>
+            </a:schemeClr>
+          </a:lnRef>
+          <a:fillRef idx="1">
+            <a:schemeClr val="accent1"/>
+          </a:fillRef>
+          <a:effectRef idx="0">
+            <a:schemeClr val="accent1"/>
+          </a:effectRef>
+          <a:fontRef idx="minor">
+            <a:schemeClr val="lt1"/>
+          </a:fontRef>
+        </p:style>
+        <p:txBody>
+          <a:bodyPr rtlCol="0" anchor="ctr"/>
+          <a:lstStyle/>
+          <a:p>
+            <a:pPr algn="ctr"/>
+            <a:r>
+              <a:rPr lang="de-DE" dirty="0">
+                <a:solidFill>
+                  <a:srgbClr val="1F1F1F"/>
+                </a:solidFill>
+                <a:latin typeface="Roboto Light" panose="02000000000000000000" pitchFamily="2" charset="0"/>
+                <a:ea typeface="Roboto Light" panose="02000000000000000000" pitchFamily="2" charset="0"/>
+              </a:rPr>
+              <a:t>Registrieren</a:t>
+            </a:r>
+          </a:p>
+        </p:txBody>
+      </p:sp>
+      <p:sp>
+        <p:nvSpPr>
+          <p:cNvPr id="59" name="Rechteck 58">
+            <a:extLst>
+              <a:ext uri="{FF2B5EF4-FFF2-40B4-BE49-F238E27FC236}">
+                <a16:creationId xmlns:a16="http://schemas.microsoft.com/office/drawing/2014/main" id="{6B401E1F-16D2-47E0-B462-EBF17256BD7B}"/>
+              </a:ext>
+            </a:extLst>
+          </p:cNvPr>
+          <p:cNvSpPr/>
+          <p:nvPr/>
+        </p:nvSpPr>
+        <p:spPr>
+          <a:xfrm>
+            <a:off x="7937241" y="5818296"/>
+            <a:ext cx="2612572" cy="401216"/>
+          </a:xfrm>
+          <a:prstGeom prst="rect">
+            <a:avLst/>
+          </a:prstGeom>
+          <a:noFill/>
+          <a:ln>
+            <a:noFill/>
+          </a:ln>
+        </p:spPr>
+        <p:style>
+          <a:lnRef idx="2">
+            <a:schemeClr val="accent1">
+              <a:shade val="50000"/>
+            </a:schemeClr>
+          </a:lnRef>
+          <a:fillRef idx="1">
+            <a:schemeClr val="accent1"/>
+          </a:fillRef>
+          <a:effectRef idx="0">
+            <a:schemeClr val="accent1"/>
+          </a:effectRef>
+          <a:fontRef idx="minor">
+            <a:schemeClr val="lt1"/>
+          </a:fontRef>
+        </p:style>
+        <p:txBody>
+          <a:bodyPr rtlCol="0" anchor="ctr"/>
+          <a:lstStyle/>
+          <a:p>
+            <a:pPr algn="ctr"/>
+            <a:r>
+              <a:rPr lang="de-DE" sz="1200" dirty="0">
+                <a:solidFill>
+                  <a:srgbClr val="433633"/>
+                </a:solidFill>
+                <a:latin typeface="Roboto Light" panose="02000000000000000000" pitchFamily="2" charset="0"/>
+                <a:ea typeface="Roboto Light" panose="02000000000000000000" pitchFamily="2" charset="0"/>
+              </a:rPr>
+              <a:t>Bereits ein Konto? </a:t>
+            </a:r>
+            <a:r>
+              <a:rPr lang="de-DE" sz="1200" u="sng" dirty="0">
+                <a:solidFill>
+                  <a:srgbClr val="7180AC"/>
+                </a:solidFill>
+                <a:latin typeface="Roboto Light" panose="02000000000000000000" pitchFamily="2" charset="0"/>
+                <a:ea typeface="Roboto Light" panose="02000000000000000000" pitchFamily="2" charset="0"/>
+              </a:rPr>
+              <a:t>Hier Einloggen</a:t>
+            </a:r>
+          </a:p>
+        </p:txBody>
+      </p:sp>
+      <p:cxnSp>
+        <p:nvCxnSpPr>
+          <p:cNvPr id="60" name="Gerader Verbinder 59">
+            <a:extLst>
+              <a:ext uri="{FF2B5EF4-FFF2-40B4-BE49-F238E27FC236}">
+                <a16:creationId xmlns:a16="http://schemas.microsoft.com/office/drawing/2014/main" id="{DAADFE34-6FD0-44CA-85D8-043B9065BEC4}"/>
+              </a:ext>
+            </a:extLst>
+          </p:cNvPr>
+          <p:cNvCxnSpPr>
+            <a:cxnSpLocks/>
+          </p:cNvCxnSpPr>
+          <p:nvPr/>
+        </p:nvCxnSpPr>
+        <p:spPr>
+          <a:xfrm>
+            <a:off x="7937241" y="5780398"/>
+            <a:ext cx="2612572" cy="0"/>
+          </a:xfrm>
+          <a:prstGeom prst="line">
+            <a:avLst/>
+          </a:prstGeom>
+          <a:ln>
+            <a:solidFill>
+              <a:srgbClr val="433633"/>
+            </a:solidFill>
+          </a:ln>
+        </p:spPr>
+        <p:style>
+          <a:lnRef idx="1">
+            <a:schemeClr val="accent1"/>
+          </a:lnRef>
+          <a:fillRef idx="0">
+            <a:schemeClr val="accent1"/>
+          </a:fillRef>
+          <a:effectRef idx="0">
+            <a:schemeClr val="accent1"/>
+          </a:effectRef>
+          <a:fontRef idx="minor">
+            <a:schemeClr val="tx1"/>
+          </a:fontRef>
+        </p:style>
+      </p:cxnSp>
+      <p:sp>
+        <p:nvSpPr>
+          <p:cNvPr id="61" name="Rechteck 60">
+            <a:extLst>
+              <a:ext uri="{FF2B5EF4-FFF2-40B4-BE49-F238E27FC236}">
+                <a16:creationId xmlns:a16="http://schemas.microsoft.com/office/drawing/2014/main" id="{8C914470-2E22-4792-8002-34523964F949}"/>
+              </a:ext>
+            </a:extLst>
+          </p:cNvPr>
+          <p:cNvSpPr/>
+          <p:nvPr/>
+        </p:nvSpPr>
+        <p:spPr>
+          <a:xfrm>
+            <a:off x="7937241" y="4300782"/>
+            <a:ext cx="2612572" cy="401216"/>
+          </a:xfrm>
+          <a:prstGeom prst="rect">
+            <a:avLst/>
+          </a:prstGeom>
+          <a:noFill/>
+          <a:ln>
+            <a:noFill/>
+          </a:ln>
+        </p:spPr>
+        <p:style>
+          <a:lnRef idx="2">
+            <a:schemeClr val="accent1">
+              <a:shade val="50000"/>
+            </a:schemeClr>
+          </a:lnRef>
+          <a:fillRef idx="1">
+            <a:schemeClr val="accent1"/>
+          </a:fillRef>
+          <a:effectRef idx="0">
+            <a:schemeClr val="accent1"/>
+          </a:effectRef>
+          <a:fontRef idx="minor">
+            <a:schemeClr val="lt1"/>
+          </a:fontRef>
+        </p:style>
+        <p:txBody>
+          <a:bodyPr rtlCol="0" anchor="ctr"/>
+          <a:lstStyle/>
+          <a:p>
+            <a:r>
+              <a:rPr lang="de-DE" dirty="0">
+                <a:solidFill>
+                  <a:srgbClr val="433633"/>
+                </a:solidFill>
+                <a:latin typeface="Roboto Light" panose="02000000000000000000" pitchFamily="2" charset="0"/>
+                <a:ea typeface="Roboto Light" panose="02000000000000000000" pitchFamily="2" charset="0"/>
+              </a:rPr>
+              <a:t>Passwort</a:t>
+            </a:r>
+          </a:p>
+        </p:txBody>
+      </p:sp>
+      <p:cxnSp>
+        <p:nvCxnSpPr>
+          <p:cNvPr id="62" name="Gerader Verbinder 61">
+            <a:extLst>
+              <a:ext uri="{FF2B5EF4-FFF2-40B4-BE49-F238E27FC236}">
+                <a16:creationId xmlns:a16="http://schemas.microsoft.com/office/drawing/2014/main" id="{FA059F47-6B2A-4EA4-85AA-3A461D88D3CC}"/>
+              </a:ext>
+            </a:extLst>
+          </p:cNvPr>
+          <p:cNvCxnSpPr/>
+          <p:nvPr/>
+        </p:nvCxnSpPr>
+        <p:spPr>
+          <a:xfrm>
+            <a:off x="7937241" y="4701998"/>
+            <a:ext cx="2612572" cy="0"/>
+          </a:xfrm>
+          <a:prstGeom prst="line">
+            <a:avLst/>
+          </a:prstGeom>
+          <a:ln>
+            <a:solidFill>
+              <a:srgbClr val="433633"/>
+            </a:solidFill>
+          </a:ln>
+        </p:spPr>
+        <p:style>
+          <a:lnRef idx="1">
+            <a:schemeClr val="accent1"/>
+          </a:lnRef>
+          <a:fillRef idx="0">
+            <a:schemeClr val="accent1"/>
+          </a:fillRef>
+          <a:effectRef idx="0">
+            <a:schemeClr val="accent1"/>
+          </a:effectRef>
+          <a:fontRef idx="minor">
+            <a:schemeClr val="tx1"/>
+          </a:fontRef>
+        </p:style>
+      </p:cxnSp>
+      <p:sp>
+        <p:nvSpPr>
+          <p:cNvPr id="63" name="Rechteck 62">
+            <a:extLst>
+              <a:ext uri="{FF2B5EF4-FFF2-40B4-BE49-F238E27FC236}">
+                <a16:creationId xmlns:a16="http://schemas.microsoft.com/office/drawing/2014/main" id="{4D542A0C-E196-4E8A-9358-CC921C69AEF8}"/>
+              </a:ext>
+            </a:extLst>
+          </p:cNvPr>
+          <p:cNvSpPr/>
+          <p:nvPr/>
+        </p:nvSpPr>
+        <p:spPr>
+          <a:xfrm>
+            <a:off x="7937241" y="2626568"/>
+            <a:ext cx="2612572" cy="401216"/>
+          </a:xfrm>
+          <a:prstGeom prst="rect">
+            <a:avLst/>
+          </a:prstGeom>
+          <a:noFill/>
+          <a:ln>
+            <a:noFill/>
+          </a:ln>
+        </p:spPr>
+        <p:style>
+          <a:lnRef idx="2">
+            <a:schemeClr val="accent1">
+              <a:shade val="50000"/>
+            </a:schemeClr>
+          </a:lnRef>
+          <a:fillRef idx="1">
+            <a:schemeClr val="accent1"/>
+          </a:fillRef>
+          <a:effectRef idx="0">
+            <a:schemeClr val="accent1"/>
+          </a:effectRef>
+          <a:fontRef idx="minor">
+            <a:schemeClr val="lt1"/>
+          </a:fontRef>
+        </p:style>
+        <p:txBody>
+          <a:bodyPr rtlCol="0" anchor="ctr"/>
+          <a:lstStyle/>
+          <a:p>
+            <a:r>
+              <a:rPr lang="de-DE" dirty="0">
+                <a:solidFill>
+                  <a:srgbClr val="433633"/>
+                </a:solidFill>
+                <a:latin typeface="Roboto Light" panose="02000000000000000000" pitchFamily="2" charset="0"/>
+                <a:ea typeface="Roboto Light" panose="02000000000000000000" pitchFamily="2" charset="0"/>
+              </a:rPr>
+              <a:t>senfi13</a:t>
+            </a:r>
+          </a:p>
+        </p:txBody>
+      </p:sp>
+      <p:cxnSp>
+        <p:nvCxnSpPr>
+          <p:cNvPr id="64" name="Gerader Verbinder 63">
+            <a:extLst>
+              <a:ext uri="{FF2B5EF4-FFF2-40B4-BE49-F238E27FC236}">
+                <a16:creationId xmlns:a16="http://schemas.microsoft.com/office/drawing/2014/main" id="{9847F5E1-0052-45FB-AA42-365A491758C9}"/>
+              </a:ext>
+            </a:extLst>
+          </p:cNvPr>
+          <p:cNvCxnSpPr/>
+          <p:nvPr/>
+        </p:nvCxnSpPr>
+        <p:spPr>
+          <a:xfrm>
+            <a:off x="7937241" y="3027784"/>
+            <a:ext cx="2612572" cy="0"/>
+          </a:xfrm>
+          <a:prstGeom prst="line">
+            <a:avLst/>
+          </a:prstGeom>
+          <a:ln>
+            <a:solidFill>
+              <a:srgbClr val="433633"/>
+            </a:solidFill>
+          </a:ln>
+        </p:spPr>
+        <p:style>
+          <a:lnRef idx="1">
+            <a:schemeClr val="accent1"/>
+          </a:lnRef>
+          <a:fillRef idx="0">
+            <a:schemeClr val="accent1"/>
+          </a:fillRef>
+          <a:effectRef idx="0">
+            <a:schemeClr val="accent1"/>
+          </a:effectRef>
+          <a:fontRef idx="minor">
+            <a:schemeClr val="tx1"/>
+          </a:fontRef>
+        </p:style>
+      </p:cxnSp>
+      <p:sp>
+        <p:nvSpPr>
+          <p:cNvPr id="65" name="Rechteck 64">
+            <a:extLst>
+              <a:ext uri="{FF2B5EF4-FFF2-40B4-BE49-F238E27FC236}">
+                <a16:creationId xmlns:a16="http://schemas.microsoft.com/office/drawing/2014/main" id="{48DDEE09-D4E5-4DC7-8ADD-90D4227F38A0}"/>
+              </a:ext>
+            </a:extLst>
+          </p:cNvPr>
+          <p:cNvSpPr/>
+          <p:nvPr/>
+        </p:nvSpPr>
+        <p:spPr>
+          <a:xfrm>
+            <a:off x="7937241" y="2239345"/>
+            <a:ext cx="2612572" cy="401216"/>
+          </a:xfrm>
+          <a:prstGeom prst="rect">
+            <a:avLst/>
+          </a:prstGeom>
+          <a:noFill/>
+          <a:ln>
+            <a:noFill/>
+          </a:ln>
+        </p:spPr>
+        <p:style>
+          <a:lnRef idx="2">
+            <a:schemeClr val="accent1">
+              <a:shade val="50000"/>
+            </a:schemeClr>
+          </a:lnRef>
+          <a:fillRef idx="1">
+            <a:schemeClr val="accent1"/>
+          </a:fillRef>
+          <a:effectRef idx="0">
+            <a:schemeClr val="accent1"/>
+          </a:effectRef>
+          <a:fontRef idx="minor">
+            <a:schemeClr val="lt1"/>
+          </a:fontRef>
+        </p:style>
+        <p:txBody>
+          <a:bodyPr rtlCol="0" anchor="ctr"/>
+          <a:lstStyle/>
+          <a:p>
+            <a:r>
+              <a:rPr lang="de-DE" sz="1200" dirty="0">
+                <a:solidFill>
+                  <a:srgbClr val="7180AC"/>
+                </a:solidFill>
+                <a:latin typeface="Roboto Light" panose="02000000000000000000" pitchFamily="2" charset="0"/>
+                <a:ea typeface="Roboto Light" panose="02000000000000000000" pitchFamily="2" charset="0"/>
+              </a:rPr>
+              <a:t>Benutzername</a:t>
+            </a:r>
+          </a:p>
+        </p:txBody>
+      </p:sp>
+    </p:spTree>
+    <p:extLst>
+      <p:ext uri="{BB962C8B-B14F-4D97-AF65-F5344CB8AC3E}">
+        <p14:creationId xmlns:p14="http://schemas.microsoft.com/office/powerpoint/2010/main" val="1847433324"/>
+      </p:ext>
+    </p:extLst>
+  </p:cSld>
+  <p:clrMapOvr>
+    <a:masterClrMapping/>
+  </p:clrMapOvr>
+</p:sld>
+</file>
+
+<file path=ppt/slides/slide5.xml><?xml version="1.0" encoding="utf-8"?>
+<p:sld xmlns:a="http://schemas.openxmlformats.org/drawingml/2006/main" xmlns:r="http://schemas.openxmlformats.org/officeDocument/2006/relationships" xmlns:p="http://schemas.openxmlformats.org/presentationml/2006/main">
+  <p:cSld>
+    <p:spTree>
+      <p:nvGrpSpPr>
+        <p:cNvPr id="1" name=""/>
+        <p:cNvGrpSpPr/>
+        <p:nvPr/>
+      </p:nvGrpSpPr>
+      <p:grpSpPr>
+        <a:xfrm>
+          <a:off x="0" y="0"/>
+          <a:ext cx="0" cy="0"/>
+          <a:chOff x="0" y="0"/>
+          <a:chExt cx="0" cy="0"/>
+        </a:xfrm>
+      </p:grpSpPr>
+      <p:sp>
+        <p:nvSpPr>
+          <p:cNvPr id="4" name="Rechteck 3">
+            <a:extLst>
+              <a:ext uri="{FF2B5EF4-FFF2-40B4-BE49-F238E27FC236}">
+                <a16:creationId xmlns:a16="http://schemas.microsoft.com/office/drawing/2014/main" id="{DD7FF75F-B5D0-4FF1-89EF-15A1AC7997B5}"/>
+              </a:ext>
+            </a:extLst>
+          </p:cNvPr>
+          <p:cNvSpPr/>
+          <p:nvPr/>
+        </p:nvSpPr>
+        <p:spPr>
+          <a:xfrm>
+            <a:off x="1583094" y="0"/>
+            <a:ext cx="3688702" cy="6858000"/>
+          </a:xfrm>
+          <a:prstGeom prst="rect">
+            <a:avLst/>
+          </a:prstGeom>
+          <a:solidFill>
+            <a:srgbClr val="1F1F1F"/>
+          </a:solidFill>
+          <a:ln>
+            <a:solidFill>
+              <a:schemeClr val="tx1"/>
+            </a:solidFill>
+          </a:ln>
+        </p:spPr>
+        <p:style>
+          <a:lnRef idx="2">
+            <a:schemeClr val="accent1">
+              <a:shade val="50000"/>
+            </a:schemeClr>
+          </a:lnRef>
+          <a:fillRef idx="1">
+            <a:schemeClr val="accent1"/>
+          </a:fillRef>
+          <a:effectRef idx="0">
+            <a:schemeClr val="accent1"/>
+          </a:effectRef>
+          <a:fontRef idx="minor">
+            <a:schemeClr val="lt1"/>
+          </a:fontRef>
+        </p:style>
+        <p:txBody>
+          <a:bodyPr rtlCol="0" anchor="ctr"/>
+          <a:lstStyle/>
+          <a:p>
+            <a:pPr algn="ctr"/>
+            <a:endParaRPr lang="de-DE"/>
+          </a:p>
+        </p:txBody>
+      </p:sp>
+      <p:sp>
+        <p:nvSpPr>
+          <p:cNvPr id="13" name="Rechteck 12">
+            <a:extLst>
+              <a:ext uri="{FF2B5EF4-FFF2-40B4-BE49-F238E27FC236}">
+                <a16:creationId xmlns:a16="http://schemas.microsoft.com/office/drawing/2014/main" id="{E63A3B96-2F20-4677-A112-2B1B8792CD12}"/>
+              </a:ext>
+            </a:extLst>
+          </p:cNvPr>
+          <p:cNvSpPr/>
+          <p:nvPr/>
+        </p:nvSpPr>
+        <p:spPr>
+          <a:xfrm>
+            <a:off x="7399176" y="0"/>
+            <a:ext cx="3688702" cy="6858000"/>
+          </a:xfrm>
+          <a:prstGeom prst="rect">
+            <a:avLst/>
+          </a:prstGeom>
+          <a:solidFill>
+            <a:srgbClr val="1F1F1F"/>
+          </a:solidFill>
+          <a:ln>
+            <a:solidFill>
+              <a:schemeClr val="tx1"/>
+            </a:solidFill>
+          </a:ln>
+        </p:spPr>
+        <p:style>
+          <a:lnRef idx="2">
+            <a:schemeClr val="accent1">
+              <a:shade val="50000"/>
+            </a:schemeClr>
+          </a:lnRef>
+          <a:fillRef idx="1">
+            <a:schemeClr val="accent1"/>
+          </a:fillRef>
+          <a:effectRef idx="0">
+            <a:schemeClr val="accent1"/>
+          </a:effectRef>
+          <a:fontRef idx="minor">
+            <a:schemeClr val="lt1"/>
+          </a:fontRef>
+        </p:style>
+        <p:txBody>
+          <a:bodyPr rtlCol="0" anchor="ctr"/>
+          <a:lstStyle/>
+          <a:p>
+            <a:pPr algn="ctr"/>
+            <a:endParaRPr lang="de-DE"/>
+          </a:p>
+        </p:txBody>
+      </p:sp>
+      <p:pic>
+        <p:nvPicPr>
+          <p:cNvPr id="14" name="Grafik 13">
+            <a:extLst>
+              <a:ext uri="{FF2B5EF4-FFF2-40B4-BE49-F238E27FC236}">
+                <a16:creationId xmlns:a16="http://schemas.microsoft.com/office/drawing/2014/main" id="{56092303-F0D6-4403-B19C-8006DDC13AE7}"/>
+              </a:ext>
+            </a:extLst>
+          </p:cNvPr>
+          <p:cNvPicPr>
+            <a:picLocks noChangeAspect="1"/>
+          </p:cNvPicPr>
+          <p:nvPr/>
+        </p:nvPicPr>
+        <p:blipFill>
+          <a:blip r:embed="rId2">
+            <a:extLst>
+              <a:ext uri="{28A0092B-C50C-407E-A947-70E740481C1C}">
+                <a14:useLocalDpi xmlns:a14="http://schemas.microsoft.com/office/drawing/2010/main" val="0"/>
+              </a:ext>
+              <a:ext uri="{96DAC541-7B7A-43D3-8B79-37D633B846F1}">
+                <asvg:svgBlip xmlns:asvg="http://schemas.microsoft.com/office/drawing/2016/SVG/main" r:embed="rId3"/>
+              </a:ext>
+            </a:extLst>
+          </a:blip>
+          <a:stretch>
+            <a:fillRect/>
+          </a:stretch>
+        </p:blipFill>
+        <p:spPr>
+          <a:xfrm>
+            <a:off x="8466486" y="177283"/>
+            <a:ext cx="1554082" cy="1554082"/>
+          </a:xfrm>
+          <a:prstGeom prst="rect">
+            <a:avLst/>
+          </a:prstGeom>
+        </p:spPr>
+      </p:pic>
+      <p:sp>
+        <p:nvSpPr>
+          <p:cNvPr id="17" name="Rechteck 16">
+            <a:extLst>
+              <a:ext uri="{FF2B5EF4-FFF2-40B4-BE49-F238E27FC236}">
+                <a16:creationId xmlns:a16="http://schemas.microsoft.com/office/drawing/2014/main" id="{B94A4A71-7C7C-4A85-929A-D0453098EADB}"/>
+              </a:ext>
+            </a:extLst>
+          </p:cNvPr>
+          <p:cNvSpPr/>
+          <p:nvPr/>
+        </p:nvSpPr>
+        <p:spPr>
+          <a:xfrm>
+            <a:off x="1583095" y="4605"/>
+            <a:ext cx="1061356" cy="424590"/>
+          </a:xfrm>
+          <a:prstGeom prst="rect">
+            <a:avLst/>
+          </a:prstGeom>
+          <a:noFill/>
+          <a:ln>
+            <a:noFill/>
+          </a:ln>
+        </p:spPr>
+        <p:style>
+          <a:lnRef idx="2">
+            <a:schemeClr val="accent1">
+              <a:shade val="50000"/>
+            </a:schemeClr>
+          </a:lnRef>
+          <a:fillRef idx="1">
+            <a:schemeClr val="accent1"/>
+          </a:fillRef>
+          <a:effectRef idx="0">
+            <a:schemeClr val="accent1"/>
+          </a:effectRef>
+          <a:fontRef idx="minor">
+            <a:schemeClr val="lt1"/>
+          </a:fontRef>
+        </p:style>
+        <p:txBody>
+          <a:bodyPr rtlCol="0" anchor="ctr"/>
+          <a:lstStyle/>
+          <a:p>
+            <a:pPr algn="ctr"/>
+            <a:r>
+              <a:rPr lang="de-DE" sz="1600" b="1" dirty="0">
+                <a:solidFill>
+                  <a:srgbClr val="957FEF"/>
+                </a:solidFill>
+                <a:latin typeface="Courgette" panose="02000603070400060004" pitchFamily="2" charset="0"/>
+                <a:ea typeface="Roboto Light" panose="02000000000000000000" pitchFamily="2" charset="0"/>
+                <a:cs typeface="Courier New" panose="02070309020205020404" pitchFamily="49" charset="0"/>
+              </a:rPr>
+              <a:t>Me-Me</a:t>
+            </a:r>
+          </a:p>
+        </p:txBody>
+      </p:sp>
+      <p:sp>
+        <p:nvSpPr>
+          <p:cNvPr id="21" name="Rechteck 20">
+            <a:extLst>
+              <a:ext uri="{FF2B5EF4-FFF2-40B4-BE49-F238E27FC236}">
+                <a16:creationId xmlns:a16="http://schemas.microsoft.com/office/drawing/2014/main" id="{50EF244D-78DA-45C7-A4EE-7C3B6F8DC983}"/>
+              </a:ext>
+            </a:extLst>
+          </p:cNvPr>
+          <p:cNvSpPr/>
+          <p:nvPr/>
+        </p:nvSpPr>
+        <p:spPr>
+          <a:xfrm>
+            <a:off x="7937241" y="1637521"/>
+            <a:ext cx="2612572" cy="401216"/>
+          </a:xfrm>
+          <a:prstGeom prst="rect">
+            <a:avLst/>
+          </a:prstGeom>
+          <a:noFill/>
+          <a:ln>
+            <a:noFill/>
+          </a:ln>
+        </p:spPr>
+        <p:style>
+          <a:lnRef idx="2">
+            <a:schemeClr val="accent1">
+              <a:shade val="50000"/>
+            </a:schemeClr>
+          </a:lnRef>
+          <a:fillRef idx="1">
+            <a:schemeClr val="accent1"/>
+          </a:fillRef>
+          <a:effectRef idx="0">
+            <a:schemeClr val="accent1"/>
+          </a:effectRef>
+          <a:fontRef idx="minor">
+            <a:schemeClr val="lt1"/>
+          </a:fontRef>
+        </p:style>
+        <p:txBody>
+          <a:bodyPr rtlCol="0" anchor="ctr"/>
+          <a:lstStyle/>
+          <a:p>
+            <a:pPr algn="ctr"/>
+            <a:r>
+              <a:rPr lang="de-DE" sz="2800" b="1" dirty="0">
+                <a:solidFill>
+                  <a:srgbClr val="957FEF"/>
+                </a:solidFill>
+                <a:latin typeface="Courgette" panose="02000603070400060004" pitchFamily="2" charset="0"/>
+                <a:ea typeface="Roboto Light" panose="02000000000000000000" pitchFamily="2" charset="0"/>
+                <a:cs typeface="Courier New" panose="02070309020205020404" pitchFamily="49" charset="0"/>
+              </a:rPr>
+              <a:t>Me-Me</a:t>
+            </a:r>
+          </a:p>
+        </p:txBody>
+      </p:sp>
+      <p:cxnSp>
+        <p:nvCxnSpPr>
+          <p:cNvPr id="24" name="Gerader Verbinder 23">
+            <a:extLst>
+              <a:ext uri="{FF2B5EF4-FFF2-40B4-BE49-F238E27FC236}">
+                <a16:creationId xmlns:a16="http://schemas.microsoft.com/office/drawing/2014/main" id="{1326664B-EB05-43FC-91D1-1A2678A9F094}"/>
+              </a:ext>
+            </a:extLst>
+          </p:cNvPr>
+          <p:cNvCxnSpPr>
+            <a:cxnSpLocks/>
+          </p:cNvCxnSpPr>
+          <p:nvPr/>
+        </p:nvCxnSpPr>
+        <p:spPr>
+          <a:xfrm>
+            <a:off x="1583094" y="6219512"/>
+            <a:ext cx="3688702" cy="0"/>
+          </a:xfrm>
+          <a:prstGeom prst="line">
+            <a:avLst/>
+          </a:prstGeom>
+          <a:ln>
+            <a:solidFill>
+              <a:srgbClr val="A09896"/>
+            </a:solidFill>
+          </a:ln>
+        </p:spPr>
+        <p:style>
+          <a:lnRef idx="1">
+            <a:schemeClr val="accent1"/>
+          </a:lnRef>
+          <a:fillRef idx="0">
+            <a:schemeClr val="accent1"/>
+          </a:fillRef>
+          <a:effectRef idx="0">
+            <a:schemeClr val="accent1"/>
+          </a:effectRef>
+          <a:fontRef idx="minor">
+            <a:schemeClr val="tx1"/>
+          </a:fontRef>
+        </p:style>
+      </p:cxnSp>
+      <p:sp>
+        <p:nvSpPr>
+          <p:cNvPr id="39" name="Rechteck 38">
+            <a:extLst>
+              <a:ext uri="{FF2B5EF4-FFF2-40B4-BE49-F238E27FC236}">
+                <a16:creationId xmlns:a16="http://schemas.microsoft.com/office/drawing/2014/main" id="{1C423719-DB8F-4CF9-A811-01DAC8D82BD0}"/>
+              </a:ext>
+            </a:extLst>
+          </p:cNvPr>
+          <p:cNvSpPr/>
+          <p:nvPr/>
+        </p:nvSpPr>
+        <p:spPr>
+          <a:xfrm>
+            <a:off x="7937241" y="3171853"/>
+            <a:ext cx="2612572" cy="401216"/>
+          </a:xfrm>
+          <a:prstGeom prst="rect">
+            <a:avLst/>
+          </a:prstGeom>
+          <a:noFill/>
+          <a:ln>
+            <a:noFill/>
+          </a:ln>
+        </p:spPr>
+        <p:style>
+          <a:lnRef idx="2">
+            <a:schemeClr val="accent1">
+              <a:shade val="50000"/>
+            </a:schemeClr>
+          </a:lnRef>
+          <a:fillRef idx="1">
+            <a:schemeClr val="accent1"/>
+          </a:fillRef>
+          <a:effectRef idx="0">
+            <a:schemeClr val="accent1"/>
+          </a:effectRef>
+          <a:fontRef idx="minor">
+            <a:schemeClr val="lt1"/>
+          </a:fontRef>
+        </p:style>
+        <p:txBody>
+          <a:bodyPr rtlCol="0" anchor="ctr"/>
+          <a:lstStyle/>
+          <a:p>
+            <a:r>
+              <a:rPr lang="de-DE" dirty="0">
+                <a:solidFill>
+                  <a:srgbClr val="CFCBCA"/>
+                </a:solidFill>
+                <a:latin typeface="Roboto Light" panose="02000000000000000000" pitchFamily="2" charset="0"/>
+                <a:ea typeface="Roboto Light" panose="02000000000000000000" pitchFamily="2" charset="0"/>
+              </a:rPr>
+              <a:t>E-Mail</a:t>
+            </a:r>
+          </a:p>
+        </p:txBody>
+      </p:sp>
+      <p:sp>
+        <p:nvSpPr>
+          <p:cNvPr id="40" name="Rechteck 39">
+            <a:extLst>
+              <a:ext uri="{FF2B5EF4-FFF2-40B4-BE49-F238E27FC236}">
+                <a16:creationId xmlns:a16="http://schemas.microsoft.com/office/drawing/2014/main" id="{581186C2-BC8B-4ED3-8FE3-38CFB9DC1D38}"/>
+              </a:ext>
+            </a:extLst>
+          </p:cNvPr>
+          <p:cNvSpPr/>
+          <p:nvPr/>
+        </p:nvSpPr>
+        <p:spPr>
+          <a:xfrm>
+            <a:off x="7937241" y="3731152"/>
+            <a:ext cx="2612572" cy="401216"/>
+          </a:xfrm>
+          <a:prstGeom prst="rect">
+            <a:avLst/>
+          </a:prstGeom>
+          <a:noFill/>
+          <a:ln>
+            <a:noFill/>
+          </a:ln>
+        </p:spPr>
+        <p:style>
+          <a:lnRef idx="2">
+            <a:schemeClr val="accent1">
+              <a:shade val="50000"/>
+            </a:schemeClr>
+          </a:lnRef>
+          <a:fillRef idx="1">
+            <a:schemeClr val="accent1"/>
+          </a:fillRef>
+          <a:effectRef idx="0">
+            <a:schemeClr val="accent1"/>
+          </a:effectRef>
+          <a:fontRef idx="minor">
+            <a:schemeClr val="lt1"/>
+          </a:fontRef>
+        </p:style>
+        <p:txBody>
+          <a:bodyPr rtlCol="0" anchor="ctr"/>
+          <a:lstStyle/>
+          <a:p>
+            <a:r>
+              <a:rPr lang="de-DE" dirty="0">
+                <a:solidFill>
+                  <a:srgbClr val="CFCBCA"/>
+                </a:solidFill>
+                <a:latin typeface="Roboto Light" panose="02000000000000000000" pitchFamily="2" charset="0"/>
+                <a:ea typeface="Roboto Light" panose="02000000000000000000" pitchFamily="2" charset="0"/>
+              </a:rPr>
+              <a:t>Passwort</a:t>
+            </a:r>
+          </a:p>
+        </p:txBody>
+      </p:sp>
+      <p:cxnSp>
+        <p:nvCxnSpPr>
+          <p:cNvPr id="41" name="Gerader Verbinder 40">
+            <a:extLst>
+              <a:ext uri="{FF2B5EF4-FFF2-40B4-BE49-F238E27FC236}">
+                <a16:creationId xmlns:a16="http://schemas.microsoft.com/office/drawing/2014/main" id="{A6976D00-A859-4A1D-92D5-8A2276F20D7A}"/>
+              </a:ext>
+            </a:extLst>
+          </p:cNvPr>
+          <p:cNvCxnSpPr/>
+          <p:nvPr/>
+        </p:nvCxnSpPr>
+        <p:spPr>
+          <a:xfrm>
+            <a:off x="7937241" y="3573069"/>
+            <a:ext cx="2612572" cy="0"/>
+          </a:xfrm>
+          <a:prstGeom prst="line">
+            <a:avLst/>
+          </a:prstGeom>
+          <a:ln>
+            <a:solidFill>
+              <a:srgbClr val="CFCBCA"/>
+            </a:solidFill>
+          </a:ln>
+        </p:spPr>
+        <p:style>
+          <a:lnRef idx="1">
+            <a:schemeClr val="accent1"/>
+          </a:lnRef>
+          <a:fillRef idx="0">
+            <a:schemeClr val="accent1"/>
+          </a:fillRef>
+          <a:effectRef idx="0">
+            <a:schemeClr val="accent1"/>
+          </a:effectRef>
+          <a:fontRef idx="minor">
+            <a:schemeClr val="tx1"/>
+          </a:fontRef>
+        </p:style>
+      </p:cxnSp>
+      <p:cxnSp>
+        <p:nvCxnSpPr>
+          <p:cNvPr id="42" name="Gerader Verbinder 41">
+            <a:extLst>
+              <a:ext uri="{FF2B5EF4-FFF2-40B4-BE49-F238E27FC236}">
+                <a16:creationId xmlns:a16="http://schemas.microsoft.com/office/drawing/2014/main" id="{870C0A11-D801-4027-9B1C-5D5F60EB8346}"/>
+              </a:ext>
+            </a:extLst>
+          </p:cNvPr>
+          <p:cNvCxnSpPr/>
+          <p:nvPr/>
+        </p:nvCxnSpPr>
+        <p:spPr>
+          <a:xfrm>
+            <a:off x="7937241" y="4132368"/>
+            <a:ext cx="2612572" cy="0"/>
+          </a:xfrm>
+          <a:prstGeom prst="line">
+            <a:avLst/>
+          </a:prstGeom>
+          <a:ln>
+            <a:solidFill>
+              <a:srgbClr val="CFCBCA"/>
+            </a:solidFill>
+          </a:ln>
+        </p:spPr>
+        <p:style>
+          <a:lnRef idx="1">
+            <a:schemeClr val="accent1"/>
+          </a:lnRef>
+          <a:fillRef idx="0">
+            <a:schemeClr val="accent1"/>
+          </a:fillRef>
+          <a:effectRef idx="0">
+            <a:schemeClr val="accent1"/>
+          </a:effectRef>
+          <a:fontRef idx="minor">
+            <a:schemeClr val="tx1"/>
+          </a:fontRef>
+        </p:style>
+      </p:cxnSp>
+      <p:sp>
+        <p:nvSpPr>
+          <p:cNvPr id="43" name="Rechteck 42">
+            <a:extLst>
+              <a:ext uri="{FF2B5EF4-FFF2-40B4-BE49-F238E27FC236}">
+                <a16:creationId xmlns:a16="http://schemas.microsoft.com/office/drawing/2014/main" id="{DBE0FE50-C2B6-476A-AD87-2E07E8D0472A}"/>
+              </a:ext>
+            </a:extLst>
+          </p:cNvPr>
+          <p:cNvSpPr/>
+          <p:nvPr/>
+        </p:nvSpPr>
+        <p:spPr>
+          <a:xfrm>
+            <a:off x="7937241" y="5124626"/>
+            <a:ext cx="2612572" cy="401216"/>
+          </a:xfrm>
+          <a:prstGeom prst="rect">
+            <a:avLst/>
+          </a:prstGeom>
+          <a:solidFill>
+            <a:srgbClr val="68A4D9"/>
+          </a:solidFill>
+          <a:ln>
+            <a:noFill/>
+          </a:ln>
+        </p:spPr>
+        <p:style>
+          <a:lnRef idx="2">
+            <a:schemeClr val="accent1">
+              <a:shade val="50000"/>
+            </a:schemeClr>
+          </a:lnRef>
+          <a:fillRef idx="1">
+            <a:schemeClr val="accent1"/>
+          </a:fillRef>
+          <a:effectRef idx="0">
+            <a:schemeClr val="accent1"/>
+          </a:effectRef>
+          <a:fontRef idx="minor">
+            <a:schemeClr val="lt1"/>
+          </a:fontRef>
+        </p:style>
+        <p:txBody>
+          <a:bodyPr rtlCol="0" anchor="ctr"/>
+          <a:lstStyle/>
+          <a:p>
+            <a:pPr algn="ctr"/>
+            <a:r>
+              <a:rPr lang="de-DE" dirty="0">
+                <a:solidFill>
+                  <a:srgbClr val="1F1F1F"/>
+                </a:solidFill>
+                <a:latin typeface="Roboto Light" panose="02000000000000000000" pitchFamily="2" charset="0"/>
+                <a:ea typeface="Roboto Light" panose="02000000000000000000" pitchFamily="2" charset="0"/>
+              </a:rPr>
+              <a:t>Registrieren</a:t>
+            </a:r>
+          </a:p>
+        </p:txBody>
+      </p:sp>
+      <p:sp>
+        <p:nvSpPr>
+          <p:cNvPr id="44" name="Rechteck 43">
+            <a:extLst>
+              <a:ext uri="{FF2B5EF4-FFF2-40B4-BE49-F238E27FC236}">
+                <a16:creationId xmlns:a16="http://schemas.microsoft.com/office/drawing/2014/main" id="{CA4E9F63-D92B-49FC-BA00-24FA2A4D7382}"/>
+              </a:ext>
+            </a:extLst>
+          </p:cNvPr>
+          <p:cNvSpPr/>
+          <p:nvPr/>
+        </p:nvSpPr>
+        <p:spPr>
+          <a:xfrm>
+            <a:off x="7937241" y="5818296"/>
+            <a:ext cx="2612572" cy="401216"/>
+          </a:xfrm>
+          <a:prstGeom prst="rect">
+            <a:avLst/>
+          </a:prstGeom>
+          <a:noFill/>
+          <a:ln>
+            <a:noFill/>
+          </a:ln>
+        </p:spPr>
+        <p:style>
+          <a:lnRef idx="2">
+            <a:schemeClr val="accent1">
+              <a:shade val="50000"/>
+            </a:schemeClr>
+          </a:lnRef>
+          <a:fillRef idx="1">
+            <a:schemeClr val="accent1"/>
+          </a:fillRef>
+          <a:effectRef idx="0">
+            <a:schemeClr val="accent1"/>
+          </a:effectRef>
+          <a:fontRef idx="minor">
+            <a:schemeClr val="lt1"/>
+          </a:fontRef>
+        </p:style>
+        <p:txBody>
+          <a:bodyPr rtlCol="0" anchor="ctr"/>
+          <a:lstStyle/>
+          <a:p>
+            <a:pPr algn="ctr"/>
+            <a:r>
+              <a:rPr lang="de-DE" sz="1200" dirty="0">
+                <a:solidFill>
+                  <a:srgbClr val="CFCBCA"/>
+                </a:solidFill>
+                <a:latin typeface="Roboto Light" panose="02000000000000000000" pitchFamily="2" charset="0"/>
+                <a:ea typeface="Roboto Light" panose="02000000000000000000" pitchFamily="2" charset="0"/>
+              </a:rPr>
+              <a:t>Bereits ein Konto? </a:t>
+            </a:r>
+            <a:r>
+              <a:rPr lang="de-DE" sz="1200" u="sng" dirty="0">
+                <a:solidFill>
+                  <a:srgbClr val="957FEF"/>
+                </a:solidFill>
+                <a:latin typeface="Roboto Light" panose="02000000000000000000" pitchFamily="2" charset="0"/>
+                <a:ea typeface="Roboto Light" panose="02000000000000000000" pitchFamily="2" charset="0"/>
+              </a:rPr>
+              <a:t>Hier Einloggen</a:t>
+            </a:r>
+          </a:p>
+        </p:txBody>
+      </p:sp>
+      <p:cxnSp>
+        <p:nvCxnSpPr>
+          <p:cNvPr id="45" name="Gerader Verbinder 44">
+            <a:extLst>
+              <a:ext uri="{FF2B5EF4-FFF2-40B4-BE49-F238E27FC236}">
+                <a16:creationId xmlns:a16="http://schemas.microsoft.com/office/drawing/2014/main" id="{DE13B630-D41E-4AF8-A937-9DEFC498924E}"/>
+              </a:ext>
+            </a:extLst>
+          </p:cNvPr>
+          <p:cNvCxnSpPr>
+            <a:cxnSpLocks/>
+          </p:cNvCxnSpPr>
+          <p:nvPr/>
+        </p:nvCxnSpPr>
+        <p:spPr>
+          <a:xfrm>
+            <a:off x="7937241" y="5780398"/>
+            <a:ext cx="2612572" cy="0"/>
+          </a:xfrm>
+          <a:prstGeom prst="line">
+            <a:avLst/>
+          </a:prstGeom>
+          <a:ln>
+            <a:solidFill>
+              <a:srgbClr val="A09896"/>
+            </a:solidFill>
+          </a:ln>
+        </p:spPr>
+        <p:style>
+          <a:lnRef idx="1">
+            <a:schemeClr val="accent1"/>
+          </a:lnRef>
+          <a:fillRef idx="0">
+            <a:schemeClr val="accent1"/>
+          </a:fillRef>
+          <a:effectRef idx="0">
+            <a:schemeClr val="accent1"/>
+          </a:effectRef>
+          <a:fontRef idx="minor">
+            <a:schemeClr val="tx1"/>
+          </a:fontRef>
+        </p:style>
+      </p:cxnSp>
+      <p:sp>
+        <p:nvSpPr>
+          <p:cNvPr id="46" name="Rechteck 45">
+            <a:extLst>
+              <a:ext uri="{FF2B5EF4-FFF2-40B4-BE49-F238E27FC236}">
+                <a16:creationId xmlns:a16="http://schemas.microsoft.com/office/drawing/2014/main" id="{FCBD85D5-44A9-40F3-B1C1-A2C6023BF9F6}"/>
+              </a:ext>
+            </a:extLst>
+          </p:cNvPr>
+          <p:cNvSpPr/>
+          <p:nvPr/>
+        </p:nvSpPr>
+        <p:spPr>
+          <a:xfrm>
+            <a:off x="7937241" y="4300782"/>
+            <a:ext cx="2612572" cy="401216"/>
+          </a:xfrm>
+          <a:prstGeom prst="rect">
+            <a:avLst/>
+          </a:prstGeom>
+          <a:noFill/>
+          <a:ln>
+            <a:noFill/>
+          </a:ln>
+        </p:spPr>
+        <p:style>
+          <a:lnRef idx="2">
+            <a:schemeClr val="accent1">
+              <a:shade val="50000"/>
+            </a:schemeClr>
+          </a:lnRef>
+          <a:fillRef idx="1">
+            <a:schemeClr val="accent1"/>
+          </a:fillRef>
+          <a:effectRef idx="0">
+            <a:schemeClr val="accent1"/>
+          </a:effectRef>
+          <a:fontRef idx="minor">
+            <a:schemeClr val="lt1"/>
+          </a:fontRef>
+        </p:style>
+        <p:txBody>
+          <a:bodyPr rtlCol="0" anchor="ctr"/>
+          <a:lstStyle/>
+          <a:p>
+            <a:r>
+              <a:rPr lang="de-DE" dirty="0">
+                <a:solidFill>
+                  <a:srgbClr val="CFCBCA"/>
+                </a:solidFill>
+                <a:latin typeface="Roboto Light" panose="02000000000000000000" pitchFamily="2" charset="0"/>
+                <a:ea typeface="Roboto Light" panose="02000000000000000000" pitchFamily="2" charset="0"/>
+              </a:rPr>
+              <a:t>Passwort</a:t>
+            </a:r>
+          </a:p>
+        </p:txBody>
+      </p:sp>
+      <p:cxnSp>
+        <p:nvCxnSpPr>
+          <p:cNvPr id="47" name="Gerader Verbinder 46">
+            <a:extLst>
+              <a:ext uri="{FF2B5EF4-FFF2-40B4-BE49-F238E27FC236}">
+                <a16:creationId xmlns:a16="http://schemas.microsoft.com/office/drawing/2014/main" id="{7C38DE02-9D4D-43B7-B28D-A528451FDCA9}"/>
+              </a:ext>
+            </a:extLst>
+          </p:cNvPr>
+          <p:cNvCxnSpPr/>
+          <p:nvPr/>
+        </p:nvCxnSpPr>
+        <p:spPr>
+          <a:xfrm>
+            <a:off x="7937241" y="4701998"/>
+            <a:ext cx="2612572" cy="0"/>
+          </a:xfrm>
+          <a:prstGeom prst="line">
+            <a:avLst/>
+          </a:prstGeom>
+          <a:ln>
+            <a:solidFill>
+              <a:srgbClr val="CFCBCA"/>
+            </a:solidFill>
+          </a:ln>
+        </p:spPr>
+        <p:style>
+          <a:lnRef idx="1">
+            <a:schemeClr val="accent1"/>
+          </a:lnRef>
+          <a:fillRef idx="0">
+            <a:schemeClr val="accent1"/>
+          </a:fillRef>
+          <a:effectRef idx="0">
+            <a:schemeClr val="accent1"/>
+          </a:effectRef>
+          <a:fontRef idx="minor">
+            <a:schemeClr val="tx1"/>
+          </a:fontRef>
+        </p:style>
+      </p:cxnSp>
+      <p:sp>
+        <p:nvSpPr>
+          <p:cNvPr id="48" name="Rechteck 47">
+            <a:extLst>
+              <a:ext uri="{FF2B5EF4-FFF2-40B4-BE49-F238E27FC236}">
+                <a16:creationId xmlns:a16="http://schemas.microsoft.com/office/drawing/2014/main" id="{132C8033-32CA-425B-9045-8991F3161CCF}"/>
+              </a:ext>
+            </a:extLst>
+          </p:cNvPr>
+          <p:cNvSpPr/>
+          <p:nvPr/>
+        </p:nvSpPr>
+        <p:spPr>
+          <a:xfrm>
+            <a:off x="7937241" y="2626568"/>
+            <a:ext cx="2612572" cy="401216"/>
+          </a:xfrm>
+          <a:prstGeom prst="rect">
+            <a:avLst/>
+          </a:prstGeom>
+          <a:noFill/>
+          <a:ln>
+            <a:noFill/>
+          </a:ln>
+        </p:spPr>
+        <p:style>
+          <a:lnRef idx="2">
+            <a:schemeClr val="accent1">
+              <a:shade val="50000"/>
+            </a:schemeClr>
+          </a:lnRef>
+          <a:fillRef idx="1">
+            <a:schemeClr val="accent1"/>
+          </a:fillRef>
+          <a:effectRef idx="0">
+            <a:schemeClr val="accent1"/>
+          </a:effectRef>
+          <a:fontRef idx="minor">
+            <a:schemeClr val="lt1"/>
+          </a:fontRef>
+        </p:style>
+        <p:txBody>
+          <a:bodyPr rtlCol="0" anchor="ctr"/>
+          <a:lstStyle/>
+          <a:p>
+            <a:r>
+              <a:rPr lang="de-DE" dirty="0">
+                <a:solidFill>
+                  <a:srgbClr val="CFCBCA"/>
+                </a:solidFill>
+                <a:latin typeface="Roboto Light" panose="02000000000000000000" pitchFamily="2" charset="0"/>
+                <a:ea typeface="Roboto Light" panose="02000000000000000000" pitchFamily="2" charset="0"/>
+              </a:rPr>
+              <a:t>senfi13</a:t>
+            </a:r>
+          </a:p>
+        </p:txBody>
+      </p:sp>
+      <p:cxnSp>
+        <p:nvCxnSpPr>
+          <p:cNvPr id="49" name="Gerader Verbinder 48">
+            <a:extLst>
+              <a:ext uri="{FF2B5EF4-FFF2-40B4-BE49-F238E27FC236}">
+                <a16:creationId xmlns:a16="http://schemas.microsoft.com/office/drawing/2014/main" id="{F4CA0112-FA3F-4B53-BD71-2756B66E1090}"/>
+              </a:ext>
+            </a:extLst>
+          </p:cNvPr>
+          <p:cNvCxnSpPr/>
+          <p:nvPr/>
+        </p:nvCxnSpPr>
+        <p:spPr>
+          <a:xfrm>
+            <a:off x="7937241" y="3027784"/>
+            <a:ext cx="2612572" cy="0"/>
+          </a:xfrm>
+          <a:prstGeom prst="line">
+            <a:avLst/>
+          </a:prstGeom>
+          <a:ln>
+            <a:solidFill>
+              <a:srgbClr val="957FEF"/>
+            </a:solidFill>
+          </a:ln>
+        </p:spPr>
+        <p:style>
+          <a:lnRef idx="1">
+            <a:schemeClr val="accent1"/>
+          </a:lnRef>
+          <a:fillRef idx="0">
+            <a:schemeClr val="accent1"/>
+          </a:fillRef>
+          <a:effectRef idx="0">
+            <a:schemeClr val="accent1"/>
+          </a:effectRef>
+          <a:fontRef idx="minor">
+            <a:schemeClr val="tx1"/>
+          </a:fontRef>
+        </p:style>
+      </p:cxnSp>
+      <p:sp>
+        <p:nvSpPr>
+          <p:cNvPr id="50" name="Rechteck 49">
+            <a:extLst>
+              <a:ext uri="{FF2B5EF4-FFF2-40B4-BE49-F238E27FC236}">
+                <a16:creationId xmlns:a16="http://schemas.microsoft.com/office/drawing/2014/main" id="{0C7A99C6-0709-4FD7-8D49-59342EE3BEA5}"/>
+              </a:ext>
+            </a:extLst>
+          </p:cNvPr>
+          <p:cNvSpPr/>
+          <p:nvPr/>
+        </p:nvSpPr>
+        <p:spPr>
+          <a:xfrm>
+            <a:off x="7937241" y="2239345"/>
+            <a:ext cx="2612572" cy="401216"/>
+          </a:xfrm>
+          <a:prstGeom prst="rect">
+            <a:avLst/>
+          </a:prstGeom>
+          <a:noFill/>
+          <a:ln>
+            <a:noFill/>
+          </a:ln>
+        </p:spPr>
+        <p:style>
+          <a:lnRef idx="2">
+            <a:schemeClr val="accent1">
+              <a:shade val="50000"/>
+            </a:schemeClr>
+          </a:lnRef>
+          <a:fillRef idx="1">
+            <a:schemeClr val="accent1"/>
+          </a:fillRef>
+          <a:effectRef idx="0">
+            <a:schemeClr val="accent1"/>
+          </a:effectRef>
+          <a:fontRef idx="minor">
+            <a:schemeClr val="lt1"/>
+          </a:fontRef>
+        </p:style>
+        <p:txBody>
+          <a:bodyPr rtlCol="0" anchor="ctr"/>
+          <a:lstStyle/>
+          <a:p>
+            <a:r>
+              <a:rPr lang="de-DE" sz="1200" dirty="0">
+                <a:solidFill>
+                  <a:srgbClr val="957FEF"/>
+                </a:solidFill>
+                <a:latin typeface="Roboto Light" panose="02000000000000000000" pitchFamily="2" charset="0"/>
+                <a:ea typeface="Roboto Light" panose="02000000000000000000" pitchFamily="2" charset="0"/>
+              </a:rPr>
+              <a:t>Benutzername</a:t>
+            </a:r>
+          </a:p>
+        </p:txBody>
+      </p:sp>
+      <p:sp>
+        <p:nvSpPr>
+          <p:cNvPr id="28" name="Rechteck 27">
+            <a:extLst>
+              <a:ext uri="{FF2B5EF4-FFF2-40B4-BE49-F238E27FC236}">
+                <a16:creationId xmlns:a16="http://schemas.microsoft.com/office/drawing/2014/main" id="{5D9C3C0D-CF43-465F-83CE-829BD5B2BA7A}"/>
+              </a:ext>
+            </a:extLst>
+          </p:cNvPr>
+          <p:cNvSpPr/>
+          <p:nvPr/>
+        </p:nvSpPr>
+        <p:spPr>
+          <a:xfrm>
+            <a:off x="1583092" y="6219512"/>
+            <a:ext cx="3688703" cy="643090"/>
+          </a:xfrm>
+          <a:prstGeom prst="rect">
+            <a:avLst/>
+          </a:prstGeom>
+          <a:solidFill>
+            <a:srgbClr val="1F1F1F"/>
+          </a:solidFill>
+          <a:ln>
+            <a:solidFill>
+              <a:srgbClr val="3D3D3D"/>
+            </a:solidFill>
+          </a:ln>
+        </p:spPr>
+        <p:style>
+          <a:lnRef idx="2">
+            <a:schemeClr val="accent1">
+              <a:shade val="50000"/>
+            </a:schemeClr>
+          </a:lnRef>
+          <a:fillRef idx="1">
+            <a:schemeClr val="accent1"/>
+          </a:fillRef>
+          <a:effectRef idx="0">
+            <a:schemeClr val="accent1"/>
+          </a:effectRef>
+          <a:fontRef idx="minor">
+            <a:schemeClr val="lt1"/>
+          </a:fontRef>
+        </p:style>
+        <p:txBody>
+          <a:bodyPr rtlCol="0" anchor="ctr"/>
+          <a:lstStyle/>
+          <a:p>
+            <a:pPr algn="ctr"/>
+            <a:endParaRPr lang="de-DE"/>
+          </a:p>
+        </p:txBody>
+      </p:sp>
+      <p:pic>
+        <p:nvPicPr>
+          <p:cNvPr id="5" name="Grafik 4" descr="Kamera mit einfarbiger Füllung">
+            <a:extLst>
+              <a:ext uri="{FF2B5EF4-FFF2-40B4-BE49-F238E27FC236}">
+                <a16:creationId xmlns:a16="http://schemas.microsoft.com/office/drawing/2014/main" id="{4AEA7553-8EF0-4CAF-8113-0A163F62F216}"/>
+              </a:ext>
+            </a:extLst>
+          </p:cNvPr>
+          <p:cNvPicPr>
+            <a:picLocks noChangeAspect="1"/>
+          </p:cNvPicPr>
+          <p:nvPr/>
+        </p:nvPicPr>
+        <p:blipFill>
+          <a:blip r:embed="rId4">
+            <a:extLst>
+              <a:ext uri="{28A0092B-C50C-407E-A947-70E740481C1C}">
+                <a14:useLocalDpi xmlns:a14="http://schemas.microsoft.com/office/drawing/2010/main" val="0"/>
+              </a:ext>
+              <a:ext uri="{96DAC541-7B7A-43D3-8B79-37D633B846F1}">
+                <asvg:svgBlip xmlns:asvg="http://schemas.microsoft.com/office/drawing/2016/SVG/main" r:embed="rId5"/>
+              </a:ext>
+            </a:extLst>
+          </a:blip>
+          <a:stretch>
+            <a:fillRect/>
+          </a:stretch>
+        </p:blipFill>
+        <p:spPr>
+          <a:xfrm>
+            <a:off x="3043528" y="6152372"/>
+            <a:ext cx="705628" cy="705628"/>
+          </a:xfrm>
+          <a:prstGeom prst="rect">
+            <a:avLst/>
+          </a:prstGeom>
+        </p:spPr>
+      </p:pic>
+      <p:pic>
+        <p:nvPicPr>
+          <p:cNvPr id="10" name="Grafik 9" descr="Hinzufügen mit einfarbiger Füllung">
+            <a:extLst>
+              <a:ext uri="{FF2B5EF4-FFF2-40B4-BE49-F238E27FC236}">
+                <a16:creationId xmlns:a16="http://schemas.microsoft.com/office/drawing/2014/main" id="{02C4CB7D-8A65-45DD-BD20-F327D6F888F5}"/>
+              </a:ext>
+            </a:extLst>
+          </p:cNvPr>
+          <p:cNvPicPr>
+            <a:picLocks noChangeAspect="1"/>
+          </p:cNvPicPr>
+          <p:nvPr/>
+        </p:nvPicPr>
+        <p:blipFill>
+          <a:blip r:embed="rId6">
+            <a:extLst>
+              <a:ext uri="{28A0092B-C50C-407E-A947-70E740481C1C}">
+                <a14:useLocalDpi xmlns:a14="http://schemas.microsoft.com/office/drawing/2010/main" val="0"/>
+              </a:ext>
+              <a:ext uri="{96DAC541-7B7A-43D3-8B79-37D633B846F1}">
+                <asvg:svgBlip xmlns:asvg="http://schemas.microsoft.com/office/drawing/2016/SVG/main" r:embed="rId7"/>
+              </a:ext>
+            </a:extLst>
+          </a:blip>
+          <a:stretch>
+            <a:fillRect/>
+          </a:stretch>
+        </p:blipFill>
+        <p:spPr>
+          <a:xfrm>
+            <a:off x="1676178" y="6319815"/>
+            <a:ext cx="444981" cy="444981"/>
+          </a:xfrm>
+          <a:prstGeom prst="rect">
+            <a:avLst/>
+          </a:prstGeom>
+        </p:spPr>
+      </p:pic>
+      <p:pic>
+        <p:nvPicPr>
+          <p:cNvPr id="16" name="Grafik 15" descr="Wütende Gesichtskontur mit einfarbiger Füllung">
+            <a:extLst>
+              <a:ext uri="{FF2B5EF4-FFF2-40B4-BE49-F238E27FC236}">
+                <a16:creationId xmlns:a16="http://schemas.microsoft.com/office/drawing/2014/main" id="{E21C20CA-4DAE-43DF-AB18-12766CF54746}"/>
+              </a:ext>
+            </a:extLst>
+          </p:cNvPr>
+          <p:cNvPicPr>
+            <a:picLocks noChangeAspect="1"/>
+          </p:cNvPicPr>
+          <p:nvPr/>
+        </p:nvPicPr>
+        <p:blipFill>
+          <a:blip r:embed="rId8">
+            <a:extLst>
+              <a:ext uri="{28A0092B-C50C-407E-A947-70E740481C1C}">
+                <a14:useLocalDpi xmlns:a14="http://schemas.microsoft.com/office/drawing/2010/main" val="0"/>
+              </a:ext>
+              <a:ext uri="{96DAC541-7B7A-43D3-8B79-37D633B846F1}">
+                <asvg:svgBlip xmlns:asvg="http://schemas.microsoft.com/office/drawing/2016/SVG/main" r:embed="rId9"/>
+              </a:ext>
+            </a:extLst>
+          </a:blip>
+          <a:stretch>
+            <a:fillRect/>
+          </a:stretch>
+        </p:blipFill>
+        <p:spPr>
+          <a:xfrm>
+            <a:off x="4733730" y="6312711"/>
+            <a:ext cx="457200" cy="457200"/>
+          </a:xfrm>
+          <a:prstGeom prst="rect">
+            <a:avLst/>
+          </a:prstGeom>
+        </p:spPr>
+      </p:pic>
+      <p:pic>
+        <p:nvPicPr>
+          <p:cNvPr id="19" name="Grafik 18" descr="Fragen mit einfarbiger Füllung">
+            <a:extLst>
+              <a:ext uri="{FF2B5EF4-FFF2-40B4-BE49-F238E27FC236}">
+                <a16:creationId xmlns:a16="http://schemas.microsoft.com/office/drawing/2014/main" id="{A593DA44-60E0-465B-8389-87E4E58FE90D}"/>
+              </a:ext>
+            </a:extLst>
+          </p:cNvPr>
+          <p:cNvPicPr>
+            <a:picLocks noChangeAspect="1"/>
+          </p:cNvPicPr>
+          <p:nvPr/>
+        </p:nvPicPr>
+        <p:blipFill>
+          <a:blip r:embed="rId10">
+            <a:extLst>
+              <a:ext uri="{28A0092B-C50C-407E-A947-70E740481C1C}">
+                <a14:useLocalDpi xmlns:a14="http://schemas.microsoft.com/office/drawing/2010/main" val="0"/>
+              </a:ext>
+              <a:ext uri="{96DAC541-7B7A-43D3-8B79-37D633B846F1}">
+                <asvg:svgBlip xmlns:asvg="http://schemas.microsoft.com/office/drawing/2016/SVG/main" r:embed="rId11"/>
+              </a:ext>
+            </a:extLst>
+          </a:blip>
+          <a:stretch>
+            <a:fillRect/>
+          </a:stretch>
+        </p:blipFill>
+        <p:spPr>
+          <a:xfrm>
+            <a:off x="2287556" y="6319815"/>
+            <a:ext cx="457200" cy="457200"/>
+          </a:xfrm>
+          <a:prstGeom prst="rect">
+            <a:avLst/>
+          </a:prstGeom>
+        </p:spPr>
+      </p:pic>
+      <p:pic>
+        <p:nvPicPr>
+          <p:cNvPr id="23" name="Grafik 22" descr="Chatblase mit einfarbiger Füllung">
+            <a:extLst>
+              <a:ext uri="{FF2B5EF4-FFF2-40B4-BE49-F238E27FC236}">
+                <a16:creationId xmlns:a16="http://schemas.microsoft.com/office/drawing/2014/main" id="{D729DD16-EE7C-490E-BF0B-339B8BBD32B1}"/>
+              </a:ext>
+            </a:extLst>
+          </p:cNvPr>
+          <p:cNvPicPr>
+            <a:picLocks noChangeAspect="1"/>
+          </p:cNvPicPr>
+          <p:nvPr/>
+        </p:nvPicPr>
+        <p:blipFill>
+          <a:blip r:embed="rId12">
+            <a:extLst>
+              <a:ext uri="{28A0092B-C50C-407E-A947-70E740481C1C}">
+                <a14:useLocalDpi xmlns:a14="http://schemas.microsoft.com/office/drawing/2010/main" val="0"/>
+              </a:ext>
+              <a:ext uri="{96DAC541-7B7A-43D3-8B79-37D633B846F1}">
+                <asvg:svgBlip xmlns:asvg="http://schemas.microsoft.com/office/drawing/2016/SVG/main" r:embed="rId13"/>
+              </a:ext>
+            </a:extLst>
+          </a:blip>
+          <a:stretch>
+            <a:fillRect/>
+          </a:stretch>
+        </p:blipFill>
+        <p:spPr>
+          <a:xfrm>
+            <a:off x="4669882" y="0"/>
+            <a:ext cx="577691" cy="577691"/>
+          </a:xfrm>
+          <a:prstGeom prst="rect">
+            <a:avLst/>
+          </a:prstGeom>
+        </p:spPr>
+      </p:pic>
+      <p:pic>
+        <p:nvPicPr>
+          <p:cNvPr id="30" name="Grafik 29" descr="Lupe mit einfarbiger Füllung">
+            <a:extLst>
+              <a:ext uri="{FF2B5EF4-FFF2-40B4-BE49-F238E27FC236}">
+                <a16:creationId xmlns:a16="http://schemas.microsoft.com/office/drawing/2014/main" id="{BFE60B88-D9D2-4039-A3D9-E8881CBD2BDA}"/>
+              </a:ext>
+            </a:extLst>
+          </p:cNvPr>
+          <p:cNvPicPr>
+            <a:picLocks noChangeAspect="1"/>
+          </p:cNvPicPr>
+          <p:nvPr/>
+        </p:nvPicPr>
+        <p:blipFill>
+          <a:blip r:embed="rId14">
+            <a:extLst>
+              <a:ext uri="{28A0092B-C50C-407E-A947-70E740481C1C}">
+                <a14:useLocalDpi xmlns:a14="http://schemas.microsoft.com/office/drawing/2010/main" val="0"/>
+              </a:ext>
+              <a:ext uri="{96DAC541-7B7A-43D3-8B79-37D633B846F1}">
+                <asvg:svgBlip xmlns:asvg="http://schemas.microsoft.com/office/drawing/2016/SVG/main" r:embed="rId15"/>
+              </a:ext>
+            </a:extLst>
+          </a:blip>
+          <a:stretch>
+            <a:fillRect/>
+          </a:stretch>
+        </p:blipFill>
+        <p:spPr>
+          <a:xfrm>
+            <a:off x="4047929" y="6312457"/>
+            <a:ext cx="457200" cy="457200"/>
+          </a:xfrm>
+          <a:prstGeom prst="rect">
+            <a:avLst/>
+          </a:prstGeom>
+        </p:spPr>
+      </p:pic>
+    </p:spTree>
+    <p:extLst>
+      <p:ext uri="{BB962C8B-B14F-4D97-AF65-F5344CB8AC3E}">
+        <p14:creationId xmlns:p14="http://schemas.microsoft.com/office/powerpoint/2010/main" val="1874940170"/>
+      </p:ext>
+    </p:extLst>
+  </p:cSld>
+  <p:clrMapOvr>
+    <a:masterClrMapping/>
+  </p:clrMapOvr>
+</p:sld>
+</file>
+
+<file path=ppt/slides/slide6.xml><?xml version="1.0" encoding="utf-8"?>
+<p:sld xmlns:a="http://schemas.openxmlformats.org/drawingml/2006/main" xmlns:r="http://schemas.openxmlformats.org/officeDocument/2006/relationships" xmlns:p="http://schemas.openxmlformats.org/presentationml/2006/main">
+  <p:cSld>
+    <p:spTree>
+      <p:nvGrpSpPr>
+        <p:cNvPr id="1" name=""/>
+        <p:cNvGrpSpPr/>
+        <p:nvPr/>
+      </p:nvGrpSpPr>
+      <p:grpSpPr>
+        <a:xfrm>
+          <a:off x="0" y="0"/>
+          <a:ext cx="0" cy="0"/>
+          <a:chOff x="0" y="0"/>
+          <a:chExt cx="0" cy="0"/>
+        </a:xfrm>
+      </p:grpSpPr>
+      <p:sp>
+        <p:nvSpPr>
+          <p:cNvPr id="4" name="Rechteck 3">
+            <a:extLst>
+              <a:ext uri="{FF2B5EF4-FFF2-40B4-BE49-F238E27FC236}">
+                <a16:creationId xmlns:a16="http://schemas.microsoft.com/office/drawing/2014/main" id="{DD7FF75F-B5D0-4FF1-89EF-15A1AC7997B5}"/>
+              </a:ext>
+            </a:extLst>
+          </p:cNvPr>
+          <p:cNvSpPr/>
+          <p:nvPr/>
+        </p:nvSpPr>
+        <p:spPr>
+          <a:xfrm>
+            <a:off x="1583094" y="0"/>
+            <a:ext cx="3688702" cy="6858000"/>
+          </a:xfrm>
+          <a:prstGeom prst="rect">
+            <a:avLst/>
+          </a:prstGeom>
+          <a:solidFill>
+            <a:srgbClr val="F6F6F6"/>
+          </a:solidFill>
+          <a:ln>
+            <a:solidFill>
+              <a:schemeClr val="tx1"/>
+            </a:solidFill>
+          </a:ln>
+        </p:spPr>
+        <p:style>
+          <a:lnRef idx="2">
+            <a:schemeClr val="accent1">
+              <a:shade val="50000"/>
+            </a:schemeClr>
+          </a:lnRef>
+          <a:fillRef idx="1">
+            <a:schemeClr val="accent1"/>
+          </a:fillRef>
+          <a:effectRef idx="0">
+            <a:schemeClr val="accent1"/>
+          </a:effectRef>
+          <a:fontRef idx="minor">
+            <a:schemeClr val="lt1"/>
+          </a:fontRef>
+        </p:style>
+        <p:txBody>
+          <a:bodyPr rtlCol="0" anchor="ctr"/>
+          <a:lstStyle/>
+          <a:p>
+            <a:pPr algn="ctr"/>
+            <a:endParaRPr lang="de-DE"/>
+          </a:p>
+        </p:txBody>
+      </p:sp>
+      <p:sp>
+        <p:nvSpPr>
+          <p:cNvPr id="23" name="Rechteck 22">
+            <a:extLst>
+              <a:ext uri="{FF2B5EF4-FFF2-40B4-BE49-F238E27FC236}">
+                <a16:creationId xmlns:a16="http://schemas.microsoft.com/office/drawing/2014/main" id="{2324E4E6-02DD-4CCC-99A4-9578EE8BE151}"/>
+              </a:ext>
+            </a:extLst>
+          </p:cNvPr>
+          <p:cNvSpPr/>
+          <p:nvPr/>
+        </p:nvSpPr>
+        <p:spPr>
+          <a:xfrm>
+            <a:off x="2121159" y="1642725"/>
+            <a:ext cx="2612572" cy="401216"/>
+          </a:xfrm>
+          <a:prstGeom prst="rect">
+            <a:avLst/>
+          </a:prstGeom>
+          <a:noFill/>
+          <a:ln>
+            <a:noFill/>
+          </a:ln>
+        </p:spPr>
+        <p:style>
+          <a:lnRef idx="2">
+            <a:schemeClr val="accent1">
+              <a:shade val="50000"/>
+            </a:schemeClr>
+          </a:lnRef>
+          <a:fillRef idx="1">
+            <a:schemeClr val="accent1"/>
+          </a:fillRef>
+          <a:effectRef idx="0">
+            <a:schemeClr val="accent1"/>
+          </a:effectRef>
+          <a:fontRef idx="minor">
+            <a:schemeClr val="lt1"/>
+          </a:fontRef>
+        </p:style>
+        <p:txBody>
+          <a:bodyPr rtlCol="0" anchor="ctr"/>
+          <a:lstStyle/>
+          <a:p>
+            <a:pPr algn="ctr"/>
+            <a:r>
+              <a:rPr lang="de-DE" sz="2800" b="1" dirty="0">
+                <a:solidFill>
+                  <a:srgbClr val="7180AC"/>
+                </a:solidFill>
+                <a:latin typeface="Courgette" panose="02000603070400060004" pitchFamily="2" charset="0"/>
+                <a:ea typeface="Roboto Light" panose="02000000000000000000" pitchFamily="2" charset="0"/>
+                <a:cs typeface="Courier New" panose="02070309020205020404" pitchFamily="49" charset="0"/>
+              </a:rPr>
+              <a:t>Me-Me</a:t>
+            </a:r>
+          </a:p>
+        </p:txBody>
+      </p:sp>
+      <p:pic>
+        <p:nvPicPr>
+          <p:cNvPr id="6" name="Grafik 5">
+            <a:extLst>
+              <a:ext uri="{FF2B5EF4-FFF2-40B4-BE49-F238E27FC236}">
+                <a16:creationId xmlns:a16="http://schemas.microsoft.com/office/drawing/2014/main" id="{8D1865A9-8D9D-4390-86DE-8CC388E43570}"/>
+              </a:ext>
+            </a:extLst>
+          </p:cNvPr>
+          <p:cNvPicPr>
+            <a:picLocks noChangeAspect="1"/>
+          </p:cNvPicPr>
+          <p:nvPr/>
+        </p:nvPicPr>
+        <p:blipFill>
+          <a:blip r:embed="rId2">
+            <a:extLst>
+              <a:ext uri="{28A0092B-C50C-407E-A947-70E740481C1C}">
+                <a14:useLocalDpi xmlns:a14="http://schemas.microsoft.com/office/drawing/2010/main" val="0"/>
+              </a:ext>
+              <a:ext uri="{96DAC541-7B7A-43D3-8B79-37D633B846F1}">
+                <asvg:svgBlip xmlns:asvg="http://schemas.microsoft.com/office/drawing/2016/SVG/main" r:embed="rId3"/>
+              </a:ext>
+            </a:extLst>
+          </a:blip>
+          <a:stretch>
+            <a:fillRect/>
+          </a:stretch>
+        </p:blipFill>
+        <p:spPr>
+          <a:xfrm>
+            <a:off x="2650404" y="177283"/>
+            <a:ext cx="1554082" cy="1554082"/>
+          </a:xfrm>
+          <a:prstGeom prst="rect">
+            <a:avLst/>
+          </a:prstGeom>
+        </p:spPr>
+      </p:pic>
+      <p:sp>
+        <p:nvSpPr>
+          <p:cNvPr id="13" name="Rechteck 12">
+            <a:extLst>
+              <a:ext uri="{FF2B5EF4-FFF2-40B4-BE49-F238E27FC236}">
+                <a16:creationId xmlns:a16="http://schemas.microsoft.com/office/drawing/2014/main" id="{E63A3B96-2F20-4677-A112-2B1B8792CD12}"/>
+              </a:ext>
+            </a:extLst>
+          </p:cNvPr>
+          <p:cNvSpPr/>
+          <p:nvPr/>
+        </p:nvSpPr>
+        <p:spPr>
+          <a:xfrm>
+            <a:off x="7399176" y="0"/>
+            <a:ext cx="3688702" cy="6858000"/>
+          </a:xfrm>
+          <a:prstGeom prst="rect">
+            <a:avLst/>
+          </a:prstGeom>
+          <a:solidFill>
+            <a:srgbClr val="F6F6F6"/>
+          </a:solidFill>
+          <a:ln>
+            <a:solidFill>
+              <a:schemeClr val="tx1"/>
+            </a:solidFill>
+          </a:ln>
+        </p:spPr>
+        <p:style>
+          <a:lnRef idx="2">
+            <a:schemeClr val="accent1">
+              <a:shade val="50000"/>
+            </a:schemeClr>
+          </a:lnRef>
+          <a:fillRef idx="1">
+            <a:schemeClr val="accent1"/>
+          </a:fillRef>
+          <a:effectRef idx="0">
+            <a:schemeClr val="accent1"/>
+          </a:effectRef>
+          <a:fontRef idx="minor">
+            <a:schemeClr val="lt1"/>
+          </a:fontRef>
+        </p:style>
+        <p:txBody>
+          <a:bodyPr rtlCol="0" anchor="ctr"/>
+          <a:lstStyle/>
+          <a:p>
+            <a:pPr algn="ctr"/>
+            <a:endParaRPr lang="de-DE"/>
+          </a:p>
+        </p:txBody>
+      </p:sp>
+      <p:pic>
+        <p:nvPicPr>
+          <p:cNvPr id="14" name="Grafik 13">
+            <a:extLst>
+              <a:ext uri="{FF2B5EF4-FFF2-40B4-BE49-F238E27FC236}">
+                <a16:creationId xmlns:a16="http://schemas.microsoft.com/office/drawing/2014/main" id="{56092303-F0D6-4403-B19C-8006DDC13AE7}"/>
+              </a:ext>
+            </a:extLst>
+          </p:cNvPr>
+          <p:cNvPicPr>
+            <a:picLocks noChangeAspect="1"/>
+          </p:cNvPicPr>
+          <p:nvPr/>
+        </p:nvPicPr>
+        <p:blipFill>
+          <a:blip r:embed="rId2">
+            <a:extLst>
+              <a:ext uri="{28A0092B-C50C-407E-A947-70E740481C1C}">
+                <a14:useLocalDpi xmlns:a14="http://schemas.microsoft.com/office/drawing/2010/main" val="0"/>
+              </a:ext>
+              <a:ext uri="{96DAC541-7B7A-43D3-8B79-37D633B846F1}">
+                <asvg:svgBlip xmlns:asvg="http://schemas.microsoft.com/office/drawing/2016/SVG/main" r:embed="rId3"/>
+              </a:ext>
+            </a:extLst>
+          </a:blip>
+          <a:stretch>
+            <a:fillRect/>
+          </a:stretch>
+        </p:blipFill>
+        <p:spPr>
+          <a:xfrm>
+            <a:off x="8466486" y="177283"/>
+            <a:ext cx="1554082" cy="1554082"/>
+          </a:xfrm>
+          <a:prstGeom prst="rect">
+            <a:avLst/>
+          </a:prstGeom>
+        </p:spPr>
+      </p:pic>
+      <p:sp>
+        <p:nvSpPr>
+          <p:cNvPr id="24" name="Rechteck 23">
+            <a:extLst>
+              <a:ext uri="{FF2B5EF4-FFF2-40B4-BE49-F238E27FC236}">
+                <a16:creationId xmlns:a16="http://schemas.microsoft.com/office/drawing/2014/main" id="{DBF6A818-0F92-4B2F-B452-5A7BF9755A58}"/>
+              </a:ext>
+            </a:extLst>
+          </p:cNvPr>
+          <p:cNvSpPr/>
+          <p:nvPr/>
+        </p:nvSpPr>
+        <p:spPr>
+          <a:xfrm>
+            <a:off x="7937241" y="1637521"/>
+            <a:ext cx="2612572" cy="401216"/>
+          </a:xfrm>
+          <a:prstGeom prst="rect">
+            <a:avLst/>
+          </a:prstGeom>
+          <a:noFill/>
+          <a:ln>
+            <a:noFill/>
+          </a:ln>
+        </p:spPr>
+        <p:style>
+          <a:lnRef idx="2">
+            <a:schemeClr val="accent1">
+              <a:shade val="50000"/>
+            </a:schemeClr>
+          </a:lnRef>
+          <a:fillRef idx="1">
+            <a:schemeClr val="accent1"/>
+          </a:fillRef>
+          <a:effectRef idx="0">
+            <a:schemeClr val="accent1"/>
+          </a:effectRef>
+          <a:fontRef idx="minor">
+            <a:schemeClr val="lt1"/>
+          </a:fontRef>
+        </p:style>
+        <p:txBody>
+          <a:bodyPr rtlCol="0" anchor="ctr"/>
+          <a:lstStyle/>
+          <a:p>
+            <a:pPr algn="ctr"/>
+            <a:r>
+              <a:rPr lang="de-DE" sz="2800" b="1" dirty="0">
+                <a:solidFill>
+                  <a:srgbClr val="7180AC"/>
+                </a:solidFill>
+                <a:latin typeface="Courgette" panose="02000603070400060004" pitchFamily="2" charset="0"/>
+                <a:ea typeface="Roboto Light" panose="02000000000000000000" pitchFamily="2" charset="0"/>
+                <a:cs typeface="Courier New" panose="02070309020205020404" pitchFamily="49" charset="0"/>
+              </a:rPr>
+              <a:t>Me-Me</a:t>
+            </a:r>
+          </a:p>
+        </p:txBody>
+      </p:sp>
+      <p:sp>
+        <p:nvSpPr>
+          <p:cNvPr id="25" name="Rechteck 24">
+            <a:extLst>
+              <a:ext uri="{FF2B5EF4-FFF2-40B4-BE49-F238E27FC236}">
+                <a16:creationId xmlns:a16="http://schemas.microsoft.com/office/drawing/2014/main" id="{73581602-DC69-4180-AD18-1CDF42BAADC2}"/>
+              </a:ext>
+            </a:extLst>
+          </p:cNvPr>
+          <p:cNvSpPr/>
+          <p:nvPr/>
+        </p:nvSpPr>
+        <p:spPr>
+          <a:xfrm>
+            <a:off x="2121159" y="3171853"/>
+            <a:ext cx="2612572" cy="401216"/>
+          </a:xfrm>
+          <a:prstGeom prst="rect">
+            <a:avLst/>
+          </a:prstGeom>
+          <a:noFill/>
+          <a:ln>
+            <a:noFill/>
+          </a:ln>
+        </p:spPr>
+        <p:style>
+          <a:lnRef idx="2">
+            <a:schemeClr val="accent1">
+              <a:shade val="50000"/>
+            </a:schemeClr>
+          </a:lnRef>
+          <a:fillRef idx="1">
+            <a:schemeClr val="accent1"/>
+          </a:fillRef>
+          <a:effectRef idx="0">
+            <a:schemeClr val="accent1"/>
+          </a:effectRef>
+          <a:fontRef idx="minor">
+            <a:schemeClr val="lt1"/>
+          </a:fontRef>
+        </p:style>
+        <p:txBody>
+          <a:bodyPr rtlCol="0" anchor="ctr"/>
+          <a:lstStyle/>
+          <a:p>
+            <a:r>
+              <a:rPr lang="de-DE" dirty="0">
+                <a:solidFill>
+                  <a:srgbClr val="433633"/>
+                </a:solidFill>
+                <a:latin typeface="Roboto Light" panose="02000000000000000000" pitchFamily="2" charset="0"/>
+                <a:ea typeface="Roboto Light" panose="02000000000000000000" pitchFamily="2" charset="0"/>
+              </a:rPr>
+              <a:t>E-Mail</a:t>
+            </a:r>
+          </a:p>
+        </p:txBody>
+      </p:sp>
+      <p:sp>
+        <p:nvSpPr>
+          <p:cNvPr id="32" name="Rechteck 31">
+            <a:extLst>
+              <a:ext uri="{FF2B5EF4-FFF2-40B4-BE49-F238E27FC236}">
+                <a16:creationId xmlns:a16="http://schemas.microsoft.com/office/drawing/2014/main" id="{2FFA905E-DBE4-42DE-90B1-EB2DCCEADBB6}"/>
+              </a:ext>
+            </a:extLst>
+          </p:cNvPr>
+          <p:cNvSpPr/>
+          <p:nvPr/>
+        </p:nvSpPr>
+        <p:spPr>
+          <a:xfrm>
+            <a:off x="2121159" y="3731152"/>
+            <a:ext cx="2612572" cy="401216"/>
+          </a:xfrm>
+          <a:prstGeom prst="rect">
+            <a:avLst/>
+          </a:prstGeom>
+          <a:noFill/>
+          <a:ln>
+            <a:noFill/>
+          </a:ln>
+        </p:spPr>
+        <p:style>
+          <a:lnRef idx="2">
+            <a:schemeClr val="accent1">
+              <a:shade val="50000"/>
+            </a:schemeClr>
+          </a:lnRef>
+          <a:fillRef idx="1">
+            <a:schemeClr val="accent1"/>
+          </a:fillRef>
+          <a:effectRef idx="0">
+            <a:schemeClr val="accent1"/>
+          </a:effectRef>
+          <a:fontRef idx="minor">
+            <a:schemeClr val="lt1"/>
+          </a:fontRef>
+        </p:style>
+        <p:txBody>
+          <a:bodyPr rtlCol="0" anchor="ctr"/>
+          <a:lstStyle/>
+          <a:p>
+            <a:r>
+              <a:rPr lang="de-DE" dirty="0">
+                <a:solidFill>
+                  <a:srgbClr val="433633"/>
+                </a:solidFill>
+                <a:latin typeface="Roboto Light" panose="02000000000000000000" pitchFamily="2" charset="0"/>
+                <a:ea typeface="Roboto Light" panose="02000000000000000000" pitchFamily="2" charset="0"/>
+              </a:rPr>
+              <a:t>Passwort</a:t>
+            </a:r>
+          </a:p>
+        </p:txBody>
+      </p:sp>
+      <p:cxnSp>
+        <p:nvCxnSpPr>
+          <p:cNvPr id="33" name="Gerader Verbinder 32">
+            <a:extLst>
+              <a:ext uri="{FF2B5EF4-FFF2-40B4-BE49-F238E27FC236}">
+                <a16:creationId xmlns:a16="http://schemas.microsoft.com/office/drawing/2014/main" id="{B773D7C7-FDEC-44D3-8ACD-C8E9E4CA100B}"/>
+              </a:ext>
+            </a:extLst>
+          </p:cNvPr>
+          <p:cNvCxnSpPr/>
+          <p:nvPr/>
+        </p:nvCxnSpPr>
+        <p:spPr>
+          <a:xfrm>
+            <a:off x="2121159" y="3573069"/>
+            <a:ext cx="2612572" cy="0"/>
+          </a:xfrm>
+          <a:prstGeom prst="line">
+            <a:avLst/>
+          </a:prstGeom>
+          <a:ln>
+            <a:solidFill>
+              <a:srgbClr val="433633"/>
+            </a:solidFill>
+          </a:ln>
+        </p:spPr>
+        <p:style>
+          <a:lnRef idx="1">
+            <a:schemeClr val="accent1"/>
+          </a:lnRef>
+          <a:fillRef idx="0">
+            <a:schemeClr val="accent1"/>
+          </a:fillRef>
+          <a:effectRef idx="0">
+            <a:schemeClr val="accent1"/>
+          </a:effectRef>
+          <a:fontRef idx="minor">
+            <a:schemeClr val="tx1"/>
+          </a:fontRef>
+        </p:style>
+      </p:cxnSp>
+      <p:cxnSp>
+        <p:nvCxnSpPr>
+          <p:cNvPr id="34" name="Gerader Verbinder 33">
+            <a:extLst>
+              <a:ext uri="{FF2B5EF4-FFF2-40B4-BE49-F238E27FC236}">
+                <a16:creationId xmlns:a16="http://schemas.microsoft.com/office/drawing/2014/main" id="{A2C95B7F-0A1D-4737-B1E1-DD2F74C42FB3}"/>
+              </a:ext>
+            </a:extLst>
+          </p:cNvPr>
+          <p:cNvCxnSpPr/>
+          <p:nvPr/>
+        </p:nvCxnSpPr>
+        <p:spPr>
+          <a:xfrm>
+            <a:off x="2121159" y="4132368"/>
+            <a:ext cx="2612572" cy="0"/>
+          </a:xfrm>
+          <a:prstGeom prst="line">
+            <a:avLst/>
+          </a:prstGeom>
+          <a:ln>
+            <a:solidFill>
+              <a:srgbClr val="433633"/>
+            </a:solidFill>
+          </a:ln>
+        </p:spPr>
+        <p:style>
+          <a:lnRef idx="1">
+            <a:schemeClr val="accent1"/>
+          </a:lnRef>
+          <a:fillRef idx="0">
+            <a:schemeClr val="accent1"/>
+          </a:fillRef>
+          <a:effectRef idx="0">
+            <a:schemeClr val="accent1"/>
+          </a:effectRef>
+          <a:fontRef idx="minor">
+            <a:schemeClr val="tx1"/>
+          </a:fontRef>
+        </p:style>
+      </p:cxnSp>
+      <p:sp>
+        <p:nvSpPr>
+          <p:cNvPr id="35" name="Rechteck 34">
+            <a:extLst>
+              <a:ext uri="{FF2B5EF4-FFF2-40B4-BE49-F238E27FC236}">
+                <a16:creationId xmlns:a16="http://schemas.microsoft.com/office/drawing/2014/main" id="{69F559B9-88F9-4B73-8D6A-1A1F58203313}"/>
+              </a:ext>
+            </a:extLst>
+          </p:cNvPr>
+          <p:cNvSpPr/>
+          <p:nvPr/>
+        </p:nvSpPr>
+        <p:spPr>
+          <a:xfrm>
+            <a:off x="2121159" y="5124626"/>
+            <a:ext cx="2612572" cy="401216"/>
+          </a:xfrm>
+          <a:prstGeom prst="rect">
+            <a:avLst/>
+          </a:prstGeom>
+          <a:solidFill>
+            <a:srgbClr val="FF934F"/>
+          </a:solidFill>
+          <a:ln>
+            <a:noFill/>
+          </a:ln>
+        </p:spPr>
+        <p:style>
+          <a:lnRef idx="2">
+            <a:schemeClr val="accent1">
+              <a:shade val="50000"/>
+            </a:schemeClr>
+          </a:lnRef>
+          <a:fillRef idx="1">
+            <a:schemeClr val="accent1"/>
+          </a:fillRef>
+          <a:effectRef idx="0">
+            <a:schemeClr val="accent1"/>
+          </a:effectRef>
+          <a:fontRef idx="minor">
+            <a:schemeClr val="lt1"/>
+          </a:fontRef>
+        </p:style>
+        <p:txBody>
+          <a:bodyPr rtlCol="0" anchor="ctr"/>
+          <a:lstStyle/>
+          <a:p>
+            <a:pPr algn="ctr"/>
+            <a:r>
+              <a:rPr lang="de-DE" dirty="0">
+                <a:solidFill>
+                  <a:srgbClr val="1F1F1F"/>
+                </a:solidFill>
+                <a:latin typeface="Roboto Light" panose="02000000000000000000" pitchFamily="2" charset="0"/>
+                <a:ea typeface="Roboto Light" panose="02000000000000000000" pitchFamily="2" charset="0"/>
+              </a:rPr>
+              <a:t>Registrieren</a:t>
+            </a:r>
+          </a:p>
+        </p:txBody>
+      </p:sp>
+      <p:sp>
+        <p:nvSpPr>
+          <p:cNvPr id="36" name="Rechteck 35">
+            <a:extLst>
+              <a:ext uri="{FF2B5EF4-FFF2-40B4-BE49-F238E27FC236}">
+                <a16:creationId xmlns:a16="http://schemas.microsoft.com/office/drawing/2014/main" id="{A5C9DC37-359E-4873-8FF4-2F9FD2042BA5}"/>
+              </a:ext>
+            </a:extLst>
+          </p:cNvPr>
+          <p:cNvSpPr/>
+          <p:nvPr/>
+        </p:nvSpPr>
+        <p:spPr>
+          <a:xfrm>
+            <a:off x="2121159" y="5818296"/>
+            <a:ext cx="2612572" cy="401216"/>
+          </a:xfrm>
+          <a:prstGeom prst="rect">
+            <a:avLst/>
+          </a:prstGeom>
+          <a:noFill/>
+          <a:ln>
+            <a:noFill/>
+          </a:ln>
+        </p:spPr>
+        <p:style>
+          <a:lnRef idx="2">
+            <a:schemeClr val="accent1">
+              <a:shade val="50000"/>
+            </a:schemeClr>
+          </a:lnRef>
+          <a:fillRef idx="1">
+            <a:schemeClr val="accent1"/>
+          </a:fillRef>
+          <a:effectRef idx="0">
+            <a:schemeClr val="accent1"/>
+          </a:effectRef>
+          <a:fontRef idx="minor">
+            <a:schemeClr val="lt1"/>
+          </a:fontRef>
+        </p:style>
+        <p:txBody>
+          <a:bodyPr rtlCol="0" anchor="ctr"/>
+          <a:lstStyle/>
+          <a:p>
+            <a:pPr algn="ctr"/>
+            <a:r>
+              <a:rPr lang="de-DE" sz="1200" dirty="0">
+                <a:solidFill>
+                  <a:srgbClr val="433633"/>
+                </a:solidFill>
+                <a:latin typeface="Roboto Light" panose="02000000000000000000" pitchFamily="2" charset="0"/>
+                <a:ea typeface="Roboto Light" panose="02000000000000000000" pitchFamily="2" charset="0"/>
+              </a:rPr>
+              <a:t>Bereits ein Konto? </a:t>
+            </a:r>
+            <a:r>
+              <a:rPr lang="de-DE" sz="1200" u="sng" dirty="0">
+                <a:solidFill>
+                  <a:srgbClr val="7180AC"/>
+                </a:solidFill>
+                <a:latin typeface="Roboto Light" panose="02000000000000000000" pitchFamily="2" charset="0"/>
+                <a:ea typeface="Roboto Light" panose="02000000000000000000" pitchFamily="2" charset="0"/>
+              </a:rPr>
+              <a:t>Hier Einloggen</a:t>
+            </a:r>
+          </a:p>
+        </p:txBody>
+      </p:sp>
+      <p:cxnSp>
+        <p:nvCxnSpPr>
+          <p:cNvPr id="37" name="Gerader Verbinder 36">
+            <a:extLst>
+              <a:ext uri="{FF2B5EF4-FFF2-40B4-BE49-F238E27FC236}">
+                <a16:creationId xmlns:a16="http://schemas.microsoft.com/office/drawing/2014/main" id="{751CB5D0-F097-45F0-A2E5-30422B0699F4}"/>
+              </a:ext>
+            </a:extLst>
+          </p:cNvPr>
+          <p:cNvCxnSpPr>
+            <a:cxnSpLocks/>
+          </p:cNvCxnSpPr>
+          <p:nvPr/>
+        </p:nvCxnSpPr>
+        <p:spPr>
+          <a:xfrm>
+            <a:off x="2121159" y="5780398"/>
+            <a:ext cx="2612572" cy="0"/>
+          </a:xfrm>
+          <a:prstGeom prst="line">
+            <a:avLst/>
+          </a:prstGeom>
+          <a:ln>
+            <a:solidFill>
+              <a:srgbClr val="433633"/>
+            </a:solidFill>
+          </a:ln>
+        </p:spPr>
+        <p:style>
+          <a:lnRef idx="1">
+            <a:schemeClr val="accent1"/>
+          </a:lnRef>
+          <a:fillRef idx="0">
+            <a:schemeClr val="accent1"/>
+          </a:fillRef>
+          <a:effectRef idx="0">
+            <a:schemeClr val="accent1"/>
+          </a:effectRef>
+          <a:fontRef idx="minor">
+            <a:schemeClr val="tx1"/>
+          </a:fontRef>
+        </p:style>
+      </p:cxnSp>
+      <p:sp>
+        <p:nvSpPr>
+          <p:cNvPr id="38" name="Rechteck 37">
+            <a:extLst>
+              <a:ext uri="{FF2B5EF4-FFF2-40B4-BE49-F238E27FC236}">
+                <a16:creationId xmlns:a16="http://schemas.microsoft.com/office/drawing/2014/main" id="{D6CE25E6-367B-44C2-965C-A69825849B70}"/>
+              </a:ext>
+            </a:extLst>
+          </p:cNvPr>
+          <p:cNvSpPr/>
+          <p:nvPr/>
+        </p:nvSpPr>
+        <p:spPr>
+          <a:xfrm>
+            <a:off x="2121159" y="4300782"/>
+            <a:ext cx="2612572" cy="401216"/>
+          </a:xfrm>
+          <a:prstGeom prst="rect">
+            <a:avLst/>
+          </a:prstGeom>
+          <a:noFill/>
+          <a:ln>
+            <a:noFill/>
+          </a:ln>
+        </p:spPr>
+        <p:style>
+          <a:lnRef idx="2">
+            <a:schemeClr val="accent1">
+              <a:shade val="50000"/>
+            </a:schemeClr>
+          </a:lnRef>
+          <a:fillRef idx="1">
+            <a:schemeClr val="accent1"/>
+          </a:fillRef>
+          <a:effectRef idx="0">
+            <a:schemeClr val="accent1"/>
+          </a:effectRef>
+          <a:fontRef idx="minor">
+            <a:schemeClr val="lt1"/>
+          </a:fontRef>
+        </p:style>
+        <p:txBody>
+          <a:bodyPr rtlCol="0" anchor="ctr"/>
+          <a:lstStyle/>
+          <a:p>
+            <a:r>
+              <a:rPr lang="de-DE" dirty="0">
+                <a:solidFill>
+                  <a:srgbClr val="433633"/>
+                </a:solidFill>
+                <a:latin typeface="Roboto Light" panose="02000000000000000000" pitchFamily="2" charset="0"/>
+                <a:ea typeface="Roboto Light" panose="02000000000000000000" pitchFamily="2" charset="0"/>
+              </a:rPr>
+              <a:t>Passwort</a:t>
+            </a:r>
+          </a:p>
+        </p:txBody>
+      </p:sp>
+      <p:cxnSp>
+        <p:nvCxnSpPr>
+          <p:cNvPr id="39" name="Gerader Verbinder 38">
+            <a:extLst>
+              <a:ext uri="{FF2B5EF4-FFF2-40B4-BE49-F238E27FC236}">
+                <a16:creationId xmlns:a16="http://schemas.microsoft.com/office/drawing/2014/main" id="{CD9874EE-9CA6-4912-A4A9-73F18349B223}"/>
+              </a:ext>
+            </a:extLst>
+          </p:cNvPr>
+          <p:cNvCxnSpPr/>
+          <p:nvPr/>
+        </p:nvCxnSpPr>
+        <p:spPr>
+          <a:xfrm>
+            <a:off x="2121159" y="4701998"/>
+            <a:ext cx="2612572" cy="0"/>
+          </a:xfrm>
+          <a:prstGeom prst="line">
+            <a:avLst/>
+          </a:prstGeom>
+          <a:ln>
+            <a:solidFill>
+              <a:srgbClr val="433633"/>
+            </a:solidFill>
+          </a:ln>
+        </p:spPr>
+        <p:style>
+          <a:lnRef idx="1">
+            <a:schemeClr val="accent1"/>
+          </a:lnRef>
+          <a:fillRef idx="0">
+            <a:schemeClr val="accent1"/>
+          </a:fillRef>
+          <a:effectRef idx="0">
+            <a:schemeClr val="accent1"/>
+          </a:effectRef>
+          <a:fontRef idx="minor">
+            <a:schemeClr val="tx1"/>
+          </a:fontRef>
+        </p:style>
+      </p:cxnSp>
+      <p:sp>
+        <p:nvSpPr>
+          <p:cNvPr id="40" name="Rechteck 39">
+            <a:extLst>
+              <a:ext uri="{FF2B5EF4-FFF2-40B4-BE49-F238E27FC236}">
+                <a16:creationId xmlns:a16="http://schemas.microsoft.com/office/drawing/2014/main" id="{EEA77FAA-8D7E-4ECD-8F9A-5F79C286DA80}"/>
+              </a:ext>
+            </a:extLst>
+          </p:cNvPr>
+          <p:cNvSpPr/>
+          <p:nvPr/>
+        </p:nvSpPr>
+        <p:spPr>
+          <a:xfrm>
+            <a:off x="2121159" y="2626568"/>
+            <a:ext cx="2612572" cy="401216"/>
+          </a:xfrm>
+          <a:prstGeom prst="rect">
+            <a:avLst/>
+          </a:prstGeom>
+          <a:noFill/>
+          <a:ln>
+            <a:noFill/>
+          </a:ln>
+        </p:spPr>
+        <p:style>
+          <a:lnRef idx="2">
+            <a:schemeClr val="accent1">
+              <a:shade val="50000"/>
+            </a:schemeClr>
+          </a:lnRef>
+          <a:fillRef idx="1">
+            <a:schemeClr val="accent1"/>
+          </a:fillRef>
+          <a:effectRef idx="0">
+            <a:schemeClr val="accent1"/>
+          </a:effectRef>
+          <a:fontRef idx="minor">
+            <a:schemeClr val="lt1"/>
+          </a:fontRef>
+        </p:style>
+        <p:txBody>
+          <a:bodyPr rtlCol="0" anchor="ctr"/>
+          <a:lstStyle/>
+          <a:p>
+            <a:r>
+              <a:rPr lang="de-DE" dirty="0">
+                <a:solidFill>
+                  <a:srgbClr val="433633"/>
+                </a:solidFill>
+                <a:latin typeface="Roboto Light" panose="02000000000000000000" pitchFamily="2" charset="0"/>
+                <a:ea typeface="Roboto Light" panose="02000000000000000000" pitchFamily="2" charset="0"/>
+              </a:rPr>
+              <a:t>Benutzername</a:t>
+            </a:r>
+          </a:p>
+        </p:txBody>
+      </p:sp>
+      <p:cxnSp>
+        <p:nvCxnSpPr>
+          <p:cNvPr id="41" name="Gerader Verbinder 40">
+            <a:extLst>
+              <a:ext uri="{FF2B5EF4-FFF2-40B4-BE49-F238E27FC236}">
+                <a16:creationId xmlns:a16="http://schemas.microsoft.com/office/drawing/2014/main" id="{5B73470D-5F42-4266-AB2A-79444B976CD6}"/>
+              </a:ext>
+            </a:extLst>
+          </p:cNvPr>
+          <p:cNvCxnSpPr/>
+          <p:nvPr/>
+        </p:nvCxnSpPr>
+        <p:spPr>
+          <a:xfrm>
+            <a:off x="2121159" y="3027784"/>
+            <a:ext cx="2612572" cy="0"/>
+          </a:xfrm>
+          <a:prstGeom prst="line">
+            <a:avLst/>
+          </a:prstGeom>
+          <a:ln>
+            <a:solidFill>
+              <a:srgbClr val="433633"/>
+            </a:solidFill>
+          </a:ln>
+        </p:spPr>
+        <p:style>
+          <a:lnRef idx="1">
+            <a:schemeClr val="accent1"/>
+          </a:lnRef>
+          <a:fillRef idx="0">
+            <a:schemeClr val="accent1"/>
+          </a:fillRef>
+          <a:effectRef idx="0">
+            <a:schemeClr val="accent1"/>
+          </a:effectRef>
+          <a:fontRef idx="minor">
+            <a:schemeClr val="tx1"/>
+          </a:fontRef>
+        </p:style>
+      </p:cxnSp>
+      <p:sp>
+        <p:nvSpPr>
+          <p:cNvPr id="54" name="Rechteck 53">
+            <a:extLst>
+              <a:ext uri="{FF2B5EF4-FFF2-40B4-BE49-F238E27FC236}">
+                <a16:creationId xmlns:a16="http://schemas.microsoft.com/office/drawing/2014/main" id="{CD6CC015-1052-473D-9279-167C4EF1885C}"/>
+              </a:ext>
+            </a:extLst>
+          </p:cNvPr>
+          <p:cNvSpPr/>
+          <p:nvPr/>
+        </p:nvSpPr>
+        <p:spPr>
+          <a:xfrm>
+            <a:off x="7937241" y="3171853"/>
+            <a:ext cx="2612572" cy="401216"/>
+          </a:xfrm>
+          <a:prstGeom prst="rect">
+            <a:avLst/>
+          </a:prstGeom>
+          <a:noFill/>
+          <a:ln>
+            <a:noFill/>
+          </a:ln>
+        </p:spPr>
+        <p:style>
+          <a:lnRef idx="2">
+            <a:schemeClr val="accent1">
+              <a:shade val="50000"/>
+            </a:schemeClr>
+          </a:lnRef>
+          <a:fillRef idx="1">
+            <a:schemeClr val="accent1"/>
+          </a:fillRef>
+          <a:effectRef idx="0">
+            <a:schemeClr val="accent1"/>
+          </a:effectRef>
+          <a:fontRef idx="minor">
+            <a:schemeClr val="lt1"/>
+          </a:fontRef>
+        </p:style>
+        <p:txBody>
+          <a:bodyPr rtlCol="0" anchor="ctr"/>
+          <a:lstStyle/>
+          <a:p>
+            <a:r>
+              <a:rPr lang="de-DE" dirty="0">
+                <a:solidFill>
+                  <a:srgbClr val="433633"/>
+                </a:solidFill>
+                <a:latin typeface="Roboto Light" panose="02000000000000000000" pitchFamily="2" charset="0"/>
+                <a:ea typeface="Roboto Light" panose="02000000000000000000" pitchFamily="2" charset="0"/>
+              </a:rPr>
+              <a:t>E-Mail</a:t>
+            </a:r>
+          </a:p>
+        </p:txBody>
+      </p:sp>
+      <p:sp>
+        <p:nvSpPr>
+          <p:cNvPr id="55" name="Rechteck 54">
+            <a:extLst>
+              <a:ext uri="{FF2B5EF4-FFF2-40B4-BE49-F238E27FC236}">
+                <a16:creationId xmlns:a16="http://schemas.microsoft.com/office/drawing/2014/main" id="{D2FB0D59-2F46-408B-8D89-75ED4EDEEE39}"/>
+              </a:ext>
+            </a:extLst>
+          </p:cNvPr>
+          <p:cNvSpPr/>
+          <p:nvPr/>
+        </p:nvSpPr>
+        <p:spPr>
+          <a:xfrm>
+            <a:off x="7937241" y="3731152"/>
+            <a:ext cx="2612572" cy="401216"/>
+          </a:xfrm>
+          <a:prstGeom prst="rect">
+            <a:avLst/>
+          </a:prstGeom>
+          <a:noFill/>
+          <a:ln>
+            <a:noFill/>
+          </a:ln>
+        </p:spPr>
+        <p:style>
+          <a:lnRef idx="2">
+            <a:schemeClr val="accent1">
+              <a:shade val="50000"/>
+            </a:schemeClr>
+          </a:lnRef>
+          <a:fillRef idx="1">
+            <a:schemeClr val="accent1"/>
+          </a:fillRef>
+          <a:effectRef idx="0">
+            <a:schemeClr val="accent1"/>
+          </a:effectRef>
+          <a:fontRef idx="minor">
+            <a:schemeClr val="lt1"/>
+          </a:fontRef>
+        </p:style>
+        <p:txBody>
+          <a:bodyPr rtlCol="0" anchor="ctr"/>
+          <a:lstStyle/>
+          <a:p>
+            <a:r>
+              <a:rPr lang="de-DE" dirty="0">
+                <a:solidFill>
+                  <a:srgbClr val="433633"/>
+                </a:solidFill>
+                <a:latin typeface="Roboto Light" panose="02000000000000000000" pitchFamily="2" charset="0"/>
+                <a:ea typeface="Roboto Light" panose="02000000000000000000" pitchFamily="2" charset="0"/>
+              </a:rPr>
+              <a:t>Passwort</a:t>
+            </a:r>
+          </a:p>
+        </p:txBody>
+      </p:sp>
+      <p:cxnSp>
+        <p:nvCxnSpPr>
+          <p:cNvPr id="56" name="Gerader Verbinder 55">
+            <a:extLst>
+              <a:ext uri="{FF2B5EF4-FFF2-40B4-BE49-F238E27FC236}">
+                <a16:creationId xmlns:a16="http://schemas.microsoft.com/office/drawing/2014/main" id="{AB4FB3CA-E549-4044-A312-07818E758402}"/>
+              </a:ext>
+            </a:extLst>
+          </p:cNvPr>
+          <p:cNvCxnSpPr/>
+          <p:nvPr/>
+        </p:nvCxnSpPr>
+        <p:spPr>
+          <a:xfrm>
+            <a:off x="7937241" y="3573069"/>
+            <a:ext cx="2612572" cy="0"/>
+          </a:xfrm>
+          <a:prstGeom prst="line">
+            <a:avLst/>
+          </a:prstGeom>
+          <a:ln>
+            <a:solidFill>
+              <a:srgbClr val="433633"/>
+            </a:solidFill>
+          </a:ln>
+        </p:spPr>
+        <p:style>
+          <a:lnRef idx="1">
+            <a:schemeClr val="accent1"/>
+          </a:lnRef>
+          <a:fillRef idx="0">
+            <a:schemeClr val="accent1"/>
+          </a:fillRef>
+          <a:effectRef idx="0">
+            <a:schemeClr val="accent1"/>
+          </a:effectRef>
+          <a:fontRef idx="minor">
+            <a:schemeClr val="tx1"/>
+          </a:fontRef>
+        </p:style>
+      </p:cxnSp>
+      <p:cxnSp>
+        <p:nvCxnSpPr>
+          <p:cNvPr id="57" name="Gerader Verbinder 56">
+            <a:extLst>
+              <a:ext uri="{FF2B5EF4-FFF2-40B4-BE49-F238E27FC236}">
+                <a16:creationId xmlns:a16="http://schemas.microsoft.com/office/drawing/2014/main" id="{FA59B772-F6C9-4CA6-B9F3-C4EE916FA402}"/>
+              </a:ext>
+            </a:extLst>
+          </p:cNvPr>
+          <p:cNvCxnSpPr/>
+          <p:nvPr/>
+        </p:nvCxnSpPr>
+        <p:spPr>
+          <a:xfrm>
+            <a:off x="7937241" y="4132368"/>
+            <a:ext cx="2612572" cy="0"/>
+          </a:xfrm>
+          <a:prstGeom prst="line">
+            <a:avLst/>
+          </a:prstGeom>
+          <a:ln>
+            <a:solidFill>
+              <a:srgbClr val="433633"/>
+            </a:solidFill>
+          </a:ln>
+        </p:spPr>
+        <p:style>
+          <a:lnRef idx="1">
+            <a:schemeClr val="accent1"/>
+          </a:lnRef>
+          <a:fillRef idx="0">
+            <a:schemeClr val="accent1"/>
+          </a:fillRef>
+          <a:effectRef idx="0">
+            <a:schemeClr val="accent1"/>
+          </a:effectRef>
+          <a:fontRef idx="minor">
+            <a:schemeClr val="tx1"/>
+          </a:fontRef>
+        </p:style>
+      </p:cxnSp>
+      <p:sp>
+        <p:nvSpPr>
+          <p:cNvPr id="58" name="Rechteck 57">
+            <a:extLst>
+              <a:ext uri="{FF2B5EF4-FFF2-40B4-BE49-F238E27FC236}">
+                <a16:creationId xmlns:a16="http://schemas.microsoft.com/office/drawing/2014/main" id="{188AD7C8-C1B2-4832-B5BD-95E2620E7D86}"/>
+              </a:ext>
+            </a:extLst>
+          </p:cNvPr>
+          <p:cNvSpPr/>
+          <p:nvPr/>
+        </p:nvSpPr>
+        <p:spPr>
+          <a:xfrm>
+            <a:off x="7937241" y="5124626"/>
+            <a:ext cx="2612572" cy="401216"/>
+          </a:xfrm>
+          <a:prstGeom prst="rect">
+            <a:avLst/>
+          </a:prstGeom>
+          <a:solidFill>
+            <a:srgbClr val="FF934F"/>
+          </a:solidFill>
+          <a:ln>
+            <a:noFill/>
+          </a:ln>
+        </p:spPr>
+        <p:style>
+          <a:lnRef idx="2">
+            <a:schemeClr val="accent1">
+              <a:shade val="50000"/>
+            </a:schemeClr>
+          </a:lnRef>
+          <a:fillRef idx="1">
+            <a:schemeClr val="accent1"/>
+          </a:fillRef>
+          <a:effectRef idx="0">
+            <a:schemeClr val="accent1"/>
+          </a:effectRef>
+          <a:fontRef idx="minor">
+            <a:schemeClr val="lt1"/>
+          </a:fontRef>
+        </p:style>
+        <p:txBody>
+          <a:bodyPr rtlCol="0" anchor="ctr"/>
+          <a:lstStyle/>
+          <a:p>
+            <a:pPr algn="ctr"/>
+            <a:r>
+              <a:rPr lang="de-DE" dirty="0">
+                <a:solidFill>
+                  <a:srgbClr val="1F1F1F"/>
+                </a:solidFill>
+                <a:latin typeface="Roboto Light" panose="02000000000000000000" pitchFamily="2" charset="0"/>
+                <a:ea typeface="Roboto Light" panose="02000000000000000000" pitchFamily="2" charset="0"/>
+              </a:rPr>
+              <a:t>Registrieren</a:t>
+            </a:r>
+          </a:p>
+        </p:txBody>
+      </p:sp>
+      <p:sp>
+        <p:nvSpPr>
+          <p:cNvPr id="59" name="Rechteck 58">
+            <a:extLst>
+              <a:ext uri="{FF2B5EF4-FFF2-40B4-BE49-F238E27FC236}">
+                <a16:creationId xmlns:a16="http://schemas.microsoft.com/office/drawing/2014/main" id="{6B401E1F-16D2-47E0-B462-EBF17256BD7B}"/>
+              </a:ext>
+            </a:extLst>
+          </p:cNvPr>
+          <p:cNvSpPr/>
+          <p:nvPr/>
+        </p:nvSpPr>
+        <p:spPr>
+          <a:xfrm>
+            <a:off x="7937241" y="5818296"/>
+            <a:ext cx="2612572" cy="401216"/>
+          </a:xfrm>
+          <a:prstGeom prst="rect">
+            <a:avLst/>
+          </a:prstGeom>
+          <a:noFill/>
+          <a:ln>
+            <a:noFill/>
+          </a:ln>
+        </p:spPr>
+        <p:style>
+          <a:lnRef idx="2">
+            <a:schemeClr val="accent1">
+              <a:shade val="50000"/>
+            </a:schemeClr>
+          </a:lnRef>
+          <a:fillRef idx="1">
+            <a:schemeClr val="accent1"/>
+          </a:fillRef>
+          <a:effectRef idx="0">
+            <a:schemeClr val="accent1"/>
+          </a:effectRef>
+          <a:fontRef idx="minor">
+            <a:schemeClr val="lt1"/>
+          </a:fontRef>
+        </p:style>
+        <p:txBody>
+          <a:bodyPr rtlCol="0" anchor="ctr"/>
+          <a:lstStyle/>
+          <a:p>
+            <a:pPr algn="ctr"/>
+            <a:r>
+              <a:rPr lang="de-DE" sz="1200" dirty="0">
+                <a:solidFill>
+                  <a:srgbClr val="433633"/>
+                </a:solidFill>
+                <a:latin typeface="Roboto Light" panose="02000000000000000000" pitchFamily="2" charset="0"/>
+                <a:ea typeface="Roboto Light" panose="02000000000000000000" pitchFamily="2" charset="0"/>
+              </a:rPr>
+              <a:t>Bereits ein Konto? </a:t>
+            </a:r>
+            <a:r>
+              <a:rPr lang="de-DE" sz="1200" u="sng" dirty="0">
+                <a:solidFill>
+                  <a:srgbClr val="7180AC"/>
+                </a:solidFill>
+                <a:latin typeface="Roboto Light" panose="02000000000000000000" pitchFamily="2" charset="0"/>
+                <a:ea typeface="Roboto Light" panose="02000000000000000000" pitchFamily="2" charset="0"/>
+              </a:rPr>
+              <a:t>Hier Einloggen</a:t>
+            </a:r>
+          </a:p>
+        </p:txBody>
+      </p:sp>
+      <p:cxnSp>
+        <p:nvCxnSpPr>
+          <p:cNvPr id="60" name="Gerader Verbinder 59">
+            <a:extLst>
+              <a:ext uri="{FF2B5EF4-FFF2-40B4-BE49-F238E27FC236}">
+                <a16:creationId xmlns:a16="http://schemas.microsoft.com/office/drawing/2014/main" id="{DAADFE34-6FD0-44CA-85D8-043B9065BEC4}"/>
+              </a:ext>
+            </a:extLst>
+          </p:cNvPr>
+          <p:cNvCxnSpPr>
+            <a:cxnSpLocks/>
+          </p:cNvCxnSpPr>
+          <p:nvPr/>
+        </p:nvCxnSpPr>
+        <p:spPr>
+          <a:xfrm>
+            <a:off x="7937241" y="5780398"/>
+            <a:ext cx="2612572" cy="0"/>
+          </a:xfrm>
+          <a:prstGeom prst="line">
+            <a:avLst/>
+          </a:prstGeom>
+          <a:ln>
+            <a:solidFill>
+              <a:srgbClr val="433633"/>
+            </a:solidFill>
+          </a:ln>
+        </p:spPr>
+        <p:style>
+          <a:lnRef idx="1">
+            <a:schemeClr val="accent1"/>
+          </a:lnRef>
+          <a:fillRef idx="0">
+            <a:schemeClr val="accent1"/>
+          </a:fillRef>
+          <a:effectRef idx="0">
+            <a:schemeClr val="accent1"/>
+          </a:effectRef>
+          <a:fontRef idx="minor">
+            <a:schemeClr val="tx1"/>
+          </a:fontRef>
+        </p:style>
+      </p:cxnSp>
+      <p:sp>
+        <p:nvSpPr>
+          <p:cNvPr id="61" name="Rechteck 60">
+            <a:extLst>
+              <a:ext uri="{FF2B5EF4-FFF2-40B4-BE49-F238E27FC236}">
+                <a16:creationId xmlns:a16="http://schemas.microsoft.com/office/drawing/2014/main" id="{8C914470-2E22-4792-8002-34523964F949}"/>
+              </a:ext>
+            </a:extLst>
+          </p:cNvPr>
+          <p:cNvSpPr/>
+          <p:nvPr/>
+        </p:nvSpPr>
+        <p:spPr>
+          <a:xfrm>
+            <a:off x="7937241" y="4300782"/>
+            <a:ext cx="2612572" cy="401216"/>
+          </a:xfrm>
+          <a:prstGeom prst="rect">
+            <a:avLst/>
+          </a:prstGeom>
+          <a:noFill/>
+          <a:ln>
+            <a:noFill/>
+          </a:ln>
+        </p:spPr>
+        <p:style>
+          <a:lnRef idx="2">
+            <a:schemeClr val="accent1">
+              <a:shade val="50000"/>
+            </a:schemeClr>
+          </a:lnRef>
+          <a:fillRef idx="1">
+            <a:schemeClr val="accent1"/>
+          </a:fillRef>
+          <a:effectRef idx="0">
+            <a:schemeClr val="accent1"/>
+          </a:effectRef>
+          <a:fontRef idx="minor">
+            <a:schemeClr val="lt1"/>
+          </a:fontRef>
+        </p:style>
+        <p:txBody>
+          <a:bodyPr rtlCol="0" anchor="ctr"/>
+          <a:lstStyle/>
+          <a:p>
+            <a:r>
+              <a:rPr lang="de-DE" dirty="0">
+                <a:solidFill>
+                  <a:srgbClr val="433633"/>
+                </a:solidFill>
+                <a:latin typeface="Roboto Light" panose="02000000000000000000" pitchFamily="2" charset="0"/>
+                <a:ea typeface="Roboto Light" panose="02000000000000000000" pitchFamily="2" charset="0"/>
+              </a:rPr>
+              <a:t>Passwort</a:t>
+            </a:r>
+          </a:p>
+        </p:txBody>
+      </p:sp>
+      <p:cxnSp>
+        <p:nvCxnSpPr>
+          <p:cNvPr id="62" name="Gerader Verbinder 61">
+            <a:extLst>
+              <a:ext uri="{FF2B5EF4-FFF2-40B4-BE49-F238E27FC236}">
+                <a16:creationId xmlns:a16="http://schemas.microsoft.com/office/drawing/2014/main" id="{FA059F47-6B2A-4EA4-85AA-3A461D88D3CC}"/>
+              </a:ext>
+            </a:extLst>
+          </p:cNvPr>
+          <p:cNvCxnSpPr/>
+          <p:nvPr/>
+        </p:nvCxnSpPr>
+        <p:spPr>
+          <a:xfrm>
+            <a:off x="7937241" y="4701998"/>
+            <a:ext cx="2612572" cy="0"/>
+          </a:xfrm>
+          <a:prstGeom prst="line">
+            <a:avLst/>
+          </a:prstGeom>
+          <a:ln>
+            <a:solidFill>
+              <a:srgbClr val="433633"/>
+            </a:solidFill>
+          </a:ln>
+        </p:spPr>
+        <p:style>
+          <a:lnRef idx="1">
+            <a:schemeClr val="accent1"/>
+          </a:lnRef>
+          <a:fillRef idx="0">
+            <a:schemeClr val="accent1"/>
+          </a:fillRef>
+          <a:effectRef idx="0">
+            <a:schemeClr val="accent1"/>
+          </a:effectRef>
+          <a:fontRef idx="minor">
+            <a:schemeClr val="tx1"/>
+          </a:fontRef>
+        </p:style>
+      </p:cxnSp>
+      <p:sp>
+        <p:nvSpPr>
+          <p:cNvPr id="63" name="Rechteck 62">
+            <a:extLst>
+              <a:ext uri="{FF2B5EF4-FFF2-40B4-BE49-F238E27FC236}">
+                <a16:creationId xmlns:a16="http://schemas.microsoft.com/office/drawing/2014/main" id="{4D542A0C-E196-4E8A-9358-CC921C69AEF8}"/>
+              </a:ext>
+            </a:extLst>
+          </p:cNvPr>
+          <p:cNvSpPr/>
+          <p:nvPr/>
+        </p:nvSpPr>
+        <p:spPr>
+          <a:xfrm>
+            <a:off x="7937241" y="2626568"/>
+            <a:ext cx="2612572" cy="401216"/>
+          </a:xfrm>
+          <a:prstGeom prst="rect">
+            <a:avLst/>
+          </a:prstGeom>
+          <a:noFill/>
+          <a:ln>
+            <a:noFill/>
+          </a:ln>
+        </p:spPr>
+        <p:style>
+          <a:lnRef idx="2">
+            <a:schemeClr val="accent1">
+              <a:shade val="50000"/>
+            </a:schemeClr>
+          </a:lnRef>
+          <a:fillRef idx="1">
+            <a:schemeClr val="accent1"/>
+          </a:fillRef>
+          <a:effectRef idx="0">
+            <a:schemeClr val="accent1"/>
+          </a:effectRef>
+          <a:fontRef idx="minor">
+            <a:schemeClr val="lt1"/>
+          </a:fontRef>
+        </p:style>
+        <p:txBody>
+          <a:bodyPr rtlCol="0" anchor="ctr"/>
+          <a:lstStyle/>
+          <a:p>
+            <a:r>
+              <a:rPr lang="de-DE" dirty="0">
+                <a:solidFill>
+                  <a:srgbClr val="433633"/>
+                </a:solidFill>
+                <a:latin typeface="Roboto Light" panose="02000000000000000000" pitchFamily="2" charset="0"/>
+                <a:ea typeface="Roboto Light" panose="02000000000000000000" pitchFamily="2" charset="0"/>
+              </a:rPr>
+              <a:t>senfi13</a:t>
+            </a:r>
+          </a:p>
+        </p:txBody>
+      </p:sp>
+      <p:cxnSp>
+        <p:nvCxnSpPr>
+          <p:cNvPr id="64" name="Gerader Verbinder 63">
+            <a:extLst>
+              <a:ext uri="{FF2B5EF4-FFF2-40B4-BE49-F238E27FC236}">
+                <a16:creationId xmlns:a16="http://schemas.microsoft.com/office/drawing/2014/main" id="{9847F5E1-0052-45FB-AA42-365A491758C9}"/>
+              </a:ext>
+            </a:extLst>
+          </p:cNvPr>
+          <p:cNvCxnSpPr/>
+          <p:nvPr/>
+        </p:nvCxnSpPr>
+        <p:spPr>
+          <a:xfrm>
+            <a:off x="7937241" y="3027784"/>
+            <a:ext cx="2612572" cy="0"/>
+          </a:xfrm>
+          <a:prstGeom prst="line">
+            <a:avLst/>
+          </a:prstGeom>
+          <a:ln>
+            <a:solidFill>
+              <a:srgbClr val="433633"/>
+            </a:solidFill>
+          </a:ln>
+        </p:spPr>
+        <p:style>
+          <a:lnRef idx="1">
+            <a:schemeClr val="accent1"/>
+          </a:lnRef>
+          <a:fillRef idx="0">
+            <a:schemeClr val="accent1"/>
+          </a:fillRef>
+          <a:effectRef idx="0">
+            <a:schemeClr val="accent1"/>
+          </a:effectRef>
+          <a:fontRef idx="minor">
+            <a:schemeClr val="tx1"/>
+          </a:fontRef>
+        </p:style>
+      </p:cxnSp>
+      <p:sp>
+        <p:nvSpPr>
+          <p:cNvPr id="65" name="Rechteck 64">
+            <a:extLst>
+              <a:ext uri="{FF2B5EF4-FFF2-40B4-BE49-F238E27FC236}">
+                <a16:creationId xmlns:a16="http://schemas.microsoft.com/office/drawing/2014/main" id="{48DDEE09-D4E5-4DC7-8ADD-90D4227F38A0}"/>
+              </a:ext>
+            </a:extLst>
+          </p:cNvPr>
+          <p:cNvSpPr/>
+          <p:nvPr/>
+        </p:nvSpPr>
+        <p:spPr>
+          <a:xfrm>
+            <a:off x="7937241" y="2239345"/>
+            <a:ext cx="2612572" cy="401216"/>
+          </a:xfrm>
+          <a:prstGeom prst="rect">
+            <a:avLst/>
+          </a:prstGeom>
+          <a:noFill/>
+          <a:ln>
+            <a:noFill/>
+          </a:ln>
+        </p:spPr>
+        <p:style>
+          <a:lnRef idx="2">
+            <a:schemeClr val="accent1">
+              <a:shade val="50000"/>
+            </a:schemeClr>
+          </a:lnRef>
+          <a:fillRef idx="1">
+            <a:schemeClr val="accent1"/>
+          </a:fillRef>
+          <a:effectRef idx="0">
+            <a:schemeClr val="accent1"/>
+          </a:effectRef>
+          <a:fontRef idx="minor">
+            <a:schemeClr val="lt1"/>
+          </a:fontRef>
+        </p:style>
+        <p:txBody>
+          <a:bodyPr rtlCol="0" anchor="ctr"/>
+          <a:lstStyle/>
+          <a:p>
+            <a:r>
+              <a:rPr lang="de-DE" sz="1200" dirty="0">
+                <a:solidFill>
+                  <a:srgbClr val="7180AC"/>
+                </a:solidFill>
+                <a:latin typeface="Roboto Light" panose="02000000000000000000" pitchFamily="2" charset="0"/>
+                <a:ea typeface="Roboto Light" panose="02000000000000000000" pitchFamily="2" charset="0"/>
+              </a:rPr>
+              <a:t>Benutzername</a:t>
+            </a:r>
+          </a:p>
+        </p:txBody>
+      </p:sp>
+    </p:spTree>
+    <p:extLst>
+      <p:ext uri="{BB962C8B-B14F-4D97-AF65-F5344CB8AC3E}">
+        <p14:creationId xmlns:p14="http://schemas.microsoft.com/office/powerpoint/2010/main" val="526711765"/>
+      </p:ext>
+    </p:extLst>
+  </p:cSld>
+  <p:clrMapOvr>
+    <a:masterClrMapping/>
+  </p:clrMapOvr>
+</p:sld>
+</file>
+
 <file path=ppt/theme/theme1.xml><?xml version="1.0" encoding="utf-8"?>
 <a:theme xmlns:a="http://schemas.openxmlformats.org/drawingml/2006/main" name="Office">
   <a:themeElements>

--- a/Me-Me_Mockup.pptx
+++ b/Me-Me_Mockup.pptx
@@ -276,7 +276,7 @@
           <a:p>
             <a:fld id="{B512A934-01EA-4B06-AAC8-BDFD1DA82116}" type="datetimeFigureOut">
               <a:rPr lang="de-DE" smtClean="0"/>
-              <a:t>06.04.2021</a:t>
+              <a:t>11.04.2021</a:t>
             </a:fld>
             <a:endParaRPr lang="de-DE"/>
           </a:p>
@@ -474,7 +474,7 @@
           <a:p>
             <a:fld id="{B512A934-01EA-4B06-AAC8-BDFD1DA82116}" type="datetimeFigureOut">
               <a:rPr lang="de-DE" smtClean="0"/>
-              <a:t>06.04.2021</a:t>
+              <a:t>11.04.2021</a:t>
             </a:fld>
             <a:endParaRPr lang="de-DE"/>
           </a:p>
@@ -682,7 +682,7 @@
           <a:p>
             <a:fld id="{B512A934-01EA-4B06-AAC8-BDFD1DA82116}" type="datetimeFigureOut">
               <a:rPr lang="de-DE" smtClean="0"/>
-              <a:t>06.04.2021</a:t>
+              <a:t>11.04.2021</a:t>
             </a:fld>
             <a:endParaRPr lang="de-DE"/>
           </a:p>
@@ -880,7 +880,7 @@
           <a:p>
             <a:fld id="{B512A934-01EA-4B06-AAC8-BDFD1DA82116}" type="datetimeFigureOut">
               <a:rPr lang="de-DE" smtClean="0"/>
-              <a:t>06.04.2021</a:t>
+              <a:t>11.04.2021</a:t>
             </a:fld>
             <a:endParaRPr lang="de-DE"/>
           </a:p>
@@ -1155,7 +1155,7 @@
           <a:p>
             <a:fld id="{B512A934-01EA-4B06-AAC8-BDFD1DA82116}" type="datetimeFigureOut">
               <a:rPr lang="de-DE" smtClean="0"/>
-              <a:t>06.04.2021</a:t>
+              <a:t>11.04.2021</a:t>
             </a:fld>
             <a:endParaRPr lang="de-DE"/>
           </a:p>
@@ -1420,7 +1420,7 @@
           <a:p>
             <a:fld id="{B512A934-01EA-4B06-AAC8-BDFD1DA82116}" type="datetimeFigureOut">
               <a:rPr lang="de-DE" smtClean="0"/>
-              <a:t>06.04.2021</a:t>
+              <a:t>11.04.2021</a:t>
             </a:fld>
             <a:endParaRPr lang="de-DE"/>
           </a:p>
@@ -1832,7 +1832,7 @@
           <a:p>
             <a:fld id="{B512A934-01EA-4B06-AAC8-BDFD1DA82116}" type="datetimeFigureOut">
               <a:rPr lang="de-DE" smtClean="0"/>
-              <a:t>06.04.2021</a:t>
+              <a:t>11.04.2021</a:t>
             </a:fld>
             <a:endParaRPr lang="de-DE"/>
           </a:p>
@@ -1973,7 +1973,7 @@
           <a:p>
             <a:fld id="{B512A934-01EA-4B06-AAC8-BDFD1DA82116}" type="datetimeFigureOut">
               <a:rPr lang="de-DE" smtClean="0"/>
-              <a:t>06.04.2021</a:t>
+              <a:t>11.04.2021</a:t>
             </a:fld>
             <a:endParaRPr lang="de-DE"/>
           </a:p>
@@ -2086,7 +2086,7 @@
           <a:p>
             <a:fld id="{B512A934-01EA-4B06-AAC8-BDFD1DA82116}" type="datetimeFigureOut">
               <a:rPr lang="de-DE" smtClean="0"/>
-              <a:t>06.04.2021</a:t>
+              <a:t>11.04.2021</a:t>
             </a:fld>
             <a:endParaRPr lang="de-DE"/>
           </a:p>
@@ -2397,7 +2397,7 @@
           <a:p>
             <a:fld id="{B512A934-01EA-4B06-AAC8-BDFD1DA82116}" type="datetimeFigureOut">
               <a:rPr lang="de-DE" smtClean="0"/>
-              <a:t>06.04.2021</a:t>
+              <a:t>11.04.2021</a:t>
             </a:fld>
             <a:endParaRPr lang="de-DE"/>
           </a:p>
@@ -2685,7 +2685,7 @@
           <a:p>
             <a:fld id="{B512A934-01EA-4B06-AAC8-BDFD1DA82116}" type="datetimeFigureOut">
               <a:rPr lang="de-DE" smtClean="0"/>
-              <a:t>06.04.2021</a:t>
+              <a:t>11.04.2021</a:t>
             </a:fld>
             <a:endParaRPr lang="de-DE"/>
           </a:p>
@@ -2926,7 +2926,7 @@
           <a:p>
             <a:fld id="{B512A934-01EA-4B06-AAC8-BDFD1DA82116}" type="datetimeFigureOut">
               <a:rPr lang="de-DE" smtClean="0"/>
-              <a:t>06.04.2021</a:t>
+              <a:t>11.04.2021</a:t>
             </a:fld>
             <a:endParaRPr lang="de-DE"/>
           </a:p>

--- a/Me-Me_Mockup.pptx
+++ b/Me-Me_Mockup.pptx
@@ -11,6 +11,8 @@
     <p:sldId id="259" r:id="rId5"/>
     <p:sldId id="260" r:id="rId6"/>
     <p:sldId id="261" r:id="rId7"/>
+    <p:sldId id="264" r:id="rId8"/>
+    <p:sldId id="262" r:id="rId9"/>
   </p:sldIdLst>
   <p:sldSz cx="12192000" cy="6858000"/>
   <p:notesSz cx="6858000" cy="9144000"/>
@@ -276,7 +278,7 @@
           <a:p>
             <a:fld id="{B512A934-01EA-4B06-AAC8-BDFD1DA82116}" type="datetimeFigureOut">
               <a:rPr lang="de-DE" smtClean="0"/>
-              <a:t>11.04.2021</a:t>
+              <a:t>23.04.2021</a:t>
             </a:fld>
             <a:endParaRPr lang="de-DE"/>
           </a:p>
@@ -474,7 +476,7 @@
           <a:p>
             <a:fld id="{B512A934-01EA-4B06-AAC8-BDFD1DA82116}" type="datetimeFigureOut">
               <a:rPr lang="de-DE" smtClean="0"/>
-              <a:t>11.04.2021</a:t>
+              <a:t>23.04.2021</a:t>
             </a:fld>
             <a:endParaRPr lang="de-DE"/>
           </a:p>
@@ -682,7 +684,7 @@
           <a:p>
             <a:fld id="{B512A934-01EA-4B06-AAC8-BDFD1DA82116}" type="datetimeFigureOut">
               <a:rPr lang="de-DE" smtClean="0"/>
-              <a:t>11.04.2021</a:t>
+              <a:t>23.04.2021</a:t>
             </a:fld>
             <a:endParaRPr lang="de-DE"/>
           </a:p>
@@ -880,7 +882,7 @@
           <a:p>
             <a:fld id="{B512A934-01EA-4B06-AAC8-BDFD1DA82116}" type="datetimeFigureOut">
               <a:rPr lang="de-DE" smtClean="0"/>
-              <a:t>11.04.2021</a:t>
+              <a:t>23.04.2021</a:t>
             </a:fld>
             <a:endParaRPr lang="de-DE"/>
           </a:p>
@@ -1155,7 +1157,7 @@
           <a:p>
             <a:fld id="{B512A934-01EA-4B06-AAC8-BDFD1DA82116}" type="datetimeFigureOut">
               <a:rPr lang="de-DE" smtClean="0"/>
-              <a:t>11.04.2021</a:t>
+              <a:t>23.04.2021</a:t>
             </a:fld>
             <a:endParaRPr lang="de-DE"/>
           </a:p>
@@ -1420,7 +1422,7 @@
           <a:p>
             <a:fld id="{B512A934-01EA-4B06-AAC8-BDFD1DA82116}" type="datetimeFigureOut">
               <a:rPr lang="de-DE" smtClean="0"/>
-              <a:t>11.04.2021</a:t>
+              <a:t>23.04.2021</a:t>
             </a:fld>
             <a:endParaRPr lang="de-DE"/>
           </a:p>
@@ -1832,7 +1834,7 @@
           <a:p>
             <a:fld id="{B512A934-01EA-4B06-AAC8-BDFD1DA82116}" type="datetimeFigureOut">
               <a:rPr lang="de-DE" smtClean="0"/>
-              <a:t>11.04.2021</a:t>
+              <a:t>23.04.2021</a:t>
             </a:fld>
             <a:endParaRPr lang="de-DE"/>
           </a:p>
@@ -1973,7 +1975,7 @@
           <a:p>
             <a:fld id="{B512A934-01EA-4B06-AAC8-BDFD1DA82116}" type="datetimeFigureOut">
               <a:rPr lang="de-DE" smtClean="0"/>
-              <a:t>11.04.2021</a:t>
+              <a:t>23.04.2021</a:t>
             </a:fld>
             <a:endParaRPr lang="de-DE"/>
           </a:p>
@@ -2086,7 +2088,7 @@
           <a:p>
             <a:fld id="{B512A934-01EA-4B06-AAC8-BDFD1DA82116}" type="datetimeFigureOut">
               <a:rPr lang="de-DE" smtClean="0"/>
-              <a:t>11.04.2021</a:t>
+              <a:t>23.04.2021</a:t>
             </a:fld>
             <a:endParaRPr lang="de-DE"/>
           </a:p>
@@ -2397,7 +2399,7 @@
           <a:p>
             <a:fld id="{B512A934-01EA-4B06-AAC8-BDFD1DA82116}" type="datetimeFigureOut">
               <a:rPr lang="de-DE" smtClean="0"/>
-              <a:t>11.04.2021</a:t>
+              <a:t>23.04.2021</a:t>
             </a:fld>
             <a:endParaRPr lang="de-DE"/>
           </a:p>
@@ -2685,7 +2687,7 @@
           <a:p>
             <a:fld id="{B512A934-01EA-4B06-AAC8-BDFD1DA82116}" type="datetimeFigureOut">
               <a:rPr lang="de-DE" smtClean="0"/>
-              <a:t>11.04.2021</a:t>
+              <a:t>23.04.2021</a:t>
             </a:fld>
             <a:endParaRPr lang="de-DE"/>
           </a:p>
@@ -2926,7 +2928,7 @@
           <a:p>
             <a:fld id="{B512A934-01EA-4B06-AAC8-BDFD1DA82116}" type="datetimeFigureOut">
               <a:rPr lang="de-DE" smtClean="0"/>
-              <a:t>11.04.2021</a:t>
+              <a:t>23.04.2021</a:t>
             </a:fld>
             <a:endParaRPr lang="de-DE"/>
           </a:p>
@@ -11677,6 +11679,3438 @@
 </p:sld>
 </file>
 
+<file path=ppt/slides/slide7.xml><?xml version="1.0" encoding="utf-8"?>
+<p:sld xmlns:a="http://schemas.openxmlformats.org/drawingml/2006/main" xmlns:r="http://schemas.openxmlformats.org/officeDocument/2006/relationships" xmlns:p="http://schemas.openxmlformats.org/presentationml/2006/main">
+  <p:cSld>
+    <p:spTree>
+      <p:nvGrpSpPr>
+        <p:cNvPr id="1" name=""/>
+        <p:cNvGrpSpPr/>
+        <p:nvPr/>
+      </p:nvGrpSpPr>
+      <p:grpSpPr>
+        <a:xfrm>
+          <a:off x="0" y="0"/>
+          <a:ext cx="0" cy="0"/>
+          <a:chOff x="0" y="0"/>
+          <a:chExt cx="0" cy="0"/>
+        </a:xfrm>
+      </p:grpSpPr>
+      <p:sp>
+        <p:nvSpPr>
+          <p:cNvPr id="4" name="Rechteck 3">
+            <a:extLst>
+              <a:ext uri="{FF2B5EF4-FFF2-40B4-BE49-F238E27FC236}">
+                <a16:creationId xmlns:a16="http://schemas.microsoft.com/office/drawing/2014/main" id="{DD7FF75F-B5D0-4FF1-89EF-15A1AC7997B5}"/>
+              </a:ext>
+            </a:extLst>
+          </p:cNvPr>
+          <p:cNvSpPr/>
+          <p:nvPr/>
+        </p:nvSpPr>
+        <p:spPr>
+          <a:xfrm>
+            <a:off x="1583094" y="0"/>
+            <a:ext cx="3688702" cy="6858000"/>
+          </a:xfrm>
+          <a:prstGeom prst="rect">
+            <a:avLst/>
+          </a:prstGeom>
+          <a:solidFill>
+            <a:srgbClr val="1F1F1F"/>
+          </a:solidFill>
+          <a:ln>
+            <a:solidFill>
+              <a:schemeClr val="tx1"/>
+            </a:solidFill>
+          </a:ln>
+        </p:spPr>
+        <p:style>
+          <a:lnRef idx="2">
+            <a:schemeClr val="accent1">
+              <a:shade val="50000"/>
+            </a:schemeClr>
+          </a:lnRef>
+          <a:fillRef idx="1">
+            <a:schemeClr val="accent1"/>
+          </a:fillRef>
+          <a:effectRef idx="0">
+            <a:schemeClr val="accent1"/>
+          </a:effectRef>
+          <a:fontRef idx="minor">
+            <a:schemeClr val="lt1"/>
+          </a:fontRef>
+        </p:style>
+        <p:txBody>
+          <a:bodyPr rtlCol="0" anchor="ctr"/>
+          <a:lstStyle/>
+          <a:p>
+            <a:pPr algn="ctr"/>
+            <a:endParaRPr lang="de-DE"/>
+          </a:p>
+        </p:txBody>
+      </p:sp>
+      <p:sp>
+        <p:nvSpPr>
+          <p:cNvPr id="13" name="Rechteck 12">
+            <a:extLst>
+              <a:ext uri="{FF2B5EF4-FFF2-40B4-BE49-F238E27FC236}">
+                <a16:creationId xmlns:a16="http://schemas.microsoft.com/office/drawing/2014/main" id="{E63A3B96-2F20-4677-A112-2B1B8792CD12}"/>
+              </a:ext>
+            </a:extLst>
+          </p:cNvPr>
+          <p:cNvSpPr/>
+          <p:nvPr/>
+        </p:nvSpPr>
+        <p:spPr>
+          <a:xfrm>
+            <a:off x="7399176" y="0"/>
+            <a:ext cx="3688702" cy="6858000"/>
+          </a:xfrm>
+          <a:prstGeom prst="rect">
+            <a:avLst/>
+          </a:prstGeom>
+          <a:solidFill>
+            <a:srgbClr val="1F1F1F"/>
+          </a:solidFill>
+          <a:ln>
+            <a:solidFill>
+              <a:schemeClr val="tx1"/>
+            </a:solidFill>
+          </a:ln>
+        </p:spPr>
+        <p:style>
+          <a:lnRef idx="2">
+            <a:schemeClr val="accent1">
+              <a:shade val="50000"/>
+            </a:schemeClr>
+          </a:lnRef>
+          <a:fillRef idx="1">
+            <a:schemeClr val="accent1"/>
+          </a:fillRef>
+          <a:effectRef idx="0">
+            <a:schemeClr val="accent1"/>
+          </a:effectRef>
+          <a:fontRef idx="minor">
+            <a:schemeClr val="lt1"/>
+          </a:fontRef>
+        </p:style>
+        <p:txBody>
+          <a:bodyPr rtlCol="0" anchor="ctr"/>
+          <a:lstStyle/>
+          <a:p>
+            <a:pPr algn="ctr"/>
+            <a:endParaRPr lang="de-DE"/>
+          </a:p>
+        </p:txBody>
+      </p:sp>
+      <p:pic>
+        <p:nvPicPr>
+          <p:cNvPr id="14" name="Grafik 13">
+            <a:extLst>
+              <a:ext uri="{FF2B5EF4-FFF2-40B4-BE49-F238E27FC236}">
+                <a16:creationId xmlns:a16="http://schemas.microsoft.com/office/drawing/2014/main" id="{56092303-F0D6-4403-B19C-8006DDC13AE7}"/>
+              </a:ext>
+            </a:extLst>
+          </p:cNvPr>
+          <p:cNvPicPr>
+            <a:picLocks noChangeAspect="1"/>
+          </p:cNvPicPr>
+          <p:nvPr/>
+        </p:nvPicPr>
+        <p:blipFill>
+          <a:blip r:embed="rId2">
+            <a:extLst>
+              <a:ext uri="{28A0092B-C50C-407E-A947-70E740481C1C}">
+                <a14:useLocalDpi xmlns:a14="http://schemas.microsoft.com/office/drawing/2010/main" val="0"/>
+              </a:ext>
+              <a:ext uri="{96DAC541-7B7A-43D3-8B79-37D633B846F1}">
+                <asvg:svgBlip xmlns:asvg="http://schemas.microsoft.com/office/drawing/2016/SVG/main" r:embed="rId3"/>
+              </a:ext>
+            </a:extLst>
+          </a:blip>
+          <a:stretch>
+            <a:fillRect/>
+          </a:stretch>
+        </p:blipFill>
+        <p:spPr>
+          <a:xfrm>
+            <a:off x="8466486" y="177283"/>
+            <a:ext cx="1554082" cy="1554082"/>
+          </a:xfrm>
+          <a:prstGeom prst="rect">
+            <a:avLst/>
+          </a:prstGeom>
+        </p:spPr>
+      </p:pic>
+      <p:sp>
+        <p:nvSpPr>
+          <p:cNvPr id="17" name="Rechteck 16">
+            <a:extLst>
+              <a:ext uri="{FF2B5EF4-FFF2-40B4-BE49-F238E27FC236}">
+                <a16:creationId xmlns:a16="http://schemas.microsoft.com/office/drawing/2014/main" id="{B94A4A71-7C7C-4A85-929A-D0453098EADB}"/>
+              </a:ext>
+            </a:extLst>
+          </p:cNvPr>
+          <p:cNvSpPr/>
+          <p:nvPr/>
+        </p:nvSpPr>
+        <p:spPr>
+          <a:xfrm>
+            <a:off x="1583095" y="4605"/>
+            <a:ext cx="1061356" cy="424590"/>
+          </a:xfrm>
+          <a:prstGeom prst="rect">
+            <a:avLst/>
+          </a:prstGeom>
+          <a:noFill/>
+          <a:ln>
+            <a:noFill/>
+          </a:ln>
+        </p:spPr>
+        <p:style>
+          <a:lnRef idx="2">
+            <a:schemeClr val="accent1">
+              <a:shade val="50000"/>
+            </a:schemeClr>
+          </a:lnRef>
+          <a:fillRef idx="1">
+            <a:schemeClr val="accent1"/>
+          </a:fillRef>
+          <a:effectRef idx="0">
+            <a:schemeClr val="accent1"/>
+          </a:effectRef>
+          <a:fontRef idx="minor">
+            <a:schemeClr val="lt1"/>
+          </a:fontRef>
+        </p:style>
+        <p:txBody>
+          <a:bodyPr rtlCol="0" anchor="ctr"/>
+          <a:lstStyle/>
+          <a:p>
+            <a:pPr algn="ctr"/>
+            <a:r>
+              <a:rPr lang="de-DE" sz="1600" b="1" dirty="0">
+                <a:solidFill>
+                  <a:srgbClr val="957FEF"/>
+                </a:solidFill>
+                <a:latin typeface="Courgette" panose="02000603070400060004" pitchFamily="2" charset="0"/>
+                <a:ea typeface="Roboto Light" panose="02000000000000000000" pitchFamily="2" charset="0"/>
+                <a:cs typeface="Courier New" panose="02070309020205020404" pitchFamily="49" charset="0"/>
+              </a:rPr>
+              <a:t>Me-Me</a:t>
+            </a:r>
+          </a:p>
+        </p:txBody>
+      </p:sp>
+      <p:sp>
+        <p:nvSpPr>
+          <p:cNvPr id="21" name="Rechteck 20">
+            <a:extLst>
+              <a:ext uri="{FF2B5EF4-FFF2-40B4-BE49-F238E27FC236}">
+                <a16:creationId xmlns:a16="http://schemas.microsoft.com/office/drawing/2014/main" id="{50EF244D-78DA-45C7-A4EE-7C3B6F8DC983}"/>
+              </a:ext>
+            </a:extLst>
+          </p:cNvPr>
+          <p:cNvSpPr/>
+          <p:nvPr/>
+        </p:nvSpPr>
+        <p:spPr>
+          <a:xfrm>
+            <a:off x="7937241" y="1637521"/>
+            <a:ext cx="2612572" cy="401216"/>
+          </a:xfrm>
+          <a:prstGeom prst="rect">
+            <a:avLst/>
+          </a:prstGeom>
+          <a:noFill/>
+          <a:ln>
+            <a:noFill/>
+          </a:ln>
+        </p:spPr>
+        <p:style>
+          <a:lnRef idx="2">
+            <a:schemeClr val="accent1">
+              <a:shade val="50000"/>
+            </a:schemeClr>
+          </a:lnRef>
+          <a:fillRef idx="1">
+            <a:schemeClr val="accent1"/>
+          </a:fillRef>
+          <a:effectRef idx="0">
+            <a:schemeClr val="accent1"/>
+          </a:effectRef>
+          <a:fontRef idx="minor">
+            <a:schemeClr val="lt1"/>
+          </a:fontRef>
+        </p:style>
+        <p:txBody>
+          <a:bodyPr rtlCol="0" anchor="ctr"/>
+          <a:lstStyle/>
+          <a:p>
+            <a:pPr algn="ctr"/>
+            <a:r>
+              <a:rPr lang="de-DE" sz="2800" b="1" dirty="0">
+                <a:solidFill>
+                  <a:srgbClr val="957FEF"/>
+                </a:solidFill>
+                <a:latin typeface="Courgette" panose="02000603070400060004" pitchFamily="2" charset="0"/>
+                <a:ea typeface="Roboto Light" panose="02000000000000000000" pitchFamily="2" charset="0"/>
+                <a:cs typeface="Courier New" panose="02070309020205020404" pitchFamily="49" charset="0"/>
+              </a:rPr>
+              <a:t>Me-Me</a:t>
+            </a:r>
+          </a:p>
+        </p:txBody>
+      </p:sp>
+      <p:cxnSp>
+        <p:nvCxnSpPr>
+          <p:cNvPr id="24" name="Gerader Verbinder 23">
+            <a:extLst>
+              <a:ext uri="{FF2B5EF4-FFF2-40B4-BE49-F238E27FC236}">
+                <a16:creationId xmlns:a16="http://schemas.microsoft.com/office/drawing/2014/main" id="{1326664B-EB05-43FC-91D1-1A2678A9F094}"/>
+              </a:ext>
+            </a:extLst>
+          </p:cNvPr>
+          <p:cNvCxnSpPr>
+            <a:cxnSpLocks/>
+          </p:cNvCxnSpPr>
+          <p:nvPr/>
+        </p:nvCxnSpPr>
+        <p:spPr>
+          <a:xfrm>
+            <a:off x="1583094" y="6219512"/>
+            <a:ext cx="3688702" cy="0"/>
+          </a:xfrm>
+          <a:prstGeom prst="line">
+            <a:avLst/>
+          </a:prstGeom>
+          <a:ln>
+            <a:solidFill>
+              <a:srgbClr val="A09896"/>
+            </a:solidFill>
+          </a:ln>
+        </p:spPr>
+        <p:style>
+          <a:lnRef idx="1">
+            <a:schemeClr val="accent1"/>
+          </a:lnRef>
+          <a:fillRef idx="0">
+            <a:schemeClr val="accent1"/>
+          </a:fillRef>
+          <a:effectRef idx="0">
+            <a:schemeClr val="accent1"/>
+          </a:effectRef>
+          <a:fontRef idx="minor">
+            <a:schemeClr val="tx1"/>
+          </a:fontRef>
+        </p:style>
+      </p:cxnSp>
+      <p:sp>
+        <p:nvSpPr>
+          <p:cNvPr id="39" name="Rechteck 38">
+            <a:extLst>
+              <a:ext uri="{FF2B5EF4-FFF2-40B4-BE49-F238E27FC236}">
+                <a16:creationId xmlns:a16="http://schemas.microsoft.com/office/drawing/2014/main" id="{1C423719-DB8F-4CF9-A811-01DAC8D82BD0}"/>
+              </a:ext>
+            </a:extLst>
+          </p:cNvPr>
+          <p:cNvSpPr/>
+          <p:nvPr/>
+        </p:nvSpPr>
+        <p:spPr>
+          <a:xfrm>
+            <a:off x="7937241" y="3171853"/>
+            <a:ext cx="2612572" cy="401216"/>
+          </a:xfrm>
+          <a:prstGeom prst="rect">
+            <a:avLst/>
+          </a:prstGeom>
+          <a:noFill/>
+          <a:ln>
+            <a:noFill/>
+          </a:ln>
+        </p:spPr>
+        <p:style>
+          <a:lnRef idx="2">
+            <a:schemeClr val="accent1">
+              <a:shade val="50000"/>
+            </a:schemeClr>
+          </a:lnRef>
+          <a:fillRef idx="1">
+            <a:schemeClr val="accent1"/>
+          </a:fillRef>
+          <a:effectRef idx="0">
+            <a:schemeClr val="accent1"/>
+          </a:effectRef>
+          <a:fontRef idx="minor">
+            <a:schemeClr val="lt1"/>
+          </a:fontRef>
+        </p:style>
+        <p:txBody>
+          <a:bodyPr rtlCol="0" anchor="ctr"/>
+          <a:lstStyle/>
+          <a:p>
+            <a:r>
+              <a:rPr lang="de-DE" dirty="0">
+                <a:solidFill>
+                  <a:srgbClr val="CFCBCA"/>
+                </a:solidFill>
+                <a:latin typeface="Roboto Light" panose="02000000000000000000" pitchFamily="2" charset="0"/>
+                <a:ea typeface="Roboto Light" panose="02000000000000000000" pitchFamily="2" charset="0"/>
+              </a:rPr>
+              <a:t>E-Mail</a:t>
+            </a:r>
+          </a:p>
+        </p:txBody>
+      </p:sp>
+      <p:sp>
+        <p:nvSpPr>
+          <p:cNvPr id="40" name="Rechteck 39">
+            <a:extLst>
+              <a:ext uri="{FF2B5EF4-FFF2-40B4-BE49-F238E27FC236}">
+                <a16:creationId xmlns:a16="http://schemas.microsoft.com/office/drawing/2014/main" id="{581186C2-BC8B-4ED3-8FE3-38CFB9DC1D38}"/>
+              </a:ext>
+            </a:extLst>
+          </p:cNvPr>
+          <p:cNvSpPr/>
+          <p:nvPr/>
+        </p:nvSpPr>
+        <p:spPr>
+          <a:xfrm>
+            <a:off x="7937241" y="3731152"/>
+            <a:ext cx="2612572" cy="401216"/>
+          </a:xfrm>
+          <a:prstGeom prst="rect">
+            <a:avLst/>
+          </a:prstGeom>
+          <a:noFill/>
+          <a:ln>
+            <a:noFill/>
+          </a:ln>
+        </p:spPr>
+        <p:style>
+          <a:lnRef idx="2">
+            <a:schemeClr val="accent1">
+              <a:shade val="50000"/>
+            </a:schemeClr>
+          </a:lnRef>
+          <a:fillRef idx="1">
+            <a:schemeClr val="accent1"/>
+          </a:fillRef>
+          <a:effectRef idx="0">
+            <a:schemeClr val="accent1"/>
+          </a:effectRef>
+          <a:fontRef idx="minor">
+            <a:schemeClr val="lt1"/>
+          </a:fontRef>
+        </p:style>
+        <p:txBody>
+          <a:bodyPr rtlCol="0" anchor="ctr"/>
+          <a:lstStyle/>
+          <a:p>
+            <a:r>
+              <a:rPr lang="de-DE" dirty="0">
+                <a:solidFill>
+                  <a:srgbClr val="CFCBCA"/>
+                </a:solidFill>
+                <a:latin typeface="Roboto Light" panose="02000000000000000000" pitchFamily="2" charset="0"/>
+                <a:ea typeface="Roboto Light" panose="02000000000000000000" pitchFamily="2" charset="0"/>
+              </a:rPr>
+              <a:t>Passwort</a:t>
+            </a:r>
+          </a:p>
+        </p:txBody>
+      </p:sp>
+      <p:cxnSp>
+        <p:nvCxnSpPr>
+          <p:cNvPr id="41" name="Gerader Verbinder 40">
+            <a:extLst>
+              <a:ext uri="{FF2B5EF4-FFF2-40B4-BE49-F238E27FC236}">
+                <a16:creationId xmlns:a16="http://schemas.microsoft.com/office/drawing/2014/main" id="{A6976D00-A859-4A1D-92D5-8A2276F20D7A}"/>
+              </a:ext>
+            </a:extLst>
+          </p:cNvPr>
+          <p:cNvCxnSpPr/>
+          <p:nvPr/>
+        </p:nvCxnSpPr>
+        <p:spPr>
+          <a:xfrm>
+            <a:off x="7937241" y="3573069"/>
+            <a:ext cx="2612572" cy="0"/>
+          </a:xfrm>
+          <a:prstGeom prst="line">
+            <a:avLst/>
+          </a:prstGeom>
+          <a:ln>
+            <a:solidFill>
+              <a:srgbClr val="CFCBCA"/>
+            </a:solidFill>
+          </a:ln>
+        </p:spPr>
+        <p:style>
+          <a:lnRef idx="1">
+            <a:schemeClr val="accent1"/>
+          </a:lnRef>
+          <a:fillRef idx="0">
+            <a:schemeClr val="accent1"/>
+          </a:fillRef>
+          <a:effectRef idx="0">
+            <a:schemeClr val="accent1"/>
+          </a:effectRef>
+          <a:fontRef idx="minor">
+            <a:schemeClr val="tx1"/>
+          </a:fontRef>
+        </p:style>
+      </p:cxnSp>
+      <p:cxnSp>
+        <p:nvCxnSpPr>
+          <p:cNvPr id="42" name="Gerader Verbinder 41">
+            <a:extLst>
+              <a:ext uri="{FF2B5EF4-FFF2-40B4-BE49-F238E27FC236}">
+                <a16:creationId xmlns:a16="http://schemas.microsoft.com/office/drawing/2014/main" id="{870C0A11-D801-4027-9B1C-5D5F60EB8346}"/>
+              </a:ext>
+            </a:extLst>
+          </p:cNvPr>
+          <p:cNvCxnSpPr/>
+          <p:nvPr/>
+        </p:nvCxnSpPr>
+        <p:spPr>
+          <a:xfrm>
+            <a:off x="7937241" y="4132368"/>
+            <a:ext cx="2612572" cy="0"/>
+          </a:xfrm>
+          <a:prstGeom prst="line">
+            <a:avLst/>
+          </a:prstGeom>
+          <a:ln>
+            <a:solidFill>
+              <a:srgbClr val="CFCBCA"/>
+            </a:solidFill>
+          </a:ln>
+        </p:spPr>
+        <p:style>
+          <a:lnRef idx="1">
+            <a:schemeClr val="accent1"/>
+          </a:lnRef>
+          <a:fillRef idx="0">
+            <a:schemeClr val="accent1"/>
+          </a:fillRef>
+          <a:effectRef idx="0">
+            <a:schemeClr val="accent1"/>
+          </a:effectRef>
+          <a:fontRef idx="minor">
+            <a:schemeClr val="tx1"/>
+          </a:fontRef>
+        </p:style>
+      </p:cxnSp>
+      <p:sp>
+        <p:nvSpPr>
+          <p:cNvPr id="43" name="Rechteck 42">
+            <a:extLst>
+              <a:ext uri="{FF2B5EF4-FFF2-40B4-BE49-F238E27FC236}">
+                <a16:creationId xmlns:a16="http://schemas.microsoft.com/office/drawing/2014/main" id="{DBE0FE50-C2B6-476A-AD87-2E07E8D0472A}"/>
+              </a:ext>
+            </a:extLst>
+          </p:cNvPr>
+          <p:cNvSpPr/>
+          <p:nvPr/>
+        </p:nvSpPr>
+        <p:spPr>
+          <a:xfrm>
+            <a:off x="7937241" y="5124626"/>
+            <a:ext cx="2612572" cy="401216"/>
+          </a:xfrm>
+          <a:prstGeom prst="rect">
+            <a:avLst/>
+          </a:prstGeom>
+          <a:solidFill>
+            <a:srgbClr val="68A4D9"/>
+          </a:solidFill>
+          <a:ln>
+            <a:noFill/>
+          </a:ln>
+        </p:spPr>
+        <p:style>
+          <a:lnRef idx="2">
+            <a:schemeClr val="accent1">
+              <a:shade val="50000"/>
+            </a:schemeClr>
+          </a:lnRef>
+          <a:fillRef idx="1">
+            <a:schemeClr val="accent1"/>
+          </a:fillRef>
+          <a:effectRef idx="0">
+            <a:schemeClr val="accent1"/>
+          </a:effectRef>
+          <a:fontRef idx="minor">
+            <a:schemeClr val="lt1"/>
+          </a:fontRef>
+        </p:style>
+        <p:txBody>
+          <a:bodyPr rtlCol="0" anchor="ctr"/>
+          <a:lstStyle/>
+          <a:p>
+            <a:pPr algn="ctr"/>
+            <a:r>
+              <a:rPr lang="de-DE" dirty="0">
+                <a:solidFill>
+                  <a:srgbClr val="1F1F1F"/>
+                </a:solidFill>
+                <a:latin typeface="Roboto Light" panose="02000000000000000000" pitchFamily="2" charset="0"/>
+                <a:ea typeface="Roboto Light" panose="02000000000000000000" pitchFamily="2" charset="0"/>
+              </a:rPr>
+              <a:t>Registrieren</a:t>
+            </a:r>
+          </a:p>
+        </p:txBody>
+      </p:sp>
+      <p:sp>
+        <p:nvSpPr>
+          <p:cNvPr id="44" name="Rechteck 43">
+            <a:extLst>
+              <a:ext uri="{FF2B5EF4-FFF2-40B4-BE49-F238E27FC236}">
+                <a16:creationId xmlns:a16="http://schemas.microsoft.com/office/drawing/2014/main" id="{CA4E9F63-D92B-49FC-BA00-24FA2A4D7382}"/>
+              </a:ext>
+            </a:extLst>
+          </p:cNvPr>
+          <p:cNvSpPr/>
+          <p:nvPr/>
+        </p:nvSpPr>
+        <p:spPr>
+          <a:xfrm>
+            <a:off x="7937241" y="5818296"/>
+            <a:ext cx="2612572" cy="401216"/>
+          </a:xfrm>
+          <a:prstGeom prst="rect">
+            <a:avLst/>
+          </a:prstGeom>
+          <a:noFill/>
+          <a:ln>
+            <a:noFill/>
+          </a:ln>
+        </p:spPr>
+        <p:style>
+          <a:lnRef idx="2">
+            <a:schemeClr val="accent1">
+              <a:shade val="50000"/>
+            </a:schemeClr>
+          </a:lnRef>
+          <a:fillRef idx="1">
+            <a:schemeClr val="accent1"/>
+          </a:fillRef>
+          <a:effectRef idx="0">
+            <a:schemeClr val="accent1"/>
+          </a:effectRef>
+          <a:fontRef idx="minor">
+            <a:schemeClr val="lt1"/>
+          </a:fontRef>
+        </p:style>
+        <p:txBody>
+          <a:bodyPr rtlCol="0" anchor="ctr"/>
+          <a:lstStyle/>
+          <a:p>
+            <a:pPr algn="ctr"/>
+            <a:r>
+              <a:rPr lang="de-DE" sz="1200" dirty="0">
+                <a:solidFill>
+                  <a:srgbClr val="CFCBCA"/>
+                </a:solidFill>
+                <a:latin typeface="Roboto Light" panose="02000000000000000000" pitchFamily="2" charset="0"/>
+                <a:ea typeface="Roboto Light" panose="02000000000000000000" pitchFamily="2" charset="0"/>
+              </a:rPr>
+              <a:t>Bereits ein Konto? </a:t>
+            </a:r>
+            <a:r>
+              <a:rPr lang="de-DE" sz="1200" u="sng" dirty="0">
+                <a:solidFill>
+                  <a:srgbClr val="957FEF"/>
+                </a:solidFill>
+                <a:latin typeface="Roboto Light" panose="02000000000000000000" pitchFamily="2" charset="0"/>
+                <a:ea typeface="Roboto Light" panose="02000000000000000000" pitchFamily="2" charset="0"/>
+              </a:rPr>
+              <a:t>Hier Einloggen</a:t>
+            </a:r>
+          </a:p>
+        </p:txBody>
+      </p:sp>
+      <p:cxnSp>
+        <p:nvCxnSpPr>
+          <p:cNvPr id="45" name="Gerader Verbinder 44">
+            <a:extLst>
+              <a:ext uri="{FF2B5EF4-FFF2-40B4-BE49-F238E27FC236}">
+                <a16:creationId xmlns:a16="http://schemas.microsoft.com/office/drawing/2014/main" id="{DE13B630-D41E-4AF8-A937-9DEFC498924E}"/>
+              </a:ext>
+            </a:extLst>
+          </p:cNvPr>
+          <p:cNvCxnSpPr>
+            <a:cxnSpLocks/>
+          </p:cNvCxnSpPr>
+          <p:nvPr/>
+        </p:nvCxnSpPr>
+        <p:spPr>
+          <a:xfrm>
+            <a:off x="7937241" y="5780398"/>
+            <a:ext cx="2612572" cy="0"/>
+          </a:xfrm>
+          <a:prstGeom prst="line">
+            <a:avLst/>
+          </a:prstGeom>
+          <a:ln>
+            <a:solidFill>
+              <a:srgbClr val="A09896"/>
+            </a:solidFill>
+          </a:ln>
+        </p:spPr>
+        <p:style>
+          <a:lnRef idx="1">
+            <a:schemeClr val="accent1"/>
+          </a:lnRef>
+          <a:fillRef idx="0">
+            <a:schemeClr val="accent1"/>
+          </a:fillRef>
+          <a:effectRef idx="0">
+            <a:schemeClr val="accent1"/>
+          </a:effectRef>
+          <a:fontRef idx="minor">
+            <a:schemeClr val="tx1"/>
+          </a:fontRef>
+        </p:style>
+      </p:cxnSp>
+      <p:sp>
+        <p:nvSpPr>
+          <p:cNvPr id="46" name="Rechteck 45">
+            <a:extLst>
+              <a:ext uri="{FF2B5EF4-FFF2-40B4-BE49-F238E27FC236}">
+                <a16:creationId xmlns:a16="http://schemas.microsoft.com/office/drawing/2014/main" id="{FCBD85D5-44A9-40F3-B1C1-A2C6023BF9F6}"/>
+              </a:ext>
+            </a:extLst>
+          </p:cNvPr>
+          <p:cNvSpPr/>
+          <p:nvPr/>
+        </p:nvSpPr>
+        <p:spPr>
+          <a:xfrm>
+            <a:off x="7937241" y="4300782"/>
+            <a:ext cx="2612572" cy="401216"/>
+          </a:xfrm>
+          <a:prstGeom prst="rect">
+            <a:avLst/>
+          </a:prstGeom>
+          <a:noFill/>
+          <a:ln>
+            <a:noFill/>
+          </a:ln>
+        </p:spPr>
+        <p:style>
+          <a:lnRef idx="2">
+            <a:schemeClr val="accent1">
+              <a:shade val="50000"/>
+            </a:schemeClr>
+          </a:lnRef>
+          <a:fillRef idx="1">
+            <a:schemeClr val="accent1"/>
+          </a:fillRef>
+          <a:effectRef idx="0">
+            <a:schemeClr val="accent1"/>
+          </a:effectRef>
+          <a:fontRef idx="minor">
+            <a:schemeClr val="lt1"/>
+          </a:fontRef>
+        </p:style>
+        <p:txBody>
+          <a:bodyPr rtlCol="0" anchor="ctr"/>
+          <a:lstStyle/>
+          <a:p>
+            <a:r>
+              <a:rPr lang="de-DE" dirty="0">
+                <a:solidFill>
+                  <a:srgbClr val="CFCBCA"/>
+                </a:solidFill>
+                <a:latin typeface="Roboto Light" panose="02000000000000000000" pitchFamily="2" charset="0"/>
+                <a:ea typeface="Roboto Light" panose="02000000000000000000" pitchFamily="2" charset="0"/>
+              </a:rPr>
+              <a:t>Passwort</a:t>
+            </a:r>
+          </a:p>
+        </p:txBody>
+      </p:sp>
+      <p:cxnSp>
+        <p:nvCxnSpPr>
+          <p:cNvPr id="47" name="Gerader Verbinder 46">
+            <a:extLst>
+              <a:ext uri="{FF2B5EF4-FFF2-40B4-BE49-F238E27FC236}">
+                <a16:creationId xmlns:a16="http://schemas.microsoft.com/office/drawing/2014/main" id="{7C38DE02-9D4D-43B7-B28D-A528451FDCA9}"/>
+              </a:ext>
+            </a:extLst>
+          </p:cNvPr>
+          <p:cNvCxnSpPr/>
+          <p:nvPr/>
+        </p:nvCxnSpPr>
+        <p:spPr>
+          <a:xfrm>
+            <a:off x="7937241" y="4701998"/>
+            <a:ext cx="2612572" cy="0"/>
+          </a:xfrm>
+          <a:prstGeom prst="line">
+            <a:avLst/>
+          </a:prstGeom>
+          <a:ln>
+            <a:solidFill>
+              <a:srgbClr val="CFCBCA"/>
+            </a:solidFill>
+          </a:ln>
+        </p:spPr>
+        <p:style>
+          <a:lnRef idx="1">
+            <a:schemeClr val="accent1"/>
+          </a:lnRef>
+          <a:fillRef idx="0">
+            <a:schemeClr val="accent1"/>
+          </a:fillRef>
+          <a:effectRef idx="0">
+            <a:schemeClr val="accent1"/>
+          </a:effectRef>
+          <a:fontRef idx="minor">
+            <a:schemeClr val="tx1"/>
+          </a:fontRef>
+        </p:style>
+      </p:cxnSp>
+      <p:sp>
+        <p:nvSpPr>
+          <p:cNvPr id="48" name="Rechteck 47">
+            <a:extLst>
+              <a:ext uri="{FF2B5EF4-FFF2-40B4-BE49-F238E27FC236}">
+                <a16:creationId xmlns:a16="http://schemas.microsoft.com/office/drawing/2014/main" id="{132C8033-32CA-425B-9045-8991F3161CCF}"/>
+              </a:ext>
+            </a:extLst>
+          </p:cNvPr>
+          <p:cNvSpPr/>
+          <p:nvPr/>
+        </p:nvSpPr>
+        <p:spPr>
+          <a:xfrm>
+            <a:off x="7937241" y="2626568"/>
+            <a:ext cx="2612572" cy="401216"/>
+          </a:xfrm>
+          <a:prstGeom prst="rect">
+            <a:avLst/>
+          </a:prstGeom>
+          <a:noFill/>
+          <a:ln>
+            <a:noFill/>
+          </a:ln>
+        </p:spPr>
+        <p:style>
+          <a:lnRef idx="2">
+            <a:schemeClr val="accent1">
+              <a:shade val="50000"/>
+            </a:schemeClr>
+          </a:lnRef>
+          <a:fillRef idx="1">
+            <a:schemeClr val="accent1"/>
+          </a:fillRef>
+          <a:effectRef idx="0">
+            <a:schemeClr val="accent1"/>
+          </a:effectRef>
+          <a:fontRef idx="minor">
+            <a:schemeClr val="lt1"/>
+          </a:fontRef>
+        </p:style>
+        <p:txBody>
+          <a:bodyPr rtlCol="0" anchor="ctr"/>
+          <a:lstStyle/>
+          <a:p>
+            <a:r>
+              <a:rPr lang="de-DE" dirty="0">
+                <a:solidFill>
+                  <a:srgbClr val="CFCBCA"/>
+                </a:solidFill>
+                <a:latin typeface="Roboto Light" panose="02000000000000000000" pitchFamily="2" charset="0"/>
+                <a:ea typeface="Roboto Light" panose="02000000000000000000" pitchFamily="2" charset="0"/>
+              </a:rPr>
+              <a:t>senfi13</a:t>
+            </a:r>
+          </a:p>
+        </p:txBody>
+      </p:sp>
+      <p:cxnSp>
+        <p:nvCxnSpPr>
+          <p:cNvPr id="49" name="Gerader Verbinder 48">
+            <a:extLst>
+              <a:ext uri="{FF2B5EF4-FFF2-40B4-BE49-F238E27FC236}">
+                <a16:creationId xmlns:a16="http://schemas.microsoft.com/office/drawing/2014/main" id="{F4CA0112-FA3F-4B53-BD71-2756B66E1090}"/>
+              </a:ext>
+            </a:extLst>
+          </p:cNvPr>
+          <p:cNvCxnSpPr/>
+          <p:nvPr/>
+        </p:nvCxnSpPr>
+        <p:spPr>
+          <a:xfrm>
+            <a:off x="7937241" y="3027784"/>
+            <a:ext cx="2612572" cy="0"/>
+          </a:xfrm>
+          <a:prstGeom prst="line">
+            <a:avLst/>
+          </a:prstGeom>
+          <a:ln>
+            <a:solidFill>
+              <a:srgbClr val="957FEF"/>
+            </a:solidFill>
+          </a:ln>
+        </p:spPr>
+        <p:style>
+          <a:lnRef idx="1">
+            <a:schemeClr val="accent1"/>
+          </a:lnRef>
+          <a:fillRef idx="0">
+            <a:schemeClr val="accent1"/>
+          </a:fillRef>
+          <a:effectRef idx="0">
+            <a:schemeClr val="accent1"/>
+          </a:effectRef>
+          <a:fontRef idx="minor">
+            <a:schemeClr val="tx1"/>
+          </a:fontRef>
+        </p:style>
+      </p:cxnSp>
+      <p:sp>
+        <p:nvSpPr>
+          <p:cNvPr id="50" name="Rechteck 49">
+            <a:extLst>
+              <a:ext uri="{FF2B5EF4-FFF2-40B4-BE49-F238E27FC236}">
+                <a16:creationId xmlns:a16="http://schemas.microsoft.com/office/drawing/2014/main" id="{0C7A99C6-0709-4FD7-8D49-59342EE3BEA5}"/>
+              </a:ext>
+            </a:extLst>
+          </p:cNvPr>
+          <p:cNvSpPr/>
+          <p:nvPr/>
+        </p:nvSpPr>
+        <p:spPr>
+          <a:xfrm>
+            <a:off x="7937241" y="2239345"/>
+            <a:ext cx="2612572" cy="401216"/>
+          </a:xfrm>
+          <a:prstGeom prst="rect">
+            <a:avLst/>
+          </a:prstGeom>
+          <a:noFill/>
+          <a:ln>
+            <a:noFill/>
+          </a:ln>
+        </p:spPr>
+        <p:style>
+          <a:lnRef idx="2">
+            <a:schemeClr val="accent1">
+              <a:shade val="50000"/>
+            </a:schemeClr>
+          </a:lnRef>
+          <a:fillRef idx="1">
+            <a:schemeClr val="accent1"/>
+          </a:fillRef>
+          <a:effectRef idx="0">
+            <a:schemeClr val="accent1"/>
+          </a:effectRef>
+          <a:fontRef idx="minor">
+            <a:schemeClr val="lt1"/>
+          </a:fontRef>
+        </p:style>
+        <p:txBody>
+          <a:bodyPr rtlCol="0" anchor="ctr"/>
+          <a:lstStyle/>
+          <a:p>
+            <a:r>
+              <a:rPr lang="de-DE" sz="1200" dirty="0">
+                <a:solidFill>
+                  <a:srgbClr val="957FEF"/>
+                </a:solidFill>
+                <a:latin typeface="Roboto Light" panose="02000000000000000000" pitchFamily="2" charset="0"/>
+                <a:ea typeface="Roboto Light" panose="02000000000000000000" pitchFamily="2" charset="0"/>
+              </a:rPr>
+              <a:t>Benutzername</a:t>
+            </a:r>
+          </a:p>
+        </p:txBody>
+      </p:sp>
+      <p:sp>
+        <p:nvSpPr>
+          <p:cNvPr id="28" name="Rechteck 27">
+            <a:extLst>
+              <a:ext uri="{FF2B5EF4-FFF2-40B4-BE49-F238E27FC236}">
+                <a16:creationId xmlns:a16="http://schemas.microsoft.com/office/drawing/2014/main" id="{5D9C3C0D-CF43-465F-83CE-829BD5B2BA7A}"/>
+              </a:ext>
+            </a:extLst>
+          </p:cNvPr>
+          <p:cNvSpPr/>
+          <p:nvPr/>
+        </p:nvSpPr>
+        <p:spPr>
+          <a:xfrm>
+            <a:off x="1583092" y="6219512"/>
+            <a:ext cx="3688703" cy="643090"/>
+          </a:xfrm>
+          <a:prstGeom prst="rect">
+            <a:avLst/>
+          </a:prstGeom>
+          <a:solidFill>
+            <a:srgbClr val="1F1F1F"/>
+          </a:solidFill>
+          <a:ln>
+            <a:solidFill>
+              <a:srgbClr val="3D3D3D"/>
+            </a:solidFill>
+          </a:ln>
+        </p:spPr>
+        <p:style>
+          <a:lnRef idx="2">
+            <a:schemeClr val="accent1">
+              <a:shade val="50000"/>
+            </a:schemeClr>
+          </a:lnRef>
+          <a:fillRef idx="1">
+            <a:schemeClr val="accent1"/>
+          </a:fillRef>
+          <a:effectRef idx="0">
+            <a:schemeClr val="accent1"/>
+          </a:effectRef>
+          <a:fontRef idx="minor">
+            <a:schemeClr val="lt1"/>
+          </a:fontRef>
+        </p:style>
+        <p:txBody>
+          <a:bodyPr rtlCol="0" anchor="ctr"/>
+          <a:lstStyle/>
+          <a:p>
+            <a:pPr algn="ctr"/>
+            <a:endParaRPr lang="de-DE"/>
+          </a:p>
+        </p:txBody>
+      </p:sp>
+      <p:pic>
+        <p:nvPicPr>
+          <p:cNvPr id="5" name="Grafik 4" descr="Kamera mit einfarbiger Füllung">
+            <a:extLst>
+              <a:ext uri="{FF2B5EF4-FFF2-40B4-BE49-F238E27FC236}">
+                <a16:creationId xmlns:a16="http://schemas.microsoft.com/office/drawing/2014/main" id="{4AEA7553-8EF0-4CAF-8113-0A163F62F216}"/>
+              </a:ext>
+            </a:extLst>
+          </p:cNvPr>
+          <p:cNvPicPr>
+            <a:picLocks noChangeAspect="1"/>
+          </p:cNvPicPr>
+          <p:nvPr/>
+        </p:nvPicPr>
+        <p:blipFill>
+          <a:blip r:embed="rId4">
+            <a:extLst>
+              <a:ext uri="{28A0092B-C50C-407E-A947-70E740481C1C}">
+                <a14:useLocalDpi xmlns:a14="http://schemas.microsoft.com/office/drawing/2010/main" val="0"/>
+              </a:ext>
+              <a:ext uri="{96DAC541-7B7A-43D3-8B79-37D633B846F1}">
+                <asvg:svgBlip xmlns:asvg="http://schemas.microsoft.com/office/drawing/2016/SVG/main" r:embed="rId5"/>
+              </a:ext>
+            </a:extLst>
+          </a:blip>
+          <a:stretch>
+            <a:fillRect/>
+          </a:stretch>
+        </p:blipFill>
+        <p:spPr>
+          <a:xfrm>
+            <a:off x="3151561" y="6231473"/>
+            <a:ext cx="545542" cy="545542"/>
+          </a:xfrm>
+          <a:prstGeom prst="rect">
+            <a:avLst/>
+          </a:prstGeom>
+        </p:spPr>
+      </p:pic>
+      <p:pic>
+        <p:nvPicPr>
+          <p:cNvPr id="10" name="Grafik 9" descr="Hinzufügen mit einfarbiger Füllung">
+            <a:extLst>
+              <a:ext uri="{FF2B5EF4-FFF2-40B4-BE49-F238E27FC236}">
+                <a16:creationId xmlns:a16="http://schemas.microsoft.com/office/drawing/2014/main" id="{02C4CB7D-8A65-45DD-BD20-F327D6F888F5}"/>
+              </a:ext>
+            </a:extLst>
+          </p:cNvPr>
+          <p:cNvPicPr>
+            <a:picLocks noChangeAspect="1"/>
+          </p:cNvPicPr>
+          <p:nvPr/>
+        </p:nvPicPr>
+        <p:blipFill>
+          <a:blip r:embed="rId6">
+            <a:extLst>
+              <a:ext uri="{28A0092B-C50C-407E-A947-70E740481C1C}">
+                <a14:useLocalDpi xmlns:a14="http://schemas.microsoft.com/office/drawing/2010/main" val="0"/>
+              </a:ext>
+              <a:ext uri="{96DAC541-7B7A-43D3-8B79-37D633B846F1}">
+                <asvg:svgBlip xmlns:asvg="http://schemas.microsoft.com/office/drawing/2016/SVG/main" r:embed="rId7"/>
+              </a:ext>
+            </a:extLst>
+          </a:blip>
+          <a:stretch>
+            <a:fillRect/>
+          </a:stretch>
+        </p:blipFill>
+        <p:spPr>
+          <a:xfrm>
+            <a:off x="1676178" y="6319815"/>
+            <a:ext cx="444981" cy="444981"/>
+          </a:xfrm>
+          <a:prstGeom prst="rect">
+            <a:avLst/>
+          </a:prstGeom>
+        </p:spPr>
+      </p:pic>
+      <p:pic>
+        <p:nvPicPr>
+          <p:cNvPr id="19" name="Grafik 18" descr="Fragen mit einfarbiger Füllung">
+            <a:extLst>
+              <a:ext uri="{FF2B5EF4-FFF2-40B4-BE49-F238E27FC236}">
+                <a16:creationId xmlns:a16="http://schemas.microsoft.com/office/drawing/2014/main" id="{A593DA44-60E0-465B-8389-87E4E58FE90D}"/>
+              </a:ext>
+            </a:extLst>
+          </p:cNvPr>
+          <p:cNvPicPr>
+            <a:picLocks noChangeAspect="1"/>
+          </p:cNvPicPr>
+          <p:nvPr/>
+        </p:nvPicPr>
+        <p:blipFill>
+          <a:blip r:embed="rId8">
+            <a:extLst>
+              <a:ext uri="{28A0092B-C50C-407E-A947-70E740481C1C}">
+                <a14:useLocalDpi xmlns:a14="http://schemas.microsoft.com/office/drawing/2010/main" val="0"/>
+              </a:ext>
+              <a:ext uri="{96DAC541-7B7A-43D3-8B79-37D633B846F1}">
+                <asvg:svgBlip xmlns:asvg="http://schemas.microsoft.com/office/drawing/2016/SVG/main" r:embed="rId9"/>
+              </a:ext>
+            </a:extLst>
+          </a:blip>
+          <a:stretch>
+            <a:fillRect/>
+          </a:stretch>
+        </p:blipFill>
+        <p:spPr>
+          <a:xfrm>
+            <a:off x="2287556" y="6319815"/>
+            <a:ext cx="457200" cy="457200"/>
+          </a:xfrm>
+          <a:prstGeom prst="rect">
+            <a:avLst/>
+          </a:prstGeom>
+        </p:spPr>
+      </p:pic>
+      <p:pic>
+        <p:nvPicPr>
+          <p:cNvPr id="23" name="Grafik 22" descr="Chatblase mit einfarbiger Füllung">
+            <a:extLst>
+              <a:ext uri="{FF2B5EF4-FFF2-40B4-BE49-F238E27FC236}">
+                <a16:creationId xmlns:a16="http://schemas.microsoft.com/office/drawing/2014/main" id="{D729DD16-EE7C-490E-BF0B-339B8BBD32B1}"/>
+              </a:ext>
+            </a:extLst>
+          </p:cNvPr>
+          <p:cNvPicPr>
+            <a:picLocks noChangeAspect="1"/>
+          </p:cNvPicPr>
+          <p:nvPr/>
+        </p:nvPicPr>
+        <p:blipFill>
+          <a:blip r:embed="rId10">
+            <a:extLst>
+              <a:ext uri="{28A0092B-C50C-407E-A947-70E740481C1C}">
+                <a14:useLocalDpi xmlns:a14="http://schemas.microsoft.com/office/drawing/2010/main" val="0"/>
+              </a:ext>
+              <a:ext uri="{96DAC541-7B7A-43D3-8B79-37D633B846F1}">
+                <asvg:svgBlip xmlns:asvg="http://schemas.microsoft.com/office/drawing/2016/SVG/main" r:embed="rId11"/>
+              </a:ext>
+            </a:extLst>
+          </a:blip>
+          <a:stretch>
+            <a:fillRect/>
+          </a:stretch>
+        </p:blipFill>
+        <p:spPr>
+          <a:xfrm>
+            <a:off x="4669882" y="0"/>
+            <a:ext cx="577691" cy="577691"/>
+          </a:xfrm>
+          <a:prstGeom prst="rect">
+            <a:avLst/>
+          </a:prstGeom>
+        </p:spPr>
+      </p:pic>
+      <p:pic>
+        <p:nvPicPr>
+          <p:cNvPr id="30" name="Grafik 29" descr="Lupe mit einfarbiger Füllung">
+            <a:extLst>
+              <a:ext uri="{FF2B5EF4-FFF2-40B4-BE49-F238E27FC236}">
+                <a16:creationId xmlns:a16="http://schemas.microsoft.com/office/drawing/2014/main" id="{BFE60B88-D9D2-4039-A3D9-E8881CBD2BDA}"/>
+              </a:ext>
+            </a:extLst>
+          </p:cNvPr>
+          <p:cNvPicPr>
+            <a:picLocks noChangeAspect="1"/>
+          </p:cNvPicPr>
+          <p:nvPr/>
+        </p:nvPicPr>
+        <p:blipFill>
+          <a:blip r:embed="rId12">
+            <a:extLst>
+              <a:ext uri="{28A0092B-C50C-407E-A947-70E740481C1C}">
+                <a14:useLocalDpi xmlns:a14="http://schemas.microsoft.com/office/drawing/2010/main" val="0"/>
+              </a:ext>
+              <a:ext uri="{96DAC541-7B7A-43D3-8B79-37D633B846F1}">
+                <asvg:svgBlip xmlns:asvg="http://schemas.microsoft.com/office/drawing/2016/SVG/main" r:embed="rId13"/>
+              </a:ext>
+            </a:extLst>
+          </a:blip>
+          <a:stretch>
+            <a:fillRect/>
+          </a:stretch>
+        </p:blipFill>
+        <p:spPr>
+          <a:xfrm>
+            <a:off x="4047929" y="6312457"/>
+            <a:ext cx="457200" cy="457200"/>
+          </a:xfrm>
+          <a:prstGeom prst="rect">
+            <a:avLst/>
+          </a:prstGeom>
+        </p:spPr>
+      </p:pic>
+      <p:pic>
+        <p:nvPicPr>
+          <p:cNvPr id="3" name="Grafik 2" descr="Zahnrad mit einfarbiger Füllung">
+            <a:extLst>
+              <a:ext uri="{FF2B5EF4-FFF2-40B4-BE49-F238E27FC236}">
+                <a16:creationId xmlns:a16="http://schemas.microsoft.com/office/drawing/2014/main" id="{B99F030E-7134-47EB-8C4A-9BD383635DB4}"/>
+              </a:ext>
+            </a:extLst>
+          </p:cNvPr>
+          <p:cNvPicPr>
+            <a:picLocks noChangeAspect="1"/>
+          </p:cNvPicPr>
+          <p:nvPr/>
+        </p:nvPicPr>
+        <p:blipFill>
+          <a:blip r:embed="rId14">
+            <a:extLst>
+              <a:ext uri="{28A0092B-C50C-407E-A947-70E740481C1C}">
+                <a14:useLocalDpi xmlns:a14="http://schemas.microsoft.com/office/drawing/2010/main" val="0"/>
+              </a:ext>
+              <a:ext uri="{96DAC541-7B7A-43D3-8B79-37D633B846F1}">
+                <asvg:svgBlip xmlns:asvg="http://schemas.microsoft.com/office/drawing/2016/SVG/main" r:embed="rId15"/>
+              </a:ext>
+            </a:extLst>
+          </a:blip>
+          <a:stretch>
+            <a:fillRect/>
+          </a:stretch>
+        </p:blipFill>
+        <p:spPr>
+          <a:xfrm>
+            <a:off x="4628706" y="6215357"/>
+            <a:ext cx="643090" cy="643090"/>
+          </a:xfrm>
+          <a:prstGeom prst="rect">
+            <a:avLst/>
+          </a:prstGeom>
+        </p:spPr>
+      </p:pic>
+      <p:sp>
+        <p:nvSpPr>
+          <p:cNvPr id="6" name="Ellipse 5">
+            <a:extLst>
+              <a:ext uri="{FF2B5EF4-FFF2-40B4-BE49-F238E27FC236}">
+                <a16:creationId xmlns:a16="http://schemas.microsoft.com/office/drawing/2014/main" id="{C26971A3-09B2-42CF-9E8F-866C8616055D}"/>
+              </a:ext>
+            </a:extLst>
+          </p:cNvPr>
+          <p:cNvSpPr/>
+          <p:nvPr/>
+        </p:nvSpPr>
+        <p:spPr>
+          <a:xfrm>
+            <a:off x="1898668" y="1077686"/>
+            <a:ext cx="720000" cy="720000"/>
+          </a:xfrm>
+          <a:prstGeom prst="ellipse">
+            <a:avLst/>
+          </a:prstGeom>
+          <a:noFill/>
+          <a:ln>
+            <a:solidFill>
+              <a:srgbClr val="957FEF"/>
+            </a:solidFill>
+          </a:ln>
+        </p:spPr>
+        <p:style>
+          <a:lnRef idx="2">
+            <a:schemeClr val="accent1">
+              <a:shade val="50000"/>
+            </a:schemeClr>
+          </a:lnRef>
+          <a:fillRef idx="1">
+            <a:schemeClr val="accent1"/>
+          </a:fillRef>
+          <a:effectRef idx="0">
+            <a:schemeClr val="accent1"/>
+          </a:effectRef>
+          <a:fontRef idx="minor">
+            <a:schemeClr val="lt1"/>
+          </a:fontRef>
+        </p:style>
+        <p:txBody>
+          <a:bodyPr rtlCol="0" anchor="ctr"/>
+          <a:lstStyle/>
+          <a:p>
+            <a:pPr algn="ctr"/>
+            <a:endParaRPr lang="de-DE"/>
+          </a:p>
+        </p:txBody>
+      </p:sp>
+      <p:pic>
+        <p:nvPicPr>
+          <p:cNvPr id="8" name="Grafik 7" descr="Engelsgesichtskontur mit einfarbiger Füllung">
+            <a:extLst>
+              <a:ext uri="{FF2B5EF4-FFF2-40B4-BE49-F238E27FC236}">
+                <a16:creationId xmlns:a16="http://schemas.microsoft.com/office/drawing/2014/main" id="{9C0EEF99-A1CF-4856-9D4C-BCBF0853BD29}"/>
+              </a:ext>
+            </a:extLst>
+          </p:cNvPr>
+          <p:cNvPicPr>
+            <a:picLocks noChangeAspect="1"/>
+          </p:cNvPicPr>
+          <p:nvPr/>
+        </p:nvPicPr>
+        <p:blipFill>
+          <a:blip r:embed="rId16">
+            <a:extLst>
+              <a:ext uri="{28A0092B-C50C-407E-A947-70E740481C1C}">
+                <a14:useLocalDpi xmlns:a14="http://schemas.microsoft.com/office/drawing/2010/main" val="0"/>
+              </a:ext>
+              <a:ext uri="{96DAC541-7B7A-43D3-8B79-37D633B846F1}">
+                <asvg:svgBlip xmlns:asvg="http://schemas.microsoft.com/office/drawing/2016/SVG/main" r:embed="rId17"/>
+              </a:ext>
+            </a:extLst>
+          </a:blip>
+          <a:stretch>
+            <a:fillRect/>
+          </a:stretch>
+        </p:blipFill>
+        <p:spPr>
+          <a:xfrm>
+            <a:off x="1948425" y="1127443"/>
+            <a:ext cx="620486" cy="620486"/>
+          </a:xfrm>
+          <a:prstGeom prst="rect">
+            <a:avLst/>
+          </a:prstGeom>
+        </p:spPr>
+      </p:pic>
+      <p:sp>
+        <p:nvSpPr>
+          <p:cNvPr id="33" name="Rechteck 32">
+            <a:extLst>
+              <a:ext uri="{FF2B5EF4-FFF2-40B4-BE49-F238E27FC236}">
+                <a16:creationId xmlns:a16="http://schemas.microsoft.com/office/drawing/2014/main" id="{4B019EF9-B9EB-46D1-966B-186947B78C02}"/>
+              </a:ext>
+            </a:extLst>
+          </p:cNvPr>
+          <p:cNvSpPr/>
+          <p:nvPr/>
+        </p:nvSpPr>
+        <p:spPr>
+          <a:xfrm>
+            <a:off x="2830950" y="1237078"/>
+            <a:ext cx="1581282" cy="401216"/>
+          </a:xfrm>
+          <a:prstGeom prst="rect">
+            <a:avLst/>
+          </a:prstGeom>
+          <a:noFill/>
+          <a:ln>
+            <a:noFill/>
+          </a:ln>
+        </p:spPr>
+        <p:style>
+          <a:lnRef idx="2">
+            <a:schemeClr val="accent1">
+              <a:shade val="50000"/>
+            </a:schemeClr>
+          </a:lnRef>
+          <a:fillRef idx="1">
+            <a:schemeClr val="accent1"/>
+          </a:fillRef>
+          <a:effectRef idx="0">
+            <a:schemeClr val="accent1"/>
+          </a:effectRef>
+          <a:fontRef idx="minor">
+            <a:schemeClr val="lt1"/>
+          </a:fontRef>
+        </p:style>
+        <p:txBody>
+          <a:bodyPr rtlCol="0" anchor="ctr"/>
+          <a:lstStyle/>
+          <a:p>
+            <a:r>
+              <a:rPr lang="de-DE" dirty="0">
+                <a:solidFill>
+                  <a:srgbClr val="CFCBCA"/>
+                </a:solidFill>
+                <a:latin typeface="Roboto Light" panose="02000000000000000000" pitchFamily="2" charset="0"/>
+                <a:ea typeface="Roboto Light" panose="02000000000000000000" pitchFamily="2" charset="0"/>
+              </a:rPr>
+              <a:t>senfi13</a:t>
+            </a:r>
+          </a:p>
+        </p:txBody>
+      </p:sp>
+      <p:sp>
+        <p:nvSpPr>
+          <p:cNvPr id="34" name="Rechteck 33">
+            <a:extLst>
+              <a:ext uri="{FF2B5EF4-FFF2-40B4-BE49-F238E27FC236}">
+                <a16:creationId xmlns:a16="http://schemas.microsoft.com/office/drawing/2014/main" id="{2EC95C4A-B800-4BB4-970C-F766EAD68092}"/>
+              </a:ext>
+            </a:extLst>
+          </p:cNvPr>
+          <p:cNvSpPr/>
+          <p:nvPr/>
+        </p:nvSpPr>
+        <p:spPr>
+          <a:xfrm>
+            <a:off x="2057310" y="2186780"/>
+            <a:ext cx="2612572" cy="401216"/>
+          </a:xfrm>
+          <a:prstGeom prst="rect">
+            <a:avLst/>
+          </a:prstGeom>
+          <a:noFill/>
+          <a:ln>
+            <a:noFill/>
+          </a:ln>
+        </p:spPr>
+        <p:style>
+          <a:lnRef idx="2">
+            <a:schemeClr val="accent1">
+              <a:shade val="50000"/>
+            </a:schemeClr>
+          </a:lnRef>
+          <a:fillRef idx="1">
+            <a:schemeClr val="accent1"/>
+          </a:fillRef>
+          <a:effectRef idx="0">
+            <a:schemeClr val="accent1"/>
+          </a:effectRef>
+          <a:fontRef idx="minor">
+            <a:schemeClr val="lt1"/>
+          </a:fontRef>
+        </p:style>
+        <p:txBody>
+          <a:bodyPr rtlCol="0" anchor="ctr"/>
+          <a:lstStyle/>
+          <a:p>
+            <a:r>
+              <a:rPr lang="de-DE" dirty="0">
+                <a:solidFill>
+                  <a:srgbClr val="CFCBCA"/>
+                </a:solidFill>
+                <a:latin typeface="Roboto Light" panose="02000000000000000000" pitchFamily="2" charset="0"/>
+                <a:ea typeface="Roboto Light" panose="02000000000000000000" pitchFamily="2" charset="0"/>
+              </a:rPr>
+              <a:t>Account</a:t>
+            </a:r>
+          </a:p>
+        </p:txBody>
+      </p:sp>
+      <p:sp>
+        <p:nvSpPr>
+          <p:cNvPr id="35" name="Rechteck 34">
+            <a:extLst>
+              <a:ext uri="{FF2B5EF4-FFF2-40B4-BE49-F238E27FC236}">
+                <a16:creationId xmlns:a16="http://schemas.microsoft.com/office/drawing/2014/main" id="{7BDDF6ED-105C-440F-8937-5D2789A2F36D}"/>
+              </a:ext>
+            </a:extLst>
+          </p:cNvPr>
+          <p:cNvSpPr/>
+          <p:nvPr/>
+        </p:nvSpPr>
+        <p:spPr>
+          <a:xfrm>
+            <a:off x="2057310" y="2702562"/>
+            <a:ext cx="2612572" cy="401216"/>
+          </a:xfrm>
+          <a:prstGeom prst="rect">
+            <a:avLst/>
+          </a:prstGeom>
+          <a:noFill/>
+          <a:ln>
+            <a:noFill/>
+          </a:ln>
+        </p:spPr>
+        <p:style>
+          <a:lnRef idx="2">
+            <a:schemeClr val="accent1">
+              <a:shade val="50000"/>
+            </a:schemeClr>
+          </a:lnRef>
+          <a:fillRef idx="1">
+            <a:schemeClr val="accent1"/>
+          </a:fillRef>
+          <a:effectRef idx="0">
+            <a:schemeClr val="accent1"/>
+          </a:effectRef>
+          <a:fontRef idx="minor">
+            <a:schemeClr val="lt1"/>
+          </a:fontRef>
+        </p:style>
+        <p:txBody>
+          <a:bodyPr rtlCol="0" anchor="ctr"/>
+          <a:lstStyle/>
+          <a:p>
+            <a:r>
+              <a:rPr lang="de-DE" dirty="0">
+                <a:solidFill>
+                  <a:srgbClr val="CFCBCA"/>
+                </a:solidFill>
+                <a:latin typeface="Roboto Light" panose="02000000000000000000" pitchFamily="2" charset="0"/>
+                <a:ea typeface="Roboto Light" panose="02000000000000000000" pitchFamily="2" charset="0"/>
+              </a:rPr>
+              <a:t>Benachrichtigungen</a:t>
+            </a:r>
+          </a:p>
+        </p:txBody>
+      </p:sp>
+      <p:sp>
+        <p:nvSpPr>
+          <p:cNvPr id="36" name="Rechteck 35">
+            <a:extLst>
+              <a:ext uri="{FF2B5EF4-FFF2-40B4-BE49-F238E27FC236}">
+                <a16:creationId xmlns:a16="http://schemas.microsoft.com/office/drawing/2014/main" id="{B42C51AF-C07B-4470-B68E-9E287DF9329E}"/>
+              </a:ext>
+            </a:extLst>
+          </p:cNvPr>
+          <p:cNvSpPr/>
+          <p:nvPr/>
+        </p:nvSpPr>
+        <p:spPr>
+          <a:xfrm>
+            <a:off x="2057310" y="3239613"/>
+            <a:ext cx="2612572" cy="401216"/>
+          </a:xfrm>
+          <a:prstGeom prst="rect">
+            <a:avLst/>
+          </a:prstGeom>
+          <a:noFill/>
+          <a:ln>
+            <a:noFill/>
+          </a:ln>
+        </p:spPr>
+        <p:style>
+          <a:lnRef idx="2">
+            <a:schemeClr val="accent1">
+              <a:shade val="50000"/>
+            </a:schemeClr>
+          </a:lnRef>
+          <a:fillRef idx="1">
+            <a:schemeClr val="accent1"/>
+          </a:fillRef>
+          <a:effectRef idx="0">
+            <a:schemeClr val="accent1"/>
+          </a:effectRef>
+          <a:fontRef idx="minor">
+            <a:schemeClr val="lt1"/>
+          </a:fontRef>
+        </p:style>
+        <p:txBody>
+          <a:bodyPr rtlCol="0" anchor="ctr"/>
+          <a:lstStyle/>
+          <a:p>
+            <a:r>
+              <a:rPr lang="de-DE" dirty="0">
+                <a:solidFill>
+                  <a:srgbClr val="CFCBCA"/>
+                </a:solidFill>
+                <a:latin typeface="Roboto Light" panose="02000000000000000000" pitchFamily="2" charset="0"/>
+                <a:ea typeface="Roboto Light" panose="02000000000000000000" pitchFamily="2" charset="0"/>
+              </a:rPr>
+              <a:t>Info</a:t>
+            </a:r>
+          </a:p>
+        </p:txBody>
+      </p:sp>
+      <p:sp>
+        <p:nvSpPr>
+          <p:cNvPr id="15" name="Freihandform: Form 14">
+            <a:extLst>
+              <a:ext uri="{FF2B5EF4-FFF2-40B4-BE49-F238E27FC236}">
+                <a16:creationId xmlns:a16="http://schemas.microsoft.com/office/drawing/2014/main" id="{A8CA6625-92C1-43EB-BB87-4C796CC918B8}"/>
+              </a:ext>
+            </a:extLst>
+          </p:cNvPr>
+          <p:cNvSpPr/>
+          <p:nvPr/>
+        </p:nvSpPr>
+        <p:spPr>
+          <a:xfrm>
+            <a:off x="4047929" y="4805305"/>
+            <a:ext cx="685800" cy="285750"/>
+          </a:xfrm>
+          <a:custGeom>
+            <a:avLst/>
+            <a:gdLst>
+              <a:gd name="connsiteX0" fmla="*/ 542925 w 685800"/>
+              <a:gd name="connsiteY0" fmla="*/ 0 h 285750"/>
+              <a:gd name="connsiteX1" fmla="*/ 142875 w 685800"/>
+              <a:gd name="connsiteY1" fmla="*/ 0 h 285750"/>
+              <a:gd name="connsiteX2" fmla="*/ 0 w 685800"/>
+              <a:gd name="connsiteY2" fmla="*/ 142875 h 285750"/>
+              <a:gd name="connsiteX3" fmla="*/ 142875 w 685800"/>
+              <a:gd name="connsiteY3" fmla="*/ 285750 h 285750"/>
+              <a:gd name="connsiteX4" fmla="*/ 542925 w 685800"/>
+              <a:gd name="connsiteY4" fmla="*/ 285750 h 285750"/>
+              <a:gd name="connsiteX5" fmla="*/ 685800 w 685800"/>
+              <a:gd name="connsiteY5" fmla="*/ 142875 h 285750"/>
+              <a:gd name="connsiteX6" fmla="*/ 542925 w 685800"/>
+              <a:gd name="connsiteY6" fmla="*/ 0 h 285750"/>
+              <a:gd name="connsiteX7" fmla="*/ 542925 w 685800"/>
+              <a:gd name="connsiteY7" fmla="*/ 228600 h 285750"/>
+              <a:gd name="connsiteX8" fmla="*/ 457200 w 685800"/>
+              <a:gd name="connsiteY8" fmla="*/ 142875 h 285750"/>
+              <a:gd name="connsiteX9" fmla="*/ 542925 w 685800"/>
+              <a:gd name="connsiteY9" fmla="*/ 57150 h 285750"/>
+              <a:gd name="connsiteX10" fmla="*/ 628650 w 685800"/>
+              <a:gd name="connsiteY10" fmla="*/ 142875 h 285750"/>
+              <a:gd name="connsiteX11" fmla="*/ 542925 w 685800"/>
+              <a:gd name="connsiteY11" fmla="*/ 228600 h 285750"/>
+            </a:gdLst>
+            <a:ahLst/>
+            <a:cxnLst>
+              <a:cxn ang="0">
+                <a:pos x="connsiteX0" y="connsiteY0"/>
+              </a:cxn>
+              <a:cxn ang="0">
+                <a:pos x="connsiteX1" y="connsiteY1"/>
+              </a:cxn>
+              <a:cxn ang="0">
+                <a:pos x="connsiteX2" y="connsiteY2"/>
+              </a:cxn>
+              <a:cxn ang="0">
+                <a:pos x="connsiteX3" y="connsiteY3"/>
+              </a:cxn>
+              <a:cxn ang="0">
+                <a:pos x="connsiteX4" y="connsiteY4"/>
+              </a:cxn>
+              <a:cxn ang="0">
+                <a:pos x="connsiteX5" y="connsiteY5"/>
+              </a:cxn>
+              <a:cxn ang="0">
+                <a:pos x="connsiteX6" y="connsiteY6"/>
+              </a:cxn>
+              <a:cxn ang="0">
+                <a:pos x="connsiteX7" y="connsiteY7"/>
+              </a:cxn>
+              <a:cxn ang="0">
+                <a:pos x="connsiteX8" y="connsiteY8"/>
+              </a:cxn>
+              <a:cxn ang="0">
+                <a:pos x="connsiteX9" y="connsiteY9"/>
+              </a:cxn>
+              <a:cxn ang="0">
+                <a:pos x="connsiteX10" y="connsiteY10"/>
+              </a:cxn>
+              <a:cxn ang="0">
+                <a:pos x="connsiteX11" y="connsiteY11"/>
+              </a:cxn>
+            </a:cxnLst>
+            <a:rect l="l" t="t" r="r" b="b"/>
+            <a:pathLst>
+              <a:path w="685800" h="285750">
+                <a:moveTo>
+                  <a:pt x="542925" y="0"/>
+                </a:moveTo>
+                <a:lnTo>
+                  <a:pt x="142875" y="0"/>
+                </a:lnTo>
+                <a:cubicBezTo>
+                  <a:pt x="63967" y="0"/>
+                  <a:pt x="0" y="63967"/>
+                  <a:pt x="0" y="142875"/>
+                </a:cubicBezTo>
+                <a:cubicBezTo>
+                  <a:pt x="0" y="221783"/>
+                  <a:pt x="63967" y="285750"/>
+                  <a:pt x="142875" y="285750"/>
+                </a:cubicBezTo>
+                <a:lnTo>
+                  <a:pt x="542925" y="285750"/>
+                </a:lnTo>
+                <a:cubicBezTo>
+                  <a:pt x="621833" y="285750"/>
+                  <a:pt x="685800" y="221783"/>
+                  <a:pt x="685800" y="142875"/>
+                </a:cubicBezTo>
+                <a:cubicBezTo>
+                  <a:pt x="685800" y="63967"/>
+                  <a:pt x="621833" y="0"/>
+                  <a:pt x="542925" y="0"/>
+                </a:cubicBezTo>
+                <a:close/>
+                <a:moveTo>
+                  <a:pt x="542925" y="228600"/>
+                </a:moveTo>
+                <a:cubicBezTo>
+                  <a:pt x="495580" y="228600"/>
+                  <a:pt x="457200" y="190220"/>
+                  <a:pt x="457200" y="142875"/>
+                </a:cubicBezTo>
+                <a:cubicBezTo>
+                  <a:pt x="457200" y="95530"/>
+                  <a:pt x="495580" y="57150"/>
+                  <a:pt x="542925" y="57150"/>
+                </a:cubicBezTo>
+                <a:cubicBezTo>
+                  <a:pt x="590270" y="57150"/>
+                  <a:pt x="628650" y="95530"/>
+                  <a:pt x="628650" y="142875"/>
+                </a:cubicBezTo>
+                <a:cubicBezTo>
+                  <a:pt x="628598" y="190198"/>
+                  <a:pt x="590248" y="228548"/>
+                  <a:pt x="542925" y="228600"/>
+                </a:cubicBezTo>
+                <a:close/>
+              </a:path>
+            </a:pathLst>
+          </a:custGeom>
+          <a:solidFill>
+            <a:srgbClr val="957FEF"/>
+          </a:solidFill>
+          <a:ln w="9525" cap="flat">
+            <a:noFill/>
+            <a:prstDash val="solid"/>
+            <a:miter/>
+          </a:ln>
+        </p:spPr>
+        <p:txBody>
+          <a:bodyPr rtlCol="0" anchor="ctr"/>
+          <a:lstStyle/>
+          <a:p>
+            <a:endParaRPr lang="de-DE"/>
+          </a:p>
+        </p:txBody>
+      </p:sp>
+      <p:sp>
+        <p:nvSpPr>
+          <p:cNvPr id="51" name="Rechteck 50">
+            <a:extLst>
+              <a:ext uri="{FF2B5EF4-FFF2-40B4-BE49-F238E27FC236}">
+                <a16:creationId xmlns:a16="http://schemas.microsoft.com/office/drawing/2014/main" id="{D87E2689-6C04-4350-8F21-28463DCB1F1F}"/>
+              </a:ext>
+            </a:extLst>
+          </p:cNvPr>
+          <p:cNvSpPr/>
+          <p:nvPr/>
+        </p:nvSpPr>
+        <p:spPr>
+          <a:xfrm>
+            <a:off x="2062986" y="4747572"/>
+            <a:ext cx="1566884" cy="401216"/>
+          </a:xfrm>
+          <a:prstGeom prst="rect">
+            <a:avLst/>
+          </a:prstGeom>
+          <a:noFill/>
+          <a:ln>
+            <a:noFill/>
+          </a:ln>
+        </p:spPr>
+        <p:style>
+          <a:lnRef idx="2">
+            <a:schemeClr val="accent1">
+              <a:shade val="50000"/>
+            </a:schemeClr>
+          </a:lnRef>
+          <a:fillRef idx="1">
+            <a:schemeClr val="accent1"/>
+          </a:fillRef>
+          <a:effectRef idx="0">
+            <a:schemeClr val="accent1"/>
+          </a:effectRef>
+          <a:fontRef idx="minor">
+            <a:schemeClr val="lt1"/>
+          </a:fontRef>
+        </p:style>
+        <p:txBody>
+          <a:bodyPr rtlCol="0" anchor="ctr"/>
+          <a:lstStyle/>
+          <a:p>
+            <a:r>
+              <a:rPr lang="de-DE" dirty="0">
+                <a:solidFill>
+                  <a:srgbClr val="CFCBCA"/>
+                </a:solidFill>
+                <a:latin typeface="Roboto Light" panose="02000000000000000000" pitchFamily="2" charset="0"/>
+                <a:ea typeface="Roboto Light" panose="02000000000000000000" pitchFamily="2" charset="0"/>
+              </a:rPr>
+              <a:t>Light </a:t>
+            </a:r>
+            <a:r>
+              <a:rPr lang="de-DE" dirty="0" err="1">
+                <a:solidFill>
+                  <a:srgbClr val="CFCBCA"/>
+                </a:solidFill>
+                <a:latin typeface="Roboto Light" panose="02000000000000000000" pitchFamily="2" charset="0"/>
+                <a:ea typeface="Roboto Light" panose="02000000000000000000" pitchFamily="2" charset="0"/>
+              </a:rPr>
+              <a:t>Theme</a:t>
+            </a:r>
+            <a:endParaRPr lang="de-DE" dirty="0">
+              <a:solidFill>
+                <a:srgbClr val="CFCBCA"/>
+              </a:solidFill>
+              <a:latin typeface="Roboto Light" panose="02000000000000000000" pitchFamily="2" charset="0"/>
+              <a:ea typeface="Roboto Light" panose="02000000000000000000" pitchFamily="2" charset="0"/>
+            </a:endParaRPr>
+          </a:p>
+        </p:txBody>
+      </p:sp>
+      <p:cxnSp>
+        <p:nvCxnSpPr>
+          <p:cNvPr id="22" name="Gerader Verbinder 21">
+            <a:extLst>
+              <a:ext uri="{FF2B5EF4-FFF2-40B4-BE49-F238E27FC236}">
+                <a16:creationId xmlns:a16="http://schemas.microsoft.com/office/drawing/2014/main" id="{2173124D-4D88-40B9-B900-140F53797A33}"/>
+              </a:ext>
+            </a:extLst>
+          </p:cNvPr>
+          <p:cNvCxnSpPr/>
+          <p:nvPr/>
+        </p:nvCxnSpPr>
+        <p:spPr>
+          <a:xfrm>
+            <a:off x="1583092" y="4580341"/>
+            <a:ext cx="3688703" cy="0"/>
+          </a:xfrm>
+          <a:prstGeom prst="line">
+            <a:avLst/>
+          </a:prstGeom>
+          <a:ln>
+            <a:solidFill>
+              <a:schemeClr val="bg2">
+                <a:lumMod val="25000"/>
+              </a:schemeClr>
+            </a:solidFill>
+          </a:ln>
+        </p:spPr>
+        <p:style>
+          <a:lnRef idx="1">
+            <a:schemeClr val="accent1"/>
+          </a:lnRef>
+          <a:fillRef idx="0">
+            <a:schemeClr val="accent1"/>
+          </a:fillRef>
+          <a:effectRef idx="0">
+            <a:schemeClr val="accent1"/>
+          </a:effectRef>
+          <a:fontRef idx="minor">
+            <a:schemeClr val="tx1"/>
+          </a:fontRef>
+        </p:style>
+      </p:cxnSp>
+      <p:cxnSp>
+        <p:nvCxnSpPr>
+          <p:cNvPr id="52" name="Gerader Verbinder 51">
+            <a:extLst>
+              <a:ext uri="{FF2B5EF4-FFF2-40B4-BE49-F238E27FC236}">
+                <a16:creationId xmlns:a16="http://schemas.microsoft.com/office/drawing/2014/main" id="{ED71AADB-F6C3-4685-95E7-3C1532979DF9}"/>
+              </a:ext>
+            </a:extLst>
+          </p:cNvPr>
+          <p:cNvCxnSpPr/>
+          <p:nvPr/>
+        </p:nvCxnSpPr>
+        <p:spPr>
+          <a:xfrm>
+            <a:off x="1583092" y="5277027"/>
+            <a:ext cx="3688703" cy="0"/>
+          </a:xfrm>
+          <a:prstGeom prst="line">
+            <a:avLst/>
+          </a:prstGeom>
+          <a:ln>
+            <a:solidFill>
+              <a:schemeClr val="bg2">
+                <a:lumMod val="25000"/>
+              </a:schemeClr>
+            </a:solidFill>
+          </a:ln>
+        </p:spPr>
+        <p:style>
+          <a:lnRef idx="1">
+            <a:schemeClr val="accent1"/>
+          </a:lnRef>
+          <a:fillRef idx="0">
+            <a:schemeClr val="accent1"/>
+          </a:fillRef>
+          <a:effectRef idx="0">
+            <a:schemeClr val="accent1"/>
+          </a:effectRef>
+          <a:fontRef idx="minor">
+            <a:schemeClr val="tx1"/>
+          </a:fontRef>
+        </p:style>
+      </p:cxnSp>
+    </p:spTree>
+    <p:extLst>
+      <p:ext uri="{BB962C8B-B14F-4D97-AF65-F5344CB8AC3E}">
+        <p14:creationId xmlns:p14="http://schemas.microsoft.com/office/powerpoint/2010/main" val="1034923650"/>
+      </p:ext>
+    </p:extLst>
+  </p:cSld>
+  <p:clrMapOvr>
+    <a:masterClrMapping/>
+  </p:clrMapOvr>
+</p:sld>
+</file>
+
+<file path=ppt/slides/slide8.xml><?xml version="1.0" encoding="utf-8"?>
+<p:sld xmlns:a="http://schemas.openxmlformats.org/drawingml/2006/main" xmlns:r="http://schemas.openxmlformats.org/officeDocument/2006/relationships" xmlns:p="http://schemas.openxmlformats.org/presentationml/2006/main">
+  <p:cSld>
+    <p:spTree>
+      <p:nvGrpSpPr>
+        <p:cNvPr id="1" name=""/>
+        <p:cNvGrpSpPr/>
+        <p:nvPr/>
+      </p:nvGrpSpPr>
+      <p:grpSpPr>
+        <a:xfrm>
+          <a:off x="0" y="0"/>
+          <a:ext cx="0" cy="0"/>
+          <a:chOff x="0" y="0"/>
+          <a:chExt cx="0" cy="0"/>
+        </a:xfrm>
+      </p:grpSpPr>
+      <p:sp>
+        <p:nvSpPr>
+          <p:cNvPr id="4" name="Rechteck 3">
+            <a:extLst>
+              <a:ext uri="{FF2B5EF4-FFF2-40B4-BE49-F238E27FC236}">
+                <a16:creationId xmlns:a16="http://schemas.microsoft.com/office/drawing/2014/main" id="{DD7FF75F-B5D0-4FF1-89EF-15A1AC7997B5}"/>
+              </a:ext>
+            </a:extLst>
+          </p:cNvPr>
+          <p:cNvSpPr/>
+          <p:nvPr/>
+        </p:nvSpPr>
+        <p:spPr>
+          <a:xfrm>
+            <a:off x="1583094" y="0"/>
+            <a:ext cx="3688702" cy="6858000"/>
+          </a:xfrm>
+          <a:prstGeom prst="rect">
+            <a:avLst/>
+          </a:prstGeom>
+          <a:solidFill>
+            <a:srgbClr val="F6F6F6"/>
+          </a:solidFill>
+          <a:ln>
+            <a:solidFill>
+              <a:schemeClr val="tx1"/>
+            </a:solidFill>
+          </a:ln>
+        </p:spPr>
+        <p:style>
+          <a:lnRef idx="2">
+            <a:schemeClr val="accent1">
+              <a:shade val="50000"/>
+            </a:schemeClr>
+          </a:lnRef>
+          <a:fillRef idx="1">
+            <a:schemeClr val="accent1"/>
+          </a:fillRef>
+          <a:effectRef idx="0">
+            <a:schemeClr val="accent1"/>
+          </a:effectRef>
+          <a:fontRef idx="minor">
+            <a:schemeClr val="lt1"/>
+          </a:fontRef>
+        </p:style>
+        <p:txBody>
+          <a:bodyPr rtlCol="0" anchor="ctr"/>
+          <a:lstStyle/>
+          <a:p>
+            <a:pPr algn="ctr"/>
+            <a:endParaRPr lang="de-DE"/>
+          </a:p>
+        </p:txBody>
+      </p:sp>
+      <p:sp>
+        <p:nvSpPr>
+          <p:cNvPr id="23" name="Rechteck 22">
+            <a:extLst>
+              <a:ext uri="{FF2B5EF4-FFF2-40B4-BE49-F238E27FC236}">
+                <a16:creationId xmlns:a16="http://schemas.microsoft.com/office/drawing/2014/main" id="{2324E4E6-02DD-4CCC-99A4-9578EE8BE151}"/>
+              </a:ext>
+            </a:extLst>
+          </p:cNvPr>
+          <p:cNvSpPr/>
+          <p:nvPr/>
+        </p:nvSpPr>
+        <p:spPr>
+          <a:xfrm>
+            <a:off x="2121159" y="1642725"/>
+            <a:ext cx="2612572" cy="401216"/>
+          </a:xfrm>
+          <a:prstGeom prst="rect">
+            <a:avLst/>
+          </a:prstGeom>
+          <a:noFill/>
+          <a:ln>
+            <a:noFill/>
+          </a:ln>
+        </p:spPr>
+        <p:style>
+          <a:lnRef idx="2">
+            <a:schemeClr val="accent1">
+              <a:shade val="50000"/>
+            </a:schemeClr>
+          </a:lnRef>
+          <a:fillRef idx="1">
+            <a:schemeClr val="accent1"/>
+          </a:fillRef>
+          <a:effectRef idx="0">
+            <a:schemeClr val="accent1"/>
+          </a:effectRef>
+          <a:fontRef idx="minor">
+            <a:schemeClr val="lt1"/>
+          </a:fontRef>
+        </p:style>
+        <p:txBody>
+          <a:bodyPr rtlCol="0" anchor="ctr"/>
+          <a:lstStyle/>
+          <a:p>
+            <a:pPr algn="ctr"/>
+            <a:r>
+              <a:rPr lang="de-DE" sz="2800" b="1" dirty="0">
+                <a:solidFill>
+                  <a:srgbClr val="7180AC"/>
+                </a:solidFill>
+                <a:latin typeface="Courgette" panose="02000603070400060004" pitchFamily="2" charset="0"/>
+                <a:ea typeface="Roboto Light" panose="02000000000000000000" pitchFamily="2" charset="0"/>
+                <a:cs typeface="Courier New" panose="02070309020205020404" pitchFamily="49" charset="0"/>
+              </a:rPr>
+              <a:t>Me-Me</a:t>
+            </a:r>
+          </a:p>
+        </p:txBody>
+      </p:sp>
+      <p:pic>
+        <p:nvPicPr>
+          <p:cNvPr id="6" name="Grafik 5">
+            <a:extLst>
+              <a:ext uri="{FF2B5EF4-FFF2-40B4-BE49-F238E27FC236}">
+                <a16:creationId xmlns:a16="http://schemas.microsoft.com/office/drawing/2014/main" id="{8D1865A9-8D9D-4390-86DE-8CC388E43570}"/>
+              </a:ext>
+            </a:extLst>
+          </p:cNvPr>
+          <p:cNvPicPr>
+            <a:picLocks noChangeAspect="1"/>
+          </p:cNvPicPr>
+          <p:nvPr/>
+        </p:nvPicPr>
+        <p:blipFill>
+          <a:blip r:embed="rId2">
+            <a:extLst>
+              <a:ext uri="{28A0092B-C50C-407E-A947-70E740481C1C}">
+                <a14:useLocalDpi xmlns:a14="http://schemas.microsoft.com/office/drawing/2010/main" val="0"/>
+              </a:ext>
+              <a:ext uri="{96DAC541-7B7A-43D3-8B79-37D633B846F1}">
+                <asvg:svgBlip xmlns:asvg="http://schemas.microsoft.com/office/drawing/2016/SVG/main" r:embed="rId3"/>
+              </a:ext>
+            </a:extLst>
+          </a:blip>
+          <a:stretch>
+            <a:fillRect/>
+          </a:stretch>
+        </p:blipFill>
+        <p:spPr>
+          <a:xfrm>
+            <a:off x="2650404" y="177283"/>
+            <a:ext cx="1554082" cy="1554082"/>
+          </a:xfrm>
+          <a:prstGeom prst="rect">
+            <a:avLst/>
+          </a:prstGeom>
+        </p:spPr>
+      </p:pic>
+      <p:sp>
+        <p:nvSpPr>
+          <p:cNvPr id="13" name="Rechteck 12">
+            <a:extLst>
+              <a:ext uri="{FF2B5EF4-FFF2-40B4-BE49-F238E27FC236}">
+                <a16:creationId xmlns:a16="http://schemas.microsoft.com/office/drawing/2014/main" id="{E63A3B96-2F20-4677-A112-2B1B8792CD12}"/>
+              </a:ext>
+            </a:extLst>
+          </p:cNvPr>
+          <p:cNvSpPr/>
+          <p:nvPr/>
+        </p:nvSpPr>
+        <p:spPr>
+          <a:xfrm>
+            <a:off x="7399176" y="0"/>
+            <a:ext cx="3688702" cy="6858000"/>
+          </a:xfrm>
+          <a:prstGeom prst="rect">
+            <a:avLst/>
+          </a:prstGeom>
+          <a:solidFill>
+            <a:srgbClr val="F6F6F6"/>
+          </a:solidFill>
+          <a:ln>
+            <a:solidFill>
+              <a:schemeClr val="tx1"/>
+            </a:solidFill>
+          </a:ln>
+        </p:spPr>
+        <p:style>
+          <a:lnRef idx="2">
+            <a:schemeClr val="accent1">
+              <a:shade val="50000"/>
+            </a:schemeClr>
+          </a:lnRef>
+          <a:fillRef idx="1">
+            <a:schemeClr val="accent1"/>
+          </a:fillRef>
+          <a:effectRef idx="0">
+            <a:schemeClr val="accent1"/>
+          </a:effectRef>
+          <a:fontRef idx="minor">
+            <a:schemeClr val="lt1"/>
+          </a:fontRef>
+        </p:style>
+        <p:txBody>
+          <a:bodyPr rtlCol="0" anchor="ctr"/>
+          <a:lstStyle/>
+          <a:p>
+            <a:pPr algn="ctr"/>
+            <a:endParaRPr lang="de-DE"/>
+          </a:p>
+        </p:txBody>
+      </p:sp>
+      <p:pic>
+        <p:nvPicPr>
+          <p:cNvPr id="14" name="Grafik 13">
+            <a:extLst>
+              <a:ext uri="{FF2B5EF4-FFF2-40B4-BE49-F238E27FC236}">
+                <a16:creationId xmlns:a16="http://schemas.microsoft.com/office/drawing/2014/main" id="{56092303-F0D6-4403-B19C-8006DDC13AE7}"/>
+              </a:ext>
+            </a:extLst>
+          </p:cNvPr>
+          <p:cNvPicPr>
+            <a:picLocks noChangeAspect="1"/>
+          </p:cNvPicPr>
+          <p:nvPr/>
+        </p:nvPicPr>
+        <p:blipFill>
+          <a:blip r:embed="rId2">
+            <a:extLst>
+              <a:ext uri="{28A0092B-C50C-407E-A947-70E740481C1C}">
+                <a14:useLocalDpi xmlns:a14="http://schemas.microsoft.com/office/drawing/2010/main" val="0"/>
+              </a:ext>
+              <a:ext uri="{96DAC541-7B7A-43D3-8B79-37D633B846F1}">
+                <asvg:svgBlip xmlns:asvg="http://schemas.microsoft.com/office/drawing/2016/SVG/main" r:embed="rId3"/>
+              </a:ext>
+            </a:extLst>
+          </a:blip>
+          <a:stretch>
+            <a:fillRect/>
+          </a:stretch>
+        </p:blipFill>
+        <p:spPr>
+          <a:xfrm>
+            <a:off x="8466486" y="177283"/>
+            <a:ext cx="1554082" cy="1554082"/>
+          </a:xfrm>
+          <a:prstGeom prst="rect">
+            <a:avLst/>
+          </a:prstGeom>
+        </p:spPr>
+      </p:pic>
+      <p:sp>
+        <p:nvSpPr>
+          <p:cNvPr id="24" name="Rechteck 23">
+            <a:extLst>
+              <a:ext uri="{FF2B5EF4-FFF2-40B4-BE49-F238E27FC236}">
+                <a16:creationId xmlns:a16="http://schemas.microsoft.com/office/drawing/2014/main" id="{DBF6A818-0F92-4B2F-B452-5A7BF9755A58}"/>
+              </a:ext>
+            </a:extLst>
+          </p:cNvPr>
+          <p:cNvSpPr/>
+          <p:nvPr/>
+        </p:nvSpPr>
+        <p:spPr>
+          <a:xfrm>
+            <a:off x="7937241" y="1637521"/>
+            <a:ext cx="2612572" cy="401216"/>
+          </a:xfrm>
+          <a:prstGeom prst="rect">
+            <a:avLst/>
+          </a:prstGeom>
+          <a:noFill/>
+          <a:ln>
+            <a:noFill/>
+          </a:ln>
+        </p:spPr>
+        <p:style>
+          <a:lnRef idx="2">
+            <a:schemeClr val="accent1">
+              <a:shade val="50000"/>
+            </a:schemeClr>
+          </a:lnRef>
+          <a:fillRef idx="1">
+            <a:schemeClr val="accent1"/>
+          </a:fillRef>
+          <a:effectRef idx="0">
+            <a:schemeClr val="accent1"/>
+          </a:effectRef>
+          <a:fontRef idx="minor">
+            <a:schemeClr val="lt1"/>
+          </a:fontRef>
+        </p:style>
+        <p:txBody>
+          <a:bodyPr rtlCol="0" anchor="ctr"/>
+          <a:lstStyle/>
+          <a:p>
+            <a:pPr algn="ctr"/>
+            <a:r>
+              <a:rPr lang="de-DE" sz="2800" b="1" dirty="0">
+                <a:solidFill>
+                  <a:srgbClr val="7180AC"/>
+                </a:solidFill>
+                <a:latin typeface="Courgette" panose="02000603070400060004" pitchFamily="2" charset="0"/>
+                <a:ea typeface="Roboto Light" panose="02000000000000000000" pitchFamily="2" charset="0"/>
+                <a:cs typeface="Courier New" panose="02070309020205020404" pitchFamily="49" charset="0"/>
+              </a:rPr>
+              <a:t>Me-Me</a:t>
+            </a:r>
+          </a:p>
+        </p:txBody>
+      </p:sp>
+      <p:sp>
+        <p:nvSpPr>
+          <p:cNvPr id="25" name="Rechteck 24">
+            <a:extLst>
+              <a:ext uri="{FF2B5EF4-FFF2-40B4-BE49-F238E27FC236}">
+                <a16:creationId xmlns:a16="http://schemas.microsoft.com/office/drawing/2014/main" id="{73581602-DC69-4180-AD18-1CDF42BAADC2}"/>
+              </a:ext>
+            </a:extLst>
+          </p:cNvPr>
+          <p:cNvSpPr/>
+          <p:nvPr/>
+        </p:nvSpPr>
+        <p:spPr>
+          <a:xfrm>
+            <a:off x="2121159" y="3171853"/>
+            <a:ext cx="2612572" cy="401216"/>
+          </a:xfrm>
+          <a:prstGeom prst="rect">
+            <a:avLst/>
+          </a:prstGeom>
+          <a:noFill/>
+          <a:ln>
+            <a:noFill/>
+          </a:ln>
+        </p:spPr>
+        <p:style>
+          <a:lnRef idx="2">
+            <a:schemeClr val="accent1">
+              <a:shade val="50000"/>
+            </a:schemeClr>
+          </a:lnRef>
+          <a:fillRef idx="1">
+            <a:schemeClr val="accent1"/>
+          </a:fillRef>
+          <a:effectRef idx="0">
+            <a:schemeClr val="accent1"/>
+          </a:effectRef>
+          <a:fontRef idx="minor">
+            <a:schemeClr val="lt1"/>
+          </a:fontRef>
+        </p:style>
+        <p:txBody>
+          <a:bodyPr rtlCol="0" anchor="ctr"/>
+          <a:lstStyle/>
+          <a:p>
+            <a:r>
+              <a:rPr lang="de-DE" dirty="0">
+                <a:solidFill>
+                  <a:srgbClr val="433633"/>
+                </a:solidFill>
+                <a:latin typeface="Roboto Light" panose="02000000000000000000" pitchFamily="2" charset="0"/>
+                <a:ea typeface="Roboto Light" panose="02000000000000000000" pitchFamily="2" charset="0"/>
+              </a:rPr>
+              <a:t>E-Mail</a:t>
+            </a:r>
+          </a:p>
+        </p:txBody>
+      </p:sp>
+      <p:sp>
+        <p:nvSpPr>
+          <p:cNvPr id="32" name="Rechteck 31">
+            <a:extLst>
+              <a:ext uri="{FF2B5EF4-FFF2-40B4-BE49-F238E27FC236}">
+                <a16:creationId xmlns:a16="http://schemas.microsoft.com/office/drawing/2014/main" id="{2FFA905E-DBE4-42DE-90B1-EB2DCCEADBB6}"/>
+              </a:ext>
+            </a:extLst>
+          </p:cNvPr>
+          <p:cNvSpPr/>
+          <p:nvPr/>
+        </p:nvSpPr>
+        <p:spPr>
+          <a:xfrm>
+            <a:off x="2121159" y="3731152"/>
+            <a:ext cx="2612572" cy="401216"/>
+          </a:xfrm>
+          <a:prstGeom prst="rect">
+            <a:avLst/>
+          </a:prstGeom>
+          <a:noFill/>
+          <a:ln>
+            <a:noFill/>
+          </a:ln>
+        </p:spPr>
+        <p:style>
+          <a:lnRef idx="2">
+            <a:schemeClr val="accent1">
+              <a:shade val="50000"/>
+            </a:schemeClr>
+          </a:lnRef>
+          <a:fillRef idx="1">
+            <a:schemeClr val="accent1"/>
+          </a:fillRef>
+          <a:effectRef idx="0">
+            <a:schemeClr val="accent1"/>
+          </a:effectRef>
+          <a:fontRef idx="minor">
+            <a:schemeClr val="lt1"/>
+          </a:fontRef>
+        </p:style>
+        <p:txBody>
+          <a:bodyPr rtlCol="0" anchor="ctr"/>
+          <a:lstStyle/>
+          <a:p>
+            <a:r>
+              <a:rPr lang="de-DE" dirty="0">
+                <a:solidFill>
+                  <a:srgbClr val="433633"/>
+                </a:solidFill>
+                <a:latin typeface="Roboto Light" panose="02000000000000000000" pitchFamily="2" charset="0"/>
+                <a:ea typeface="Roboto Light" panose="02000000000000000000" pitchFamily="2" charset="0"/>
+              </a:rPr>
+              <a:t>Passwort</a:t>
+            </a:r>
+          </a:p>
+        </p:txBody>
+      </p:sp>
+      <p:cxnSp>
+        <p:nvCxnSpPr>
+          <p:cNvPr id="33" name="Gerader Verbinder 32">
+            <a:extLst>
+              <a:ext uri="{FF2B5EF4-FFF2-40B4-BE49-F238E27FC236}">
+                <a16:creationId xmlns:a16="http://schemas.microsoft.com/office/drawing/2014/main" id="{B773D7C7-FDEC-44D3-8ACD-C8E9E4CA100B}"/>
+              </a:ext>
+            </a:extLst>
+          </p:cNvPr>
+          <p:cNvCxnSpPr/>
+          <p:nvPr/>
+        </p:nvCxnSpPr>
+        <p:spPr>
+          <a:xfrm>
+            <a:off x="2121159" y="3573069"/>
+            <a:ext cx="2612572" cy="0"/>
+          </a:xfrm>
+          <a:prstGeom prst="line">
+            <a:avLst/>
+          </a:prstGeom>
+          <a:ln>
+            <a:solidFill>
+              <a:srgbClr val="433633"/>
+            </a:solidFill>
+          </a:ln>
+        </p:spPr>
+        <p:style>
+          <a:lnRef idx="1">
+            <a:schemeClr val="accent1"/>
+          </a:lnRef>
+          <a:fillRef idx="0">
+            <a:schemeClr val="accent1"/>
+          </a:fillRef>
+          <a:effectRef idx="0">
+            <a:schemeClr val="accent1"/>
+          </a:effectRef>
+          <a:fontRef idx="minor">
+            <a:schemeClr val="tx1"/>
+          </a:fontRef>
+        </p:style>
+      </p:cxnSp>
+      <p:cxnSp>
+        <p:nvCxnSpPr>
+          <p:cNvPr id="34" name="Gerader Verbinder 33">
+            <a:extLst>
+              <a:ext uri="{FF2B5EF4-FFF2-40B4-BE49-F238E27FC236}">
+                <a16:creationId xmlns:a16="http://schemas.microsoft.com/office/drawing/2014/main" id="{A2C95B7F-0A1D-4737-B1E1-DD2F74C42FB3}"/>
+              </a:ext>
+            </a:extLst>
+          </p:cNvPr>
+          <p:cNvCxnSpPr/>
+          <p:nvPr/>
+        </p:nvCxnSpPr>
+        <p:spPr>
+          <a:xfrm>
+            <a:off x="2121159" y="4132368"/>
+            <a:ext cx="2612572" cy="0"/>
+          </a:xfrm>
+          <a:prstGeom prst="line">
+            <a:avLst/>
+          </a:prstGeom>
+          <a:ln>
+            <a:solidFill>
+              <a:srgbClr val="433633"/>
+            </a:solidFill>
+          </a:ln>
+        </p:spPr>
+        <p:style>
+          <a:lnRef idx="1">
+            <a:schemeClr val="accent1"/>
+          </a:lnRef>
+          <a:fillRef idx="0">
+            <a:schemeClr val="accent1"/>
+          </a:fillRef>
+          <a:effectRef idx="0">
+            <a:schemeClr val="accent1"/>
+          </a:effectRef>
+          <a:fontRef idx="minor">
+            <a:schemeClr val="tx1"/>
+          </a:fontRef>
+        </p:style>
+      </p:cxnSp>
+      <p:sp>
+        <p:nvSpPr>
+          <p:cNvPr id="35" name="Rechteck 34">
+            <a:extLst>
+              <a:ext uri="{FF2B5EF4-FFF2-40B4-BE49-F238E27FC236}">
+                <a16:creationId xmlns:a16="http://schemas.microsoft.com/office/drawing/2014/main" id="{69F559B9-88F9-4B73-8D6A-1A1F58203313}"/>
+              </a:ext>
+            </a:extLst>
+          </p:cNvPr>
+          <p:cNvSpPr/>
+          <p:nvPr/>
+        </p:nvSpPr>
+        <p:spPr>
+          <a:xfrm>
+            <a:off x="2121159" y="5124626"/>
+            <a:ext cx="2612572" cy="401216"/>
+          </a:xfrm>
+          <a:prstGeom prst="rect">
+            <a:avLst/>
+          </a:prstGeom>
+          <a:solidFill>
+            <a:srgbClr val="FF934F"/>
+          </a:solidFill>
+          <a:ln>
+            <a:noFill/>
+          </a:ln>
+        </p:spPr>
+        <p:style>
+          <a:lnRef idx="2">
+            <a:schemeClr val="accent1">
+              <a:shade val="50000"/>
+            </a:schemeClr>
+          </a:lnRef>
+          <a:fillRef idx="1">
+            <a:schemeClr val="accent1"/>
+          </a:fillRef>
+          <a:effectRef idx="0">
+            <a:schemeClr val="accent1"/>
+          </a:effectRef>
+          <a:fontRef idx="minor">
+            <a:schemeClr val="lt1"/>
+          </a:fontRef>
+        </p:style>
+        <p:txBody>
+          <a:bodyPr rtlCol="0" anchor="ctr"/>
+          <a:lstStyle/>
+          <a:p>
+            <a:pPr algn="ctr"/>
+            <a:r>
+              <a:rPr lang="de-DE" dirty="0">
+                <a:solidFill>
+                  <a:srgbClr val="1F1F1F"/>
+                </a:solidFill>
+                <a:latin typeface="Roboto Light" panose="02000000000000000000" pitchFamily="2" charset="0"/>
+                <a:ea typeface="Roboto Light" panose="02000000000000000000" pitchFamily="2" charset="0"/>
+              </a:rPr>
+              <a:t>Registrieren</a:t>
+            </a:r>
+          </a:p>
+        </p:txBody>
+      </p:sp>
+      <p:sp>
+        <p:nvSpPr>
+          <p:cNvPr id="36" name="Rechteck 35">
+            <a:extLst>
+              <a:ext uri="{FF2B5EF4-FFF2-40B4-BE49-F238E27FC236}">
+                <a16:creationId xmlns:a16="http://schemas.microsoft.com/office/drawing/2014/main" id="{A5C9DC37-359E-4873-8FF4-2F9FD2042BA5}"/>
+              </a:ext>
+            </a:extLst>
+          </p:cNvPr>
+          <p:cNvSpPr/>
+          <p:nvPr/>
+        </p:nvSpPr>
+        <p:spPr>
+          <a:xfrm>
+            <a:off x="2121159" y="5818296"/>
+            <a:ext cx="2612572" cy="401216"/>
+          </a:xfrm>
+          <a:prstGeom prst="rect">
+            <a:avLst/>
+          </a:prstGeom>
+          <a:noFill/>
+          <a:ln>
+            <a:noFill/>
+          </a:ln>
+        </p:spPr>
+        <p:style>
+          <a:lnRef idx="2">
+            <a:schemeClr val="accent1">
+              <a:shade val="50000"/>
+            </a:schemeClr>
+          </a:lnRef>
+          <a:fillRef idx="1">
+            <a:schemeClr val="accent1"/>
+          </a:fillRef>
+          <a:effectRef idx="0">
+            <a:schemeClr val="accent1"/>
+          </a:effectRef>
+          <a:fontRef idx="minor">
+            <a:schemeClr val="lt1"/>
+          </a:fontRef>
+        </p:style>
+        <p:txBody>
+          <a:bodyPr rtlCol="0" anchor="ctr"/>
+          <a:lstStyle/>
+          <a:p>
+            <a:pPr algn="ctr"/>
+            <a:r>
+              <a:rPr lang="de-DE" sz="1200" dirty="0">
+                <a:solidFill>
+                  <a:srgbClr val="433633"/>
+                </a:solidFill>
+                <a:latin typeface="Roboto Light" panose="02000000000000000000" pitchFamily="2" charset="0"/>
+                <a:ea typeface="Roboto Light" panose="02000000000000000000" pitchFamily="2" charset="0"/>
+              </a:rPr>
+              <a:t>Bereits ein Konto? </a:t>
+            </a:r>
+            <a:r>
+              <a:rPr lang="de-DE" sz="1200" u="sng" dirty="0">
+                <a:solidFill>
+                  <a:srgbClr val="7180AC"/>
+                </a:solidFill>
+                <a:latin typeface="Roboto Light" panose="02000000000000000000" pitchFamily="2" charset="0"/>
+                <a:ea typeface="Roboto Light" panose="02000000000000000000" pitchFamily="2" charset="0"/>
+              </a:rPr>
+              <a:t>Hier Einloggen</a:t>
+            </a:r>
+          </a:p>
+        </p:txBody>
+      </p:sp>
+      <p:cxnSp>
+        <p:nvCxnSpPr>
+          <p:cNvPr id="37" name="Gerader Verbinder 36">
+            <a:extLst>
+              <a:ext uri="{FF2B5EF4-FFF2-40B4-BE49-F238E27FC236}">
+                <a16:creationId xmlns:a16="http://schemas.microsoft.com/office/drawing/2014/main" id="{751CB5D0-F097-45F0-A2E5-30422B0699F4}"/>
+              </a:ext>
+            </a:extLst>
+          </p:cNvPr>
+          <p:cNvCxnSpPr>
+            <a:cxnSpLocks/>
+          </p:cNvCxnSpPr>
+          <p:nvPr/>
+        </p:nvCxnSpPr>
+        <p:spPr>
+          <a:xfrm>
+            <a:off x="2121159" y="5780398"/>
+            <a:ext cx="2612572" cy="0"/>
+          </a:xfrm>
+          <a:prstGeom prst="line">
+            <a:avLst/>
+          </a:prstGeom>
+          <a:ln>
+            <a:solidFill>
+              <a:srgbClr val="433633"/>
+            </a:solidFill>
+          </a:ln>
+        </p:spPr>
+        <p:style>
+          <a:lnRef idx="1">
+            <a:schemeClr val="accent1"/>
+          </a:lnRef>
+          <a:fillRef idx="0">
+            <a:schemeClr val="accent1"/>
+          </a:fillRef>
+          <a:effectRef idx="0">
+            <a:schemeClr val="accent1"/>
+          </a:effectRef>
+          <a:fontRef idx="minor">
+            <a:schemeClr val="tx1"/>
+          </a:fontRef>
+        </p:style>
+      </p:cxnSp>
+      <p:sp>
+        <p:nvSpPr>
+          <p:cNvPr id="38" name="Rechteck 37">
+            <a:extLst>
+              <a:ext uri="{FF2B5EF4-FFF2-40B4-BE49-F238E27FC236}">
+                <a16:creationId xmlns:a16="http://schemas.microsoft.com/office/drawing/2014/main" id="{D6CE25E6-367B-44C2-965C-A69825849B70}"/>
+              </a:ext>
+            </a:extLst>
+          </p:cNvPr>
+          <p:cNvSpPr/>
+          <p:nvPr/>
+        </p:nvSpPr>
+        <p:spPr>
+          <a:xfrm>
+            <a:off x="2121159" y="4300782"/>
+            <a:ext cx="2612572" cy="401216"/>
+          </a:xfrm>
+          <a:prstGeom prst="rect">
+            <a:avLst/>
+          </a:prstGeom>
+          <a:noFill/>
+          <a:ln>
+            <a:noFill/>
+          </a:ln>
+        </p:spPr>
+        <p:style>
+          <a:lnRef idx="2">
+            <a:schemeClr val="accent1">
+              <a:shade val="50000"/>
+            </a:schemeClr>
+          </a:lnRef>
+          <a:fillRef idx="1">
+            <a:schemeClr val="accent1"/>
+          </a:fillRef>
+          <a:effectRef idx="0">
+            <a:schemeClr val="accent1"/>
+          </a:effectRef>
+          <a:fontRef idx="minor">
+            <a:schemeClr val="lt1"/>
+          </a:fontRef>
+        </p:style>
+        <p:txBody>
+          <a:bodyPr rtlCol="0" anchor="ctr"/>
+          <a:lstStyle/>
+          <a:p>
+            <a:r>
+              <a:rPr lang="de-DE" dirty="0">
+                <a:solidFill>
+                  <a:srgbClr val="433633"/>
+                </a:solidFill>
+                <a:latin typeface="Roboto Light" panose="02000000000000000000" pitchFamily="2" charset="0"/>
+                <a:ea typeface="Roboto Light" panose="02000000000000000000" pitchFamily="2" charset="0"/>
+              </a:rPr>
+              <a:t>Passwort</a:t>
+            </a:r>
+          </a:p>
+        </p:txBody>
+      </p:sp>
+      <p:cxnSp>
+        <p:nvCxnSpPr>
+          <p:cNvPr id="39" name="Gerader Verbinder 38">
+            <a:extLst>
+              <a:ext uri="{FF2B5EF4-FFF2-40B4-BE49-F238E27FC236}">
+                <a16:creationId xmlns:a16="http://schemas.microsoft.com/office/drawing/2014/main" id="{CD9874EE-9CA6-4912-A4A9-73F18349B223}"/>
+              </a:ext>
+            </a:extLst>
+          </p:cNvPr>
+          <p:cNvCxnSpPr/>
+          <p:nvPr/>
+        </p:nvCxnSpPr>
+        <p:spPr>
+          <a:xfrm>
+            <a:off x="2121159" y="4701998"/>
+            <a:ext cx="2612572" cy="0"/>
+          </a:xfrm>
+          <a:prstGeom prst="line">
+            <a:avLst/>
+          </a:prstGeom>
+          <a:ln>
+            <a:solidFill>
+              <a:srgbClr val="433633"/>
+            </a:solidFill>
+          </a:ln>
+        </p:spPr>
+        <p:style>
+          <a:lnRef idx="1">
+            <a:schemeClr val="accent1"/>
+          </a:lnRef>
+          <a:fillRef idx="0">
+            <a:schemeClr val="accent1"/>
+          </a:fillRef>
+          <a:effectRef idx="0">
+            <a:schemeClr val="accent1"/>
+          </a:effectRef>
+          <a:fontRef idx="minor">
+            <a:schemeClr val="tx1"/>
+          </a:fontRef>
+        </p:style>
+      </p:cxnSp>
+      <p:sp>
+        <p:nvSpPr>
+          <p:cNvPr id="40" name="Rechteck 39">
+            <a:extLst>
+              <a:ext uri="{FF2B5EF4-FFF2-40B4-BE49-F238E27FC236}">
+                <a16:creationId xmlns:a16="http://schemas.microsoft.com/office/drawing/2014/main" id="{EEA77FAA-8D7E-4ECD-8F9A-5F79C286DA80}"/>
+              </a:ext>
+            </a:extLst>
+          </p:cNvPr>
+          <p:cNvSpPr/>
+          <p:nvPr/>
+        </p:nvSpPr>
+        <p:spPr>
+          <a:xfrm>
+            <a:off x="2121159" y="2626568"/>
+            <a:ext cx="2612572" cy="401216"/>
+          </a:xfrm>
+          <a:prstGeom prst="rect">
+            <a:avLst/>
+          </a:prstGeom>
+          <a:noFill/>
+          <a:ln>
+            <a:noFill/>
+          </a:ln>
+        </p:spPr>
+        <p:style>
+          <a:lnRef idx="2">
+            <a:schemeClr val="accent1">
+              <a:shade val="50000"/>
+            </a:schemeClr>
+          </a:lnRef>
+          <a:fillRef idx="1">
+            <a:schemeClr val="accent1"/>
+          </a:fillRef>
+          <a:effectRef idx="0">
+            <a:schemeClr val="accent1"/>
+          </a:effectRef>
+          <a:fontRef idx="minor">
+            <a:schemeClr val="lt1"/>
+          </a:fontRef>
+        </p:style>
+        <p:txBody>
+          <a:bodyPr rtlCol="0" anchor="ctr"/>
+          <a:lstStyle/>
+          <a:p>
+            <a:r>
+              <a:rPr lang="de-DE" dirty="0">
+                <a:solidFill>
+                  <a:srgbClr val="433633"/>
+                </a:solidFill>
+                <a:latin typeface="Roboto Light" panose="02000000000000000000" pitchFamily="2" charset="0"/>
+                <a:ea typeface="Roboto Light" panose="02000000000000000000" pitchFamily="2" charset="0"/>
+              </a:rPr>
+              <a:t>Benutzername</a:t>
+            </a:r>
+          </a:p>
+        </p:txBody>
+      </p:sp>
+      <p:cxnSp>
+        <p:nvCxnSpPr>
+          <p:cNvPr id="41" name="Gerader Verbinder 40">
+            <a:extLst>
+              <a:ext uri="{FF2B5EF4-FFF2-40B4-BE49-F238E27FC236}">
+                <a16:creationId xmlns:a16="http://schemas.microsoft.com/office/drawing/2014/main" id="{5B73470D-5F42-4266-AB2A-79444B976CD6}"/>
+              </a:ext>
+            </a:extLst>
+          </p:cNvPr>
+          <p:cNvCxnSpPr/>
+          <p:nvPr/>
+        </p:nvCxnSpPr>
+        <p:spPr>
+          <a:xfrm>
+            <a:off x="2121159" y="3027784"/>
+            <a:ext cx="2612572" cy="0"/>
+          </a:xfrm>
+          <a:prstGeom prst="line">
+            <a:avLst/>
+          </a:prstGeom>
+          <a:ln>
+            <a:solidFill>
+              <a:srgbClr val="433633"/>
+            </a:solidFill>
+          </a:ln>
+        </p:spPr>
+        <p:style>
+          <a:lnRef idx="1">
+            <a:schemeClr val="accent1"/>
+          </a:lnRef>
+          <a:fillRef idx="0">
+            <a:schemeClr val="accent1"/>
+          </a:fillRef>
+          <a:effectRef idx="0">
+            <a:schemeClr val="accent1"/>
+          </a:effectRef>
+          <a:fontRef idx="minor">
+            <a:schemeClr val="tx1"/>
+          </a:fontRef>
+        </p:style>
+      </p:cxnSp>
+      <p:sp>
+        <p:nvSpPr>
+          <p:cNvPr id="54" name="Rechteck 53">
+            <a:extLst>
+              <a:ext uri="{FF2B5EF4-FFF2-40B4-BE49-F238E27FC236}">
+                <a16:creationId xmlns:a16="http://schemas.microsoft.com/office/drawing/2014/main" id="{CD6CC015-1052-473D-9279-167C4EF1885C}"/>
+              </a:ext>
+            </a:extLst>
+          </p:cNvPr>
+          <p:cNvSpPr/>
+          <p:nvPr/>
+        </p:nvSpPr>
+        <p:spPr>
+          <a:xfrm>
+            <a:off x="7937241" y="3171853"/>
+            <a:ext cx="2612572" cy="401216"/>
+          </a:xfrm>
+          <a:prstGeom prst="rect">
+            <a:avLst/>
+          </a:prstGeom>
+          <a:noFill/>
+          <a:ln>
+            <a:noFill/>
+          </a:ln>
+        </p:spPr>
+        <p:style>
+          <a:lnRef idx="2">
+            <a:schemeClr val="accent1">
+              <a:shade val="50000"/>
+            </a:schemeClr>
+          </a:lnRef>
+          <a:fillRef idx="1">
+            <a:schemeClr val="accent1"/>
+          </a:fillRef>
+          <a:effectRef idx="0">
+            <a:schemeClr val="accent1"/>
+          </a:effectRef>
+          <a:fontRef idx="minor">
+            <a:schemeClr val="lt1"/>
+          </a:fontRef>
+        </p:style>
+        <p:txBody>
+          <a:bodyPr rtlCol="0" anchor="ctr"/>
+          <a:lstStyle/>
+          <a:p>
+            <a:r>
+              <a:rPr lang="de-DE" dirty="0">
+                <a:solidFill>
+                  <a:srgbClr val="433633"/>
+                </a:solidFill>
+                <a:latin typeface="Roboto Light" panose="02000000000000000000" pitchFamily="2" charset="0"/>
+                <a:ea typeface="Roboto Light" panose="02000000000000000000" pitchFamily="2" charset="0"/>
+              </a:rPr>
+              <a:t>E-Mail</a:t>
+            </a:r>
+          </a:p>
+        </p:txBody>
+      </p:sp>
+      <p:sp>
+        <p:nvSpPr>
+          <p:cNvPr id="55" name="Rechteck 54">
+            <a:extLst>
+              <a:ext uri="{FF2B5EF4-FFF2-40B4-BE49-F238E27FC236}">
+                <a16:creationId xmlns:a16="http://schemas.microsoft.com/office/drawing/2014/main" id="{D2FB0D59-2F46-408B-8D89-75ED4EDEEE39}"/>
+              </a:ext>
+            </a:extLst>
+          </p:cNvPr>
+          <p:cNvSpPr/>
+          <p:nvPr/>
+        </p:nvSpPr>
+        <p:spPr>
+          <a:xfrm>
+            <a:off x="7937241" y="3731152"/>
+            <a:ext cx="2612572" cy="401216"/>
+          </a:xfrm>
+          <a:prstGeom prst="rect">
+            <a:avLst/>
+          </a:prstGeom>
+          <a:noFill/>
+          <a:ln>
+            <a:noFill/>
+          </a:ln>
+        </p:spPr>
+        <p:style>
+          <a:lnRef idx="2">
+            <a:schemeClr val="accent1">
+              <a:shade val="50000"/>
+            </a:schemeClr>
+          </a:lnRef>
+          <a:fillRef idx="1">
+            <a:schemeClr val="accent1"/>
+          </a:fillRef>
+          <a:effectRef idx="0">
+            <a:schemeClr val="accent1"/>
+          </a:effectRef>
+          <a:fontRef idx="minor">
+            <a:schemeClr val="lt1"/>
+          </a:fontRef>
+        </p:style>
+        <p:txBody>
+          <a:bodyPr rtlCol="0" anchor="ctr"/>
+          <a:lstStyle/>
+          <a:p>
+            <a:r>
+              <a:rPr lang="de-DE" dirty="0">
+                <a:solidFill>
+                  <a:srgbClr val="433633"/>
+                </a:solidFill>
+                <a:latin typeface="Roboto Light" panose="02000000000000000000" pitchFamily="2" charset="0"/>
+                <a:ea typeface="Roboto Light" panose="02000000000000000000" pitchFamily="2" charset="0"/>
+              </a:rPr>
+              <a:t>Passwort</a:t>
+            </a:r>
+          </a:p>
+        </p:txBody>
+      </p:sp>
+      <p:cxnSp>
+        <p:nvCxnSpPr>
+          <p:cNvPr id="56" name="Gerader Verbinder 55">
+            <a:extLst>
+              <a:ext uri="{FF2B5EF4-FFF2-40B4-BE49-F238E27FC236}">
+                <a16:creationId xmlns:a16="http://schemas.microsoft.com/office/drawing/2014/main" id="{AB4FB3CA-E549-4044-A312-07818E758402}"/>
+              </a:ext>
+            </a:extLst>
+          </p:cNvPr>
+          <p:cNvCxnSpPr/>
+          <p:nvPr/>
+        </p:nvCxnSpPr>
+        <p:spPr>
+          <a:xfrm>
+            <a:off x="7937241" y="3573069"/>
+            <a:ext cx="2612572" cy="0"/>
+          </a:xfrm>
+          <a:prstGeom prst="line">
+            <a:avLst/>
+          </a:prstGeom>
+          <a:ln>
+            <a:solidFill>
+              <a:srgbClr val="433633"/>
+            </a:solidFill>
+          </a:ln>
+        </p:spPr>
+        <p:style>
+          <a:lnRef idx="1">
+            <a:schemeClr val="accent1"/>
+          </a:lnRef>
+          <a:fillRef idx="0">
+            <a:schemeClr val="accent1"/>
+          </a:fillRef>
+          <a:effectRef idx="0">
+            <a:schemeClr val="accent1"/>
+          </a:effectRef>
+          <a:fontRef idx="minor">
+            <a:schemeClr val="tx1"/>
+          </a:fontRef>
+        </p:style>
+      </p:cxnSp>
+      <p:cxnSp>
+        <p:nvCxnSpPr>
+          <p:cNvPr id="57" name="Gerader Verbinder 56">
+            <a:extLst>
+              <a:ext uri="{FF2B5EF4-FFF2-40B4-BE49-F238E27FC236}">
+                <a16:creationId xmlns:a16="http://schemas.microsoft.com/office/drawing/2014/main" id="{FA59B772-F6C9-4CA6-B9F3-C4EE916FA402}"/>
+              </a:ext>
+            </a:extLst>
+          </p:cNvPr>
+          <p:cNvCxnSpPr/>
+          <p:nvPr/>
+        </p:nvCxnSpPr>
+        <p:spPr>
+          <a:xfrm>
+            <a:off x="7937241" y="4132368"/>
+            <a:ext cx="2612572" cy="0"/>
+          </a:xfrm>
+          <a:prstGeom prst="line">
+            <a:avLst/>
+          </a:prstGeom>
+          <a:ln>
+            <a:solidFill>
+              <a:srgbClr val="433633"/>
+            </a:solidFill>
+          </a:ln>
+        </p:spPr>
+        <p:style>
+          <a:lnRef idx="1">
+            <a:schemeClr val="accent1"/>
+          </a:lnRef>
+          <a:fillRef idx="0">
+            <a:schemeClr val="accent1"/>
+          </a:fillRef>
+          <a:effectRef idx="0">
+            <a:schemeClr val="accent1"/>
+          </a:effectRef>
+          <a:fontRef idx="minor">
+            <a:schemeClr val="tx1"/>
+          </a:fontRef>
+        </p:style>
+      </p:cxnSp>
+      <p:sp>
+        <p:nvSpPr>
+          <p:cNvPr id="58" name="Rechteck 57">
+            <a:extLst>
+              <a:ext uri="{FF2B5EF4-FFF2-40B4-BE49-F238E27FC236}">
+                <a16:creationId xmlns:a16="http://schemas.microsoft.com/office/drawing/2014/main" id="{188AD7C8-C1B2-4832-B5BD-95E2620E7D86}"/>
+              </a:ext>
+            </a:extLst>
+          </p:cNvPr>
+          <p:cNvSpPr/>
+          <p:nvPr/>
+        </p:nvSpPr>
+        <p:spPr>
+          <a:xfrm>
+            <a:off x="7937241" y="5124626"/>
+            <a:ext cx="2612572" cy="401216"/>
+          </a:xfrm>
+          <a:prstGeom prst="rect">
+            <a:avLst/>
+          </a:prstGeom>
+          <a:solidFill>
+            <a:srgbClr val="FF934F"/>
+          </a:solidFill>
+          <a:ln>
+            <a:noFill/>
+          </a:ln>
+        </p:spPr>
+        <p:style>
+          <a:lnRef idx="2">
+            <a:schemeClr val="accent1">
+              <a:shade val="50000"/>
+            </a:schemeClr>
+          </a:lnRef>
+          <a:fillRef idx="1">
+            <a:schemeClr val="accent1"/>
+          </a:fillRef>
+          <a:effectRef idx="0">
+            <a:schemeClr val="accent1"/>
+          </a:effectRef>
+          <a:fontRef idx="minor">
+            <a:schemeClr val="lt1"/>
+          </a:fontRef>
+        </p:style>
+        <p:txBody>
+          <a:bodyPr rtlCol="0" anchor="ctr"/>
+          <a:lstStyle/>
+          <a:p>
+            <a:pPr algn="ctr"/>
+            <a:r>
+              <a:rPr lang="de-DE" dirty="0">
+                <a:solidFill>
+                  <a:srgbClr val="1F1F1F"/>
+                </a:solidFill>
+                <a:latin typeface="Roboto Light" panose="02000000000000000000" pitchFamily="2" charset="0"/>
+                <a:ea typeface="Roboto Light" panose="02000000000000000000" pitchFamily="2" charset="0"/>
+              </a:rPr>
+              <a:t>Registrieren</a:t>
+            </a:r>
+          </a:p>
+        </p:txBody>
+      </p:sp>
+      <p:sp>
+        <p:nvSpPr>
+          <p:cNvPr id="59" name="Rechteck 58">
+            <a:extLst>
+              <a:ext uri="{FF2B5EF4-FFF2-40B4-BE49-F238E27FC236}">
+                <a16:creationId xmlns:a16="http://schemas.microsoft.com/office/drawing/2014/main" id="{6B401E1F-16D2-47E0-B462-EBF17256BD7B}"/>
+              </a:ext>
+            </a:extLst>
+          </p:cNvPr>
+          <p:cNvSpPr/>
+          <p:nvPr/>
+        </p:nvSpPr>
+        <p:spPr>
+          <a:xfrm>
+            <a:off x="7937241" y="5818296"/>
+            <a:ext cx="2612572" cy="401216"/>
+          </a:xfrm>
+          <a:prstGeom prst="rect">
+            <a:avLst/>
+          </a:prstGeom>
+          <a:noFill/>
+          <a:ln>
+            <a:noFill/>
+          </a:ln>
+        </p:spPr>
+        <p:style>
+          <a:lnRef idx="2">
+            <a:schemeClr val="accent1">
+              <a:shade val="50000"/>
+            </a:schemeClr>
+          </a:lnRef>
+          <a:fillRef idx="1">
+            <a:schemeClr val="accent1"/>
+          </a:fillRef>
+          <a:effectRef idx="0">
+            <a:schemeClr val="accent1"/>
+          </a:effectRef>
+          <a:fontRef idx="minor">
+            <a:schemeClr val="lt1"/>
+          </a:fontRef>
+        </p:style>
+        <p:txBody>
+          <a:bodyPr rtlCol="0" anchor="ctr"/>
+          <a:lstStyle/>
+          <a:p>
+            <a:pPr algn="ctr"/>
+            <a:r>
+              <a:rPr lang="de-DE" sz="1200" dirty="0">
+                <a:solidFill>
+                  <a:srgbClr val="433633"/>
+                </a:solidFill>
+                <a:latin typeface="Roboto Light" panose="02000000000000000000" pitchFamily="2" charset="0"/>
+                <a:ea typeface="Roboto Light" panose="02000000000000000000" pitchFamily="2" charset="0"/>
+              </a:rPr>
+              <a:t>Bereits ein Konto? </a:t>
+            </a:r>
+            <a:r>
+              <a:rPr lang="de-DE" sz="1200" u="sng" dirty="0">
+                <a:solidFill>
+                  <a:srgbClr val="7180AC"/>
+                </a:solidFill>
+                <a:latin typeface="Roboto Light" panose="02000000000000000000" pitchFamily="2" charset="0"/>
+                <a:ea typeface="Roboto Light" panose="02000000000000000000" pitchFamily="2" charset="0"/>
+              </a:rPr>
+              <a:t>Hier Einloggen</a:t>
+            </a:r>
+          </a:p>
+        </p:txBody>
+      </p:sp>
+      <p:cxnSp>
+        <p:nvCxnSpPr>
+          <p:cNvPr id="60" name="Gerader Verbinder 59">
+            <a:extLst>
+              <a:ext uri="{FF2B5EF4-FFF2-40B4-BE49-F238E27FC236}">
+                <a16:creationId xmlns:a16="http://schemas.microsoft.com/office/drawing/2014/main" id="{DAADFE34-6FD0-44CA-85D8-043B9065BEC4}"/>
+              </a:ext>
+            </a:extLst>
+          </p:cNvPr>
+          <p:cNvCxnSpPr>
+            <a:cxnSpLocks/>
+          </p:cNvCxnSpPr>
+          <p:nvPr/>
+        </p:nvCxnSpPr>
+        <p:spPr>
+          <a:xfrm>
+            <a:off x="7937241" y="5780398"/>
+            <a:ext cx="2612572" cy="0"/>
+          </a:xfrm>
+          <a:prstGeom prst="line">
+            <a:avLst/>
+          </a:prstGeom>
+          <a:ln>
+            <a:solidFill>
+              <a:srgbClr val="433633"/>
+            </a:solidFill>
+          </a:ln>
+        </p:spPr>
+        <p:style>
+          <a:lnRef idx="1">
+            <a:schemeClr val="accent1"/>
+          </a:lnRef>
+          <a:fillRef idx="0">
+            <a:schemeClr val="accent1"/>
+          </a:fillRef>
+          <a:effectRef idx="0">
+            <a:schemeClr val="accent1"/>
+          </a:effectRef>
+          <a:fontRef idx="minor">
+            <a:schemeClr val="tx1"/>
+          </a:fontRef>
+        </p:style>
+      </p:cxnSp>
+      <p:sp>
+        <p:nvSpPr>
+          <p:cNvPr id="61" name="Rechteck 60">
+            <a:extLst>
+              <a:ext uri="{FF2B5EF4-FFF2-40B4-BE49-F238E27FC236}">
+                <a16:creationId xmlns:a16="http://schemas.microsoft.com/office/drawing/2014/main" id="{8C914470-2E22-4792-8002-34523964F949}"/>
+              </a:ext>
+            </a:extLst>
+          </p:cNvPr>
+          <p:cNvSpPr/>
+          <p:nvPr/>
+        </p:nvSpPr>
+        <p:spPr>
+          <a:xfrm>
+            <a:off x="7937241" y="4300782"/>
+            <a:ext cx="2612572" cy="401216"/>
+          </a:xfrm>
+          <a:prstGeom prst="rect">
+            <a:avLst/>
+          </a:prstGeom>
+          <a:noFill/>
+          <a:ln>
+            <a:noFill/>
+          </a:ln>
+        </p:spPr>
+        <p:style>
+          <a:lnRef idx="2">
+            <a:schemeClr val="accent1">
+              <a:shade val="50000"/>
+            </a:schemeClr>
+          </a:lnRef>
+          <a:fillRef idx="1">
+            <a:schemeClr val="accent1"/>
+          </a:fillRef>
+          <a:effectRef idx="0">
+            <a:schemeClr val="accent1"/>
+          </a:effectRef>
+          <a:fontRef idx="minor">
+            <a:schemeClr val="lt1"/>
+          </a:fontRef>
+        </p:style>
+        <p:txBody>
+          <a:bodyPr rtlCol="0" anchor="ctr"/>
+          <a:lstStyle/>
+          <a:p>
+            <a:r>
+              <a:rPr lang="de-DE" dirty="0">
+                <a:solidFill>
+                  <a:srgbClr val="433633"/>
+                </a:solidFill>
+                <a:latin typeface="Roboto Light" panose="02000000000000000000" pitchFamily="2" charset="0"/>
+                <a:ea typeface="Roboto Light" panose="02000000000000000000" pitchFamily="2" charset="0"/>
+              </a:rPr>
+              <a:t>Passwort</a:t>
+            </a:r>
+          </a:p>
+        </p:txBody>
+      </p:sp>
+      <p:cxnSp>
+        <p:nvCxnSpPr>
+          <p:cNvPr id="62" name="Gerader Verbinder 61">
+            <a:extLst>
+              <a:ext uri="{FF2B5EF4-FFF2-40B4-BE49-F238E27FC236}">
+                <a16:creationId xmlns:a16="http://schemas.microsoft.com/office/drawing/2014/main" id="{FA059F47-6B2A-4EA4-85AA-3A461D88D3CC}"/>
+              </a:ext>
+            </a:extLst>
+          </p:cNvPr>
+          <p:cNvCxnSpPr/>
+          <p:nvPr/>
+        </p:nvCxnSpPr>
+        <p:spPr>
+          <a:xfrm>
+            <a:off x="7937241" y="4701998"/>
+            <a:ext cx="2612572" cy="0"/>
+          </a:xfrm>
+          <a:prstGeom prst="line">
+            <a:avLst/>
+          </a:prstGeom>
+          <a:ln>
+            <a:solidFill>
+              <a:srgbClr val="433633"/>
+            </a:solidFill>
+          </a:ln>
+        </p:spPr>
+        <p:style>
+          <a:lnRef idx="1">
+            <a:schemeClr val="accent1"/>
+          </a:lnRef>
+          <a:fillRef idx="0">
+            <a:schemeClr val="accent1"/>
+          </a:fillRef>
+          <a:effectRef idx="0">
+            <a:schemeClr val="accent1"/>
+          </a:effectRef>
+          <a:fontRef idx="minor">
+            <a:schemeClr val="tx1"/>
+          </a:fontRef>
+        </p:style>
+      </p:cxnSp>
+      <p:sp>
+        <p:nvSpPr>
+          <p:cNvPr id="63" name="Rechteck 62">
+            <a:extLst>
+              <a:ext uri="{FF2B5EF4-FFF2-40B4-BE49-F238E27FC236}">
+                <a16:creationId xmlns:a16="http://schemas.microsoft.com/office/drawing/2014/main" id="{4D542A0C-E196-4E8A-9358-CC921C69AEF8}"/>
+              </a:ext>
+            </a:extLst>
+          </p:cNvPr>
+          <p:cNvSpPr/>
+          <p:nvPr/>
+        </p:nvSpPr>
+        <p:spPr>
+          <a:xfrm>
+            <a:off x="7937241" y="2626568"/>
+            <a:ext cx="2612572" cy="401216"/>
+          </a:xfrm>
+          <a:prstGeom prst="rect">
+            <a:avLst/>
+          </a:prstGeom>
+          <a:noFill/>
+          <a:ln>
+            <a:noFill/>
+          </a:ln>
+        </p:spPr>
+        <p:style>
+          <a:lnRef idx="2">
+            <a:schemeClr val="accent1">
+              <a:shade val="50000"/>
+            </a:schemeClr>
+          </a:lnRef>
+          <a:fillRef idx="1">
+            <a:schemeClr val="accent1"/>
+          </a:fillRef>
+          <a:effectRef idx="0">
+            <a:schemeClr val="accent1"/>
+          </a:effectRef>
+          <a:fontRef idx="minor">
+            <a:schemeClr val="lt1"/>
+          </a:fontRef>
+        </p:style>
+        <p:txBody>
+          <a:bodyPr rtlCol="0" anchor="ctr"/>
+          <a:lstStyle/>
+          <a:p>
+            <a:r>
+              <a:rPr lang="de-DE" dirty="0">
+                <a:solidFill>
+                  <a:srgbClr val="433633"/>
+                </a:solidFill>
+                <a:latin typeface="Roboto Light" panose="02000000000000000000" pitchFamily="2" charset="0"/>
+                <a:ea typeface="Roboto Light" panose="02000000000000000000" pitchFamily="2" charset="0"/>
+              </a:rPr>
+              <a:t>senfi13</a:t>
+            </a:r>
+          </a:p>
+        </p:txBody>
+      </p:sp>
+      <p:cxnSp>
+        <p:nvCxnSpPr>
+          <p:cNvPr id="64" name="Gerader Verbinder 63">
+            <a:extLst>
+              <a:ext uri="{FF2B5EF4-FFF2-40B4-BE49-F238E27FC236}">
+                <a16:creationId xmlns:a16="http://schemas.microsoft.com/office/drawing/2014/main" id="{9847F5E1-0052-45FB-AA42-365A491758C9}"/>
+              </a:ext>
+            </a:extLst>
+          </p:cNvPr>
+          <p:cNvCxnSpPr/>
+          <p:nvPr/>
+        </p:nvCxnSpPr>
+        <p:spPr>
+          <a:xfrm>
+            <a:off x="7937241" y="3027784"/>
+            <a:ext cx="2612572" cy="0"/>
+          </a:xfrm>
+          <a:prstGeom prst="line">
+            <a:avLst/>
+          </a:prstGeom>
+          <a:ln>
+            <a:solidFill>
+              <a:srgbClr val="433633"/>
+            </a:solidFill>
+          </a:ln>
+        </p:spPr>
+        <p:style>
+          <a:lnRef idx="1">
+            <a:schemeClr val="accent1"/>
+          </a:lnRef>
+          <a:fillRef idx="0">
+            <a:schemeClr val="accent1"/>
+          </a:fillRef>
+          <a:effectRef idx="0">
+            <a:schemeClr val="accent1"/>
+          </a:effectRef>
+          <a:fontRef idx="minor">
+            <a:schemeClr val="tx1"/>
+          </a:fontRef>
+        </p:style>
+      </p:cxnSp>
+      <p:sp>
+        <p:nvSpPr>
+          <p:cNvPr id="65" name="Rechteck 64">
+            <a:extLst>
+              <a:ext uri="{FF2B5EF4-FFF2-40B4-BE49-F238E27FC236}">
+                <a16:creationId xmlns:a16="http://schemas.microsoft.com/office/drawing/2014/main" id="{48DDEE09-D4E5-4DC7-8ADD-90D4227F38A0}"/>
+              </a:ext>
+            </a:extLst>
+          </p:cNvPr>
+          <p:cNvSpPr/>
+          <p:nvPr/>
+        </p:nvSpPr>
+        <p:spPr>
+          <a:xfrm>
+            <a:off x="7937241" y="2239345"/>
+            <a:ext cx="2612572" cy="401216"/>
+          </a:xfrm>
+          <a:prstGeom prst="rect">
+            <a:avLst/>
+          </a:prstGeom>
+          <a:noFill/>
+          <a:ln>
+            <a:noFill/>
+          </a:ln>
+        </p:spPr>
+        <p:style>
+          <a:lnRef idx="2">
+            <a:schemeClr val="accent1">
+              <a:shade val="50000"/>
+            </a:schemeClr>
+          </a:lnRef>
+          <a:fillRef idx="1">
+            <a:schemeClr val="accent1"/>
+          </a:fillRef>
+          <a:effectRef idx="0">
+            <a:schemeClr val="accent1"/>
+          </a:effectRef>
+          <a:fontRef idx="minor">
+            <a:schemeClr val="lt1"/>
+          </a:fontRef>
+        </p:style>
+        <p:txBody>
+          <a:bodyPr rtlCol="0" anchor="ctr"/>
+          <a:lstStyle/>
+          <a:p>
+            <a:r>
+              <a:rPr lang="de-DE" sz="1200" dirty="0">
+                <a:solidFill>
+                  <a:srgbClr val="7180AC"/>
+                </a:solidFill>
+                <a:latin typeface="Roboto Light" panose="02000000000000000000" pitchFamily="2" charset="0"/>
+                <a:ea typeface="Roboto Light" panose="02000000000000000000" pitchFamily="2" charset="0"/>
+              </a:rPr>
+              <a:t>Benutzername</a:t>
+            </a:r>
+          </a:p>
+        </p:txBody>
+      </p:sp>
+    </p:spTree>
+    <p:extLst>
+      <p:ext uri="{BB962C8B-B14F-4D97-AF65-F5344CB8AC3E}">
+        <p14:creationId xmlns:p14="http://schemas.microsoft.com/office/powerpoint/2010/main" val="3718650153"/>
+      </p:ext>
+    </p:extLst>
+  </p:cSld>
+  <p:clrMapOvr>
+    <a:masterClrMapping/>
+  </p:clrMapOvr>
+</p:sld>
+</file>
+
 <file path=ppt/theme/theme1.xml><?xml version="1.0" encoding="utf-8"?>
 <a:theme xmlns:a="http://schemas.openxmlformats.org/drawingml/2006/main" name="Office">
   <a:themeElements>
